--- a/sensortoolkit/evaluation_objs/templates/O3/Reporting_Template_Base_O3.pptx
+++ b/sensortoolkit/evaluation_objs/templates/O3/Reporting_Template_Base_O3.pptx
@@ -141,338 +141,6 @@
 
 <file path=ppt/changesInfos/changesInfo1.xml><?xml version="1.0" encoding="utf-8"?>
 <pc:chgInfo xmlns:a="http://schemas.openxmlformats.org/drawingml/2006/main" xmlns:r="http://schemas.openxmlformats.org/officeDocument/2006/relationships" xmlns:ac="http://schemas.microsoft.com/office/drawing/2013/main/command" xmlns:pc="http://schemas.microsoft.com/office/powerpoint/2013/main/command">
-  <pc:docChgLst>
-    <pc:chgData name="Frederick, Samuel" userId="090dec4f-7d84-4616-bef6-b2226d1b24c4" providerId="ADAL" clId="{360A67A5-37B6-4E00-A191-96F89693057C}"/>
-    <pc:docChg chg="undo redo custSel modSld modMainMaster">
-      <pc:chgData name="Frederick, Samuel" userId="090dec4f-7d84-4616-bef6-b2226d1b24c4" providerId="ADAL" clId="{360A67A5-37B6-4E00-A191-96F89693057C}" dt="2021-06-25T17:48:28.005" v="167" actId="478"/>
-      <pc:docMkLst>
-        <pc:docMk/>
-      </pc:docMkLst>
-      <pc:sldChg chg="addSp delSp modSp mod">
-        <pc:chgData name="Frederick, Samuel" userId="090dec4f-7d84-4616-bef6-b2226d1b24c4" providerId="ADAL" clId="{360A67A5-37B6-4E00-A191-96F89693057C}" dt="2021-06-25T17:48:28.005" v="167" actId="478"/>
-        <pc:sldMkLst>
-          <pc:docMk/>
-          <pc:sldMk cId="1609848839" sldId="256"/>
-        </pc:sldMkLst>
-        <pc:spChg chg="del">
-          <ac:chgData name="Frederick, Samuel" userId="090dec4f-7d84-4616-bef6-b2226d1b24c4" providerId="ADAL" clId="{360A67A5-37B6-4E00-A191-96F89693057C}" dt="2021-06-25T17:35:06.925" v="4"/>
-          <ac:spMkLst>
-            <pc:docMk/>
-            <pc:sldMk cId="1609848839" sldId="256"/>
-            <ac:spMk id="2" creationId="{D3BBE3C6-F1E4-4D42-8855-1B38098D718D}"/>
-          </ac:spMkLst>
-        </pc:spChg>
-        <pc:spChg chg="add mod">
-          <ac:chgData name="Frederick, Samuel" userId="090dec4f-7d84-4616-bef6-b2226d1b24c4" providerId="ADAL" clId="{360A67A5-37B6-4E00-A191-96F89693057C}" dt="2021-06-25T17:35:06.925" v="4"/>
-          <ac:spMkLst>
-            <pc:docMk/>
-            <pc:sldMk cId="1609848839" sldId="256"/>
-            <ac:spMk id="3" creationId="{E496A7F8-43F8-4BAA-ACE7-4F2FD405C445}"/>
-          </ac:spMkLst>
-        </pc:spChg>
-        <pc:spChg chg="del">
-          <ac:chgData name="Frederick, Samuel" userId="090dec4f-7d84-4616-bef6-b2226d1b24c4" providerId="ADAL" clId="{360A67A5-37B6-4E00-A191-96F89693057C}" dt="2021-06-25T17:35:06.925" v="4"/>
-          <ac:spMkLst>
-            <pc:docMk/>
-            <pc:sldMk cId="1609848839" sldId="256"/>
-            <ac:spMk id="4" creationId="{C1F6EC70-09A5-49CF-8C1A-8D0EB117AC03}"/>
-          </ac:spMkLst>
-        </pc:spChg>
-        <pc:spChg chg="del">
-          <ac:chgData name="Frederick, Samuel" userId="090dec4f-7d84-4616-bef6-b2226d1b24c4" providerId="ADAL" clId="{360A67A5-37B6-4E00-A191-96F89693057C}" dt="2021-06-25T17:35:06.925" v="4"/>
-          <ac:spMkLst>
-            <pc:docMk/>
-            <pc:sldMk cId="1609848839" sldId="256"/>
-            <ac:spMk id="5" creationId="{59B1715C-505C-471D-AC7B-8D5512F1F59D}"/>
-          </ac:spMkLst>
-        </pc:spChg>
-        <pc:spChg chg="add mod">
-          <ac:chgData name="Frederick, Samuel" userId="090dec4f-7d84-4616-bef6-b2226d1b24c4" providerId="ADAL" clId="{360A67A5-37B6-4E00-A191-96F89693057C}" dt="2021-06-25T17:35:06.925" v="4"/>
-          <ac:spMkLst>
-            <pc:docMk/>
-            <pc:sldMk cId="1609848839" sldId="256"/>
-            <ac:spMk id="6" creationId="{A96546AC-36CF-4A51-A082-C4DB57591699}"/>
-          </ac:spMkLst>
-        </pc:spChg>
-        <pc:spChg chg="add mod">
-          <ac:chgData name="Frederick, Samuel" userId="090dec4f-7d84-4616-bef6-b2226d1b24c4" providerId="ADAL" clId="{360A67A5-37B6-4E00-A191-96F89693057C}" dt="2021-06-25T17:35:06.925" v="4"/>
-          <ac:spMkLst>
-            <pc:docMk/>
-            <pc:sldMk cId="1609848839" sldId="256"/>
-            <ac:spMk id="7" creationId="{1F867A50-C366-451C-B510-1358A8E03B8F}"/>
-          </ac:spMkLst>
-        </pc:spChg>
-        <pc:spChg chg="del mod">
-          <ac:chgData name="Frederick, Samuel" userId="090dec4f-7d84-4616-bef6-b2226d1b24c4" providerId="ADAL" clId="{360A67A5-37B6-4E00-A191-96F89693057C}" dt="2021-06-25T17:44:02.034" v="115" actId="478"/>
-          <ac:spMkLst>
-            <pc:docMk/>
-            <pc:sldMk cId="1609848839" sldId="256"/>
-            <ac:spMk id="24" creationId="{E049956A-403C-4054-B4D6-AB0C98529660}"/>
-          </ac:spMkLst>
-        </pc:spChg>
-        <pc:spChg chg="mod">
-          <ac:chgData name="Frederick, Samuel" userId="090dec4f-7d84-4616-bef6-b2226d1b24c4" providerId="ADAL" clId="{360A67A5-37B6-4E00-A191-96F89693057C}" dt="2021-06-25T17:45:51.105" v="143" actId="1076"/>
-          <ac:spMkLst>
-            <pc:docMk/>
-            <pc:sldMk cId="1609848839" sldId="256"/>
-            <ac:spMk id="31" creationId="{C2D3D90C-F994-4CC3-8652-BCA3D4370ADC}"/>
-          </ac:spMkLst>
-        </pc:spChg>
-        <pc:spChg chg="add mod">
-          <ac:chgData name="Frederick, Samuel" userId="090dec4f-7d84-4616-bef6-b2226d1b24c4" providerId="ADAL" clId="{360A67A5-37B6-4E00-A191-96F89693057C}" dt="2021-06-25T17:48:21.649" v="166" actId="1076"/>
-          <ac:spMkLst>
-            <pc:docMk/>
-            <pc:sldMk cId="1609848839" sldId="256"/>
-            <ac:spMk id="34" creationId="{7D655D40-6DF2-4B90-8D9E-8C2B333DA162}"/>
-          </ac:spMkLst>
-        </pc:spChg>
-        <pc:spChg chg="mod">
-          <ac:chgData name="Frederick, Samuel" userId="090dec4f-7d84-4616-bef6-b2226d1b24c4" providerId="ADAL" clId="{360A67A5-37B6-4E00-A191-96F89693057C}" dt="2021-06-25T17:46:59.305" v="146" actId="1076"/>
-          <ac:spMkLst>
-            <pc:docMk/>
-            <pc:sldMk cId="1609848839" sldId="256"/>
-            <ac:spMk id="52" creationId="{C9375A12-4150-4C9A-A5FF-3226CB9B6B71}"/>
-          </ac:spMkLst>
-        </pc:spChg>
-        <pc:graphicFrameChg chg="mod modGraphic">
-          <ac:chgData name="Frederick, Samuel" userId="090dec4f-7d84-4616-bef6-b2226d1b24c4" providerId="ADAL" clId="{360A67A5-37B6-4E00-A191-96F89693057C}" dt="2021-06-25T17:37:23.694" v="30" actId="20577"/>
-          <ac:graphicFrameMkLst>
-            <pc:docMk/>
-            <pc:sldMk cId="1609848839" sldId="256"/>
-            <ac:graphicFrameMk id="18" creationId="{47941790-F508-45B8-841D-BA5D6A7CA69F}"/>
-          </ac:graphicFrameMkLst>
-        </pc:graphicFrameChg>
-        <pc:graphicFrameChg chg="mod modGraphic">
-          <ac:chgData name="Frederick, Samuel" userId="090dec4f-7d84-4616-bef6-b2226d1b24c4" providerId="ADAL" clId="{360A67A5-37B6-4E00-A191-96F89693057C}" dt="2021-06-25T17:37:01.740" v="20"/>
-          <ac:graphicFrameMkLst>
-            <pc:docMk/>
-            <pc:sldMk cId="1609848839" sldId="256"/>
-            <ac:graphicFrameMk id="30" creationId="{21A58A00-867E-4586-9E12-B610E1FDCE28}"/>
-          </ac:graphicFrameMkLst>
-        </pc:graphicFrameChg>
-        <pc:graphicFrameChg chg="add mod modGraphic">
-          <ac:chgData name="Frederick, Samuel" userId="090dec4f-7d84-4616-bef6-b2226d1b24c4" providerId="ADAL" clId="{360A67A5-37B6-4E00-A191-96F89693057C}" dt="2021-06-25T17:45:13.595" v="141" actId="20577"/>
-          <ac:graphicFrameMkLst>
-            <pc:docMk/>
-            <pc:sldMk cId="1609848839" sldId="256"/>
-            <ac:graphicFrameMk id="32" creationId="{B8FDD0E3-4EC8-4FB4-AAC5-E9C047C9329F}"/>
-          </ac:graphicFrameMkLst>
-        </pc:graphicFrameChg>
-        <pc:graphicFrameChg chg="add mod">
-          <ac:chgData name="Frederick, Samuel" userId="090dec4f-7d84-4616-bef6-b2226d1b24c4" providerId="ADAL" clId="{360A67A5-37B6-4E00-A191-96F89693057C}" dt="2021-06-25T17:43:43.265" v="111"/>
-          <ac:graphicFrameMkLst>
-            <pc:docMk/>
-            <pc:sldMk cId="1609848839" sldId="256"/>
-            <ac:graphicFrameMk id="33" creationId="{FF6CC21A-1E4F-4F2B-8F5A-10BA08714989}"/>
-          </ac:graphicFrameMkLst>
-        </pc:graphicFrameChg>
-        <pc:graphicFrameChg chg="del mod">
-          <ac:chgData name="Frederick, Samuel" userId="090dec4f-7d84-4616-bef6-b2226d1b24c4" providerId="ADAL" clId="{360A67A5-37B6-4E00-A191-96F89693057C}" dt="2021-06-25T17:43:34.700" v="109" actId="478"/>
-          <ac:graphicFrameMkLst>
-            <pc:docMk/>
-            <pc:sldMk cId="1609848839" sldId="256"/>
-            <ac:graphicFrameMk id="45" creationId="{CF285BA3-2F77-44D6-A90D-FA09A3ABA0E1}"/>
-          </ac:graphicFrameMkLst>
-        </pc:graphicFrameChg>
-        <pc:graphicFrameChg chg="del">
-          <ac:chgData name="Frederick, Samuel" userId="090dec4f-7d84-4616-bef6-b2226d1b24c4" providerId="ADAL" clId="{360A67A5-37B6-4E00-A191-96F89693057C}" dt="2021-06-25T17:43:36.491" v="110" actId="478"/>
-          <ac:graphicFrameMkLst>
-            <pc:docMk/>
-            <pc:sldMk cId="1609848839" sldId="256"/>
-            <ac:graphicFrameMk id="48" creationId="{AEF6C188-35F2-47DE-9D82-969D34B1EECF}"/>
-          </ac:graphicFrameMkLst>
-        </pc:graphicFrameChg>
-        <pc:graphicFrameChg chg="mod">
-          <ac:chgData name="Frederick, Samuel" userId="090dec4f-7d84-4616-bef6-b2226d1b24c4" providerId="ADAL" clId="{360A67A5-37B6-4E00-A191-96F89693057C}" dt="2021-06-25T17:36:28.360" v="10"/>
-          <ac:graphicFrameMkLst>
-            <pc:docMk/>
-            <pc:sldMk cId="1609848839" sldId="256"/>
-            <ac:graphicFrameMk id="51" creationId="{38C03BB1-CCE2-4806-8CE1-DD9943BC99C5}"/>
-          </ac:graphicFrameMkLst>
-        </pc:graphicFrameChg>
-        <pc:graphicFrameChg chg="mod modGraphic">
-          <ac:chgData name="Frederick, Samuel" userId="090dec4f-7d84-4616-bef6-b2226d1b24c4" providerId="ADAL" clId="{360A67A5-37B6-4E00-A191-96F89693057C}" dt="2021-06-25T17:43:31.759" v="108" actId="20577"/>
-          <ac:graphicFrameMkLst>
-            <pc:docMk/>
-            <pc:sldMk cId="1609848839" sldId="256"/>
-            <ac:graphicFrameMk id="56" creationId="{957E01A2-5E7D-419F-9E4A-7EC900B83EF7}"/>
-          </ac:graphicFrameMkLst>
-        </pc:graphicFrameChg>
-        <pc:cxnChg chg="add del mod">
-          <ac:chgData name="Frederick, Samuel" userId="090dec4f-7d84-4616-bef6-b2226d1b24c4" providerId="ADAL" clId="{360A67A5-37B6-4E00-A191-96F89693057C}" dt="2021-06-25T17:48:28.005" v="167" actId="478"/>
-          <ac:cxnSpMkLst>
-            <pc:docMk/>
-            <pc:sldMk cId="1609848839" sldId="256"/>
-            <ac:cxnSpMk id="9" creationId="{26AAFB8C-FD3F-4C54-BEF5-72647006D2F7}"/>
-          </ac:cxnSpMkLst>
-        </pc:cxnChg>
-      </pc:sldChg>
-      <pc:sldChg chg="addSp delSp modSp mod">
-        <pc:chgData name="Frederick, Samuel" userId="090dec4f-7d84-4616-bef6-b2226d1b24c4" providerId="ADAL" clId="{360A67A5-37B6-4E00-A191-96F89693057C}" dt="2021-06-25T17:35:46.375" v="8"/>
-        <pc:sldMkLst>
-          <pc:docMk/>
-          <pc:sldMk cId="677627962" sldId="260"/>
-        </pc:sldMkLst>
-        <pc:spChg chg="mod">
-          <ac:chgData name="Frederick, Samuel" userId="090dec4f-7d84-4616-bef6-b2226d1b24c4" providerId="ADAL" clId="{360A67A5-37B6-4E00-A191-96F89693057C}" dt="2021-06-25T17:35:10.147" v="5"/>
-          <ac:spMkLst>
-            <pc:docMk/>
-            <pc:sldMk cId="677627962" sldId="260"/>
-            <ac:spMk id="2" creationId="{5D2552CA-E9B4-457D-8B68-179D7461EB2D}"/>
-          </ac:spMkLst>
-        </pc:spChg>
-        <pc:spChg chg="del">
-          <ac:chgData name="Frederick, Samuel" userId="090dec4f-7d84-4616-bef6-b2226d1b24c4" providerId="ADAL" clId="{360A67A5-37B6-4E00-A191-96F89693057C}" dt="2021-06-25T17:35:10.147" v="5"/>
-          <ac:spMkLst>
-            <pc:docMk/>
-            <pc:sldMk cId="677627962" sldId="260"/>
-            <ac:spMk id="3" creationId="{4BE0F3C0-76E9-4BB6-BD59-BD00B774211E}"/>
-          </ac:spMkLst>
-        </pc:spChg>
-        <pc:spChg chg="add mod">
-          <ac:chgData name="Frederick, Samuel" userId="090dec4f-7d84-4616-bef6-b2226d1b24c4" providerId="ADAL" clId="{360A67A5-37B6-4E00-A191-96F89693057C}" dt="2021-06-25T17:35:10.147" v="5"/>
-          <ac:spMkLst>
-            <pc:docMk/>
-            <pc:sldMk cId="677627962" sldId="260"/>
-            <ac:spMk id="4" creationId="{6692EA42-EB5D-4422-9089-993AB136B2A6}"/>
-          </ac:spMkLst>
-        </pc:spChg>
-        <pc:spChg chg="mod">
-          <ac:chgData name="Frederick, Samuel" userId="090dec4f-7d84-4616-bef6-b2226d1b24c4" providerId="ADAL" clId="{360A67A5-37B6-4E00-A191-96F89693057C}" dt="2021-06-25T17:35:36.805" v="6"/>
-          <ac:spMkLst>
-            <pc:docMk/>
-            <pc:sldMk cId="677627962" sldId="260"/>
-            <ac:spMk id="5" creationId="{CA368A03-BB5B-4890-85C6-EC0F1DF40864}"/>
-          </ac:spMkLst>
-        </pc:spChg>
-        <pc:spChg chg="del">
-          <ac:chgData name="Frederick, Samuel" userId="090dec4f-7d84-4616-bef6-b2226d1b24c4" providerId="ADAL" clId="{360A67A5-37B6-4E00-A191-96F89693057C}" dt="2021-06-25T17:35:10.147" v="5"/>
-          <ac:spMkLst>
-            <pc:docMk/>
-            <pc:sldMk cId="677627962" sldId="260"/>
-            <ac:spMk id="6" creationId="{1FAC7418-B39F-48F7-A3F0-03D3E3D9F453}"/>
-          </ac:spMkLst>
-        </pc:spChg>
-        <pc:spChg chg="del">
-          <ac:chgData name="Frederick, Samuel" userId="090dec4f-7d84-4616-bef6-b2226d1b24c4" providerId="ADAL" clId="{360A67A5-37B6-4E00-A191-96F89693057C}" dt="2021-06-25T17:35:10.147" v="5"/>
-          <ac:spMkLst>
-            <pc:docMk/>
-            <pc:sldMk cId="677627962" sldId="260"/>
-            <ac:spMk id="7" creationId="{368CB50A-0C49-471D-870B-C34E5F12DC10}"/>
-          </ac:spMkLst>
-        </pc:spChg>
-        <pc:spChg chg="add mod">
-          <ac:chgData name="Frederick, Samuel" userId="090dec4f-7d84-4616-bef6-b2226d1b24c4" providerId="ADAL" clId="{360A67A5-37B6-4E00-A191-96F89693057C}" dt="2021-06-25T17:35:10.147" v="5"/>
-          <ac:spMkLst>
-            <pc:docMk/>
-            <pc:sldMk cId="677627962" sldId="260"/>
-            <ac:spMk id="8" creationId="{64EE5381-67C9-4DEA-ACDB-E9F8D6D7F4BE}"/>
-          </ac:spMkLst>
-        </pc:spChg>
-        <pc:spChg chg="add mod">
-          <ac:chgData name="Frederick, Samuel" userId="090dec4f-7d84-4616-bef6-b2226d1b24c4" providerId="ADAL" clId="{360A67A5-37B6-4E00-A191-96F89693057C}" dt="2021-06-25T17:35:10.147" v="5"/>
-          <ac:spMkLst>
-            <pc:docMk/>
-            <pc:sldMk cId="677627962" sldId="260"/>
-            <ac:spMk id="9" creationId="{5A97FEA4-A915-4FBD-B17A-D47AA1C1C52F}"/>
-          </ac:spMkLst>
-        </pc:spChg>
-        <pc:graphicFrameChg chg="del">
-          <ac:chgData name="Frederick, Samuel" userId="090dec4f-7d84-4616-bef6-b2226d1b24c4" providerId="ADAL" clId="{360A67A5-37B6-4E00-A191-96F89693057C}" dt="2021-06-25T17:35:46.207" v="7" actId="478"/>
-          <ac:graphicFrameMkLst>
-            <pc:docMk/>
-            <pc:sldMk cId="677627962" sldId="260"/>
-            <ac:graphicFrameMk id="12" creationId="{D41C8C22-744A-414D-A6F3-9BDC3E39EEDF}"/>
-          </ac:graphicFrameMkLst>
-        </pc:graphicFrameChg>
-        <pc:graphicFrameChg chg="add mod">
-          <ac:chgData name="Frederick, Samuel" userId="090dec4f-7d84-4616-bef6-b2226d1b24c4" providerId="ADAL" clId="{360A67A5-37B6-4E00-A191-96F89693057C}" dt="2021-06-25T17:35:46.375" v="8"/>
-          <ac:graphicFrameMkLst>
-            <pc:docMk/>
-            <pc:sldMk cId="677627962" sldId="260"/>
-            <ac:graphicFrameMk id="15" creationId="{FBCA8259-4FB6-42FD-AB91-6E8235005AB8}"/>
-          </ac:graphicFrameMkLst>
-        </pc:graphicFrameChg>
-      </pc:sldChg>
-      <pc:sldMasterChg chg="modSldLayout">
-        <pc:chgData name="Frederick, Samuel" userId="090dec4f-7d84-4616-bef6-b2226d1b24c4" providerId="ADAL" clId="{360A67A5-37B6-4E00-A191-96F89693057C}" dt="2021-06-25T17:34:54.934" v="3"/>
-        <pc:sldMasterMkLst>
-          <pc:docMk/>
-          <pc:sldMasterMk cId="1191321755" sldId="2147483684"/>
-        </pc:sldMasterMkLst>
-        <pc:sldLayoutChg chg="addSp delSp modSp mod">
-          <pc:chgData name="Frederick, Samuel" userId="090dec4f-7d84-4616-bef6-b2226d1b24c4" providerId="ADAL" clId="{360A67A5-37B6-4E00-A191-96F89693057C}" dt="2021-06-25T17:34:54.934" v="3"/>
-          <pc:sldLayoutMkLst>
-            <pc:docMk/>
-            <pc:sldMasterMk cId="1191321755" sldId="2147483684"/>
-            <pc:sldLayoutMk cId="6746695" sldId="2147483685"/>
-          </pc:sldLayoutMkLst>
-          <pc:spChg chg="del">
-            <ac:chgData name="Frederick, Samuel" userId="090dec4f-7d84-4616-bef6-b2226d1b24c4" providerId="ADAL" clId="{360A67A5-37B6-4E00-A191-96F89693057C}" dt="2021-06-25T17:34:54.370" v="2" actId="478"/>
-            <ac:spMkLst>
-              <pc:docMk/>
-              <pc:sldMasterMk cId="1191321755" sldId="2147483684"/>
-              <pc:sldLayoutMk cId="6746695" sldId="2147483685"/>
-              <ac:spMk id="9" creationId="{7BC6E539-5244-48A9-9F4E-73EEB03CD7D7}"/>
-            </ac:spMkLst>
-          </pc:spChg>
-          <pc:spChg chg="add mod">
-            <ac:chgData name="Frederick, Samuel" userId="090dec4f-7d84-4616-bef6-b2226d1b24c4" providerId="ADAL" clId="{360A67A5-37B6-4E00-A191-96F89693057C}" dt="2021-06-25T17:34:54.934" v="3"/>
-            <ac:spMkLst>
-              <pc:docMk/>
-              <pc:sldMasterMk cId="1191321755" sldId="2147483684"/>
-              <pc:sldLayoutMk cId="6746695" sldId="2147483685"/>
-              <ac:spMk id="10" creationId="{EBDB2795-E29B-423B-8CC3-2858E3CB59B9}"/>
-            </ac:spMkLst>
-          </pc:spChg>
-          <pc:spChg chg="add mod">
-            <ac:chgData name="Frederick, Samuel" userId="090dec4f-7d84-4616-bef6-b2226d1b24c4" providerId="ADAL" clId="{360A67A5-37B6-4E00-A191-96F89693057C}" dt="2021-06-25T17:34:54.934" v="3"/>
-            <ac:spMkLst>
-              <pc:docMk/>
-              <pc:sldMasterMk cId="1191321755" sldId="2147483684"/>
-              <pc:sldLayoutMk cId="6746695" sldId="2147483685"/>
-              <ac:spMk id="11" creationId="{7BDC237D-E31E-45E6-81B6-ADE019B9D1D6}"/>
-            </ac:spMkLst>
-          </pc:spChg>
-        </pc:sldLayoutChg>
-        <pc:sldLayoutChg chg="addSp delSp modSp mod">
-          <pc:chgData name="Frederick, Samuel" userId="090dec4f-7d84-4616-bef6-b2226d1b24c4" providerId="ADAL" clId="{360A67A5-37B6-4E00-A191-96F89693057C}" dt="2021-06-25T17:34:49.697" v="1"/>
-          <pc:sldLayoutMkLst>
-            <pc:docMk/>
-            <pc:sldMasterMk cId="1191321755" sldId="2147483684"/>
-            <pc:sldLayoutMk cId="45040622" sldId="2147483686"/>
-          </pc:sldLayoutMkLst>
-          <pc:spChg chg="del">
-            <ac:chgData name="Frederick, Samuel" userId="090dec4f-7d84-4616-bef6-b2226d1b24c4" providerId="ADAL" clId="{360A67A5-37B6-4E00-A191-96F89693057C}" dt="2021-06-25T17:34:49.261" v="0" actId="478"/>
-            <ac:spMkLst>
-              <pc:docMk/>
-              <pc:sldMasterMk cId="1191321755" sldId="2147483684"/>
-              <pc:sldLayoutMk cId="45040622" sldId="2147483686"/>
-              <ac:spMk id="5" creationId="{89D820F8-FAAC-4D4B-A90B-C8060CD41F76}"/>
-            </ac:spMkLst>
-          </pc:spChg>
-          <pc:spChg chg="add mod">
-            <ac:chgData name="Frederick, Samuel" userId="090dec4f-7d84-4616-bef6-b2226d1b24c4" providerId="ADAL" clId="{360A67A5-37B6-4E00-A191-96F89693057C}" dt="2021-06-25T17:34:49.697" v="1"/>
-            <ac:spMkLst>
-              <pc:docMk/>
-              <pc:sldMasterMk cId="1191321755" sldId="2147483684"/>
-              <pc:sldLayoutMk cId="45040622" sldId="2147483686"/>
-              <ac:spMk id="10" creationId="{088473F9-9820-45EC-867C-E1BAE0A43123}"/>
-            </ac:spMkLst>
-          </pc:spChg>
-          <pc:spChg chg="add mod">
-            <ac:chgData name="Frederick, Samuel" userId="090dec4f-7d84-4616-bef6-b2226d1b24c4" providerId="ADAL" clId="{360A67A5-37B6-4E00-A191-96F89693057C}" dt="2021-06-25T17:34:49.697" v="1"/>
-            <ac:spMkLst>
-              <pc:docMk/>
-              <pc:sldMasterMk cId="1191321755" sldId="2147483684"/>
-              <pc:sldLayoutMk cId="45040622" sldId="2147483686"/>
-              <ac:spMk id="11" creationId="{DFF07735-5A9D-461E-B236-B2EA294841B6}"/>
-            </ac:spMkLst>
-          </pc:spChg>
-        </pc:sldLayoutChg>
-      </pc:sldMasterChg>
-    </pc:docChg>
-  </pc:docChgLst>
   <pc:docChgLst>
     <pc:chgData name="Frederick, Samuel" userId="090dec4f-7d84-4616-bef6-b2226d1b24c4" providerId="ADAL" clId="{6302083C-E1B3-44C3-B094-27D1E811BBB1}"/>
     <pc:docChg chg="undo custSel addSld delSld modSld modMainMaster">
@@ -1670,6 +1338,338 @@
       </pc:sldMasterChg>
     </pc:docChg>
   </pc:docChgLst>
+  <pc:docChgLst>
+    <pc:chgData name="Frederick, Samuel" userId="090dec4f-7d84-4616-bef6-b2226d1b24c4" providerId="ADAL" clId="{360A67A5-37B6-4E00-A191-96F89693057C}"/>
+    <pc:docChg chg="undo redo custSel modSld modMainMaster">
+      <pc:chgData name="Frederick, Samuel" userId="090dec4f-7d84-4616-bef6-b2226d1b24c4" providerId="ADAL" clId="{360A67A5-37B6-4E00-A191-96F89693057C}" dt="2021-06-25T17:48:28.005" v="167" actId="478"/>
+      <pc:docMkLst>
+        <pc:docMk/>
+      </pc:docMkLst>
+      <pc:sldChg chg="addSp delSp modSp mod">
+        <pc:chgData name="Frederick, Samuel" userId="090dec4f-7d84-4616-bef6-b2226d1b24c4" providerId="ADAL" clId="{360A67A5-37B6-4E00-A191-96F89693057C}" dt="2021-06-25T17:48:28.005" v="167" actId="478"/>
+        <pc:sldMkLst>
+          <pc:docMk/>
+          <pc:sldMk cId="1609848839" sldId="256"/>
+        </pc:sldMkLst>
+        <pc:spChg chg="del">
+          <ac:chgData name="Frederick, Samuel" userId="090dec4f-7d84-4616-bef6-b2226d1b24c4" providerId="ADAL" clId="{360A67A5-37B6-4E00-A191-96F89693057C}" dt="2021-06-25T17:35:06.925" v="4"/>
+          <ac:spMkLst>
+            <pc:docMk/>
+            <pc:sldMk cId="1609848839" sldId="256"/>
+            <ac:spMk id="2" creationId="{D3BBE3C6-F1E4-4D42-8855-1B38098D718D}"/>
+          </ac:spMkLst>
+        </pc:spChg>
+        <pc:spChg chg="add mod">
+          <ac:chgData name="Frederick, Samuel" userId="090dec4f-7d84-4616-bef6-b2226d1b24c4" providerId="ADAL" clId="{360A67A5-37B6-4E00-A191-96F89693057C}" dt="2021-06-25T17:35:06.925" v="4"/>
+          <ac:spMkLst>
+            <pc:docMk/>
+            <pc:sldMk cId="1609848839" sldId="256"/>
+            <ac:spMk id="3" creationId="{E496A7F8-43F8-4BAA-ACE7-4F2FD405C445}"/>
+          </ac:spMkLst>
+        </pc:spChg>
+        <pc:spChg chg="del">
+          <ac:chgData name="Frederick, Samuel" userId="090dec4f-7d84-4616-bef6-b2226d1b24c4" providerId="ADAL" clId="{360A67A5-37B6-4E00-A191-96F89693057C}" dt="2021-06-25T17:35:06.925" v="4"/>
+          <ac:spMkLst>
+            <pc:docMk/>
+            <pc:sldMk cId="1609848839" sldId="256"/>
+            <ac:spMk id="4" creationId="{C1F6EC70-09A5-49CF-8C1A-8D0EB117AC03}"/>
+          </ac:spMkLst>
+        </pc:spChg>
+        <pc:spChg chg="del">
+          <ac:chgData name="Frederick, Samuel" userId="090dec4f-7d84-4616-bef6-b2226d1b24c4" providerId="ADAL" clId="{360A67A5-37B6-4E00-A191-96F89693057C}" dt="2021-06-25T17:35:06.925" v="4"/>
+          <ac:spMkLst>
+            <pc:docMk/>
+            <pc:sldMk cId="1609848839" sldId="256"/>
+            <ac:spMk id="5" creationId="{59B1715C-505C-471D-AC7B-8D5512F1F59D}"/>
+          </ac:spMkLst>
+        </pc:spChg>
+        <pc:spChg chg="add mod">
+          <ac:chgData name="Frederick, Samuel" userId="090dec4f-7d84-4616-bef6-b2226d1b24c4" providerId="ADAL" clId="{360A67A5-37B6-4E00-A191-96F89693057C}" dt="2021-06-25T17:35:06.925" v="4"/>
+          <ac:spMkLst>
+            <pc:docMk/>
+            <pc:sldMk cId="1609848839" sldId="256"/>
+            <ac:spMk id="6" creationId="{A96546AC-36CF-4A51-A082-C4DB57591699}"/>
+          </ac:spMkLst>
+        </pc:spChg>
+        <pc:spChg chg="add mod">
+          <ac:chgData name="Frederick, Samuel" userId="090dec4f-7d84-4616-bef6-b2226d1b24c4" providerId="ADAL" clId="{360A67A5-37B6-4E00-A191-96F89693057C}" dt="2021-06-25T17:35:06.925" v="4"/>
+          <ac:spMkLst>
+            <pc:docMk/>
+            <pc:sldMk cId="1609848839" sldId="256"/>
+            <ac:spMk id="7" creationId="{1F867A50-C366-451C-B510-1358A8E03B8F}"/>
+          </ac:spMkLst>
+        </pc:spChg>
+        <pc:spChg chg="del mod">
+          <ac:chgData name="Frederick, Samuel" userId="090dec4f-7d84-4616-bef6-b2226d1b24c4" providerId="ADAL" clId="{360A67A5-37B6-4E00-A191-96F89693057C}" dt="2021-06-25T17:44:02.034" v="115" actId="478"/>
+          <ac:spMkLst>
+            <pc:docMk/>
+            <pc:sldMk cId="1609848839" sldId="256"/>
+            <ac:spMk id="24" creationId="{E049956A-403C-4054-B4D6-AB0C98529660}"/>
+          </ac:spMkLst>
+        </pc:spChg>
+        <pc:spChg chg="mod">
+          <ac:chgData name="Frederick, Samuel" userId="090dec4f-7d84-4616-bef6-b2226d1b24c4" providerId="ADAL" clId="{360A67A5-37B6-4E00-A191-96F89693057C}" dt="2021-06-25T17:45:51.105" v="143" actId="1076"/>
+          <ac:spMkLst>
+            <pc:docMk/>
+            <pc:sldMk cId="1609848839" sldId="256"/>
+            <ac:spMk id="31" creationId="{C2D3D90C-F994-4CC3-8652-BCA3D4370ADC}"/>
+          </ac:spMkLst>
+        </pc:spChg>
+        <pc:spChg chg="add mod">
+          <ac:chgData name="Frederick, Samuel" userId="090dec4f-7d84-4616-bef6-b2226d1b24c4" providerId="ADAL" clId="{360A67A5-37B6-4E00-A191-96F89693057C}" dt="2021-06-25T17:48:21.649" v="166" actId="1076"/>
+          <ac:spMkLst>
+            <pc:docMk/>
+            <pc:sldMk cId="1609848839" sldId="256"/>
+            <ac:spMk id="34" creationId="{7D655D40-6DF2-4B90-8D9E-8C2B333DA162}"/>
+          </ac:spMkLst>
+        </pc:spChg>
+        <pc:spChg chg="mod">
+          <ac:chgData name="Frederick, Samuel" userId="090dec4f-7d84-4616-bef6-b2226d1b24c4" providerId="ADAL" clId="{360A67A5-37B6-4E00-A191-96F89693057C}" dt="2021-06-25T17:46:59.305" v="146" actId="1076"/>
+          <ac:spMkLst>
+            <pc:docMk/>
+            <pc:sldMk cId="1609848839" sldId="256"/>
+            <ac:spMk id="52" creationId="{C9375A12-4150-4C9A-A5FF-3226CB9B6B71}"/>
+          </ac:spMkLst>
+        </pc:spChg>
+        <pc:graphicFrameChg chg="mod modGraphic">
+          <ac:chgData name="Frederick, Samuel" userId="090dec4f-7d84-4616-bef6-b2226d1b24c4" providerId="ADAL" clId="{360A67A5-37B6-4E00-A191-96F89693057C}" dt="2021-06-25T17:37:23.694" v="30" actId="20577"/>
+          <ac:graphicFrameMkLst>
+            <pc:docMk/>
+            <pc:sldMk cId="1609848839" sldId="256"/>
+            <ac:graphicFrameMk id="18" creationId="{47941790-F508-45B8-841D-BA5D6A7CA69F}"/>
+          </ac:graphicFrameMkLst>
+        </pc:graphicFrameChg>
+        <pc:graphicFrameChg chg="mod modGraphic">
+          <ac:chgData name="Frederick, Samuel" userId="090dec4f-7d84-4616-bef6-b2226d1b24c4" providerId="ADAL" clId="{360A67A5-37B6-4E00-A191-96F89693057C}" dt="2021-06-25T17:37:01.740" v="20"/>
+          <ac:graphicFrameMkLst>
+            <pc:docMk/>
+            <pc:sldMk cId="1609848839" sldId="256"/>
+            <ac:graphicFrameMk id="30" creationId="{21A58A00-867E-4586-9E12-B610E1FDCE28}"/>
+          </ac:graphicFrameMkLst>
+        </pc:graphicFrameChg>
+        <pc:graphicFrameChg chg="add mod modGraphic">
+          <ac:chgData name="Frederick, Samuel" userId="090dec4f-7d84-4616-bef6-b2226d1b24c4" providerId="ADAL" clId="{360A67A5-37B6-4E00-A191-96F89693057C}" dt="2021-06-25T17:45:13.595" v="141" actId="20577"/>
+          <ac:graphicFrameMkLst>
+            <pc:docMk/>
+            <pc:sldMk cId="1609848839" sldId="256"/>
+            <ac:graphicFrameMk id="32" creationId="{B8FDD0E3-4EC8-4FB4-AAC5-E9C047C9329F}"/>
+          </ac:graphicFrameMkLst>
+        </pc:graphicFrameChg>
+        <pc:graphicFrameChg chg="add mod">
+          <ac:chgData name="Frederick, Samuel" userId="090dec4f-7d84-4616-bef6-b2226d1b24c4" providerId="ADAL" clId="{360A67A5-37B6-4E00-A191-96F89693057C}" dt="2021-06-25T17:43:43.265" v="111"/>
+          <ac:graphicFrameMkLst>
+            <pc:docMk/>
+            <pc:sldMk cId="1609848839" sldId="256"/>
+            <ac:graphicFrameMk id="33" creationId="{FF6CC21A-1E4F-4F2B-8F5A-10BA08714989}"/>
+          </ac:graphicFrameMkLst>
+        </pc:graphicFrameChg>
+        <pc:graphicFrameChg chg="del mod">
+          <ac:chgData name="Frederick, Samuel" userId="090dec4f-7d84-4616-bef6-b2226d1b24c4" providerId="ADAL" clId="{360A67A5-37B6-4E00-A191-96F89693057C}" dt="2021-06-25T17:43:34.700" v="109" actId="478"/>
+          <ac:graphicFrameMkLst>
+            <pc:docMk/>
+            <pc:sldMk cId="1609848839" sldId="256"/>
+            <ac:graphicFrameMk id="45" creationId="{CF285BA3-2F77-44D6-A90D-FA09A3ABA0E1}"/>
+          </ac:graphicFrameMkLst>
+        </pc:graphicFrameChg>
+        <pc:graphicFrameChg chg="del">
+          <ac:chgData name="Frederick, Samuel" userId="090dec4f-7d84-4616-bef6-b2226d1b24c4" providerId="ADAL" clId="{360A67A5-37B6-4E00-A191-96F89693057C}" dt="2021-06-25T17:43:36.491" v="110" actId="478"/>
+          <ac:graphicFrameMkLst>
+            <pc:docMk/>
+            <pc:sldMk cId="1609848839" sldId="256"/>
+            <ac:graphicFrameMk id="48" creationId="{AEF6C188-35F2-47DE-9D82-969D34B1EECF}"/>
+          </ac:graphicFrameMkLst>
+        </pc:graphicFrameChg>
+        <pc:graphicFrameChg chg="mod">
+          <ac:chgData name="Frederick, Samuel" userId="090dec4f-7d84-4616-bef6-b2226d1b24c4" providerId="ADAL" clId="{360A67A5-37B6-4E00-A191-96F89693057C}" dt="2021-06-25T17:36:28.360" v="10"/>
+          <ac:graphicFrameMkLst>
+            <pc:docMk/>
+            <pc:sldMk cId="1609848839" sldId="256"/>
+            <ac:graphicFrameMk id="51" creationId="{38C03BB1-CCE2-4806-8CE1-DD9943BC99C5}"/>
+          </ac:graphicFrameMkLst>
+        </pc:graphicFrameChg>
+        <pc:graphicFrameChg chg="mod modGraphic">
+          <ac:chgData name="Frederick, Samuel" userId="090dec4f-7d84-4616-bef6-b2226d1b24c4" providerId="ADAL" clId="{360A67A5-37B6-4E00-A191-96F89693057C}" dt="2021-06-25T17:43:31.759" v="108" actId="20577"/>
+          <ac:graphicFrameMkLst>
+            <pc:docMk/>
+            <pc:sldMk cId="1609848839" sldId="256"/>
+            <ac:graphicFrameMk id="56" creationId="{957E01A2-5E7D-419F-9E4A-7EC900B83EF7}"/>
+          </ac:graphicFrameMkLst>
+        </pc:graphicFrameChg>
+        <pc:cxnChg chg="add del mod">
+          <ac:chgData name="Frederick, Samuel" userId="090dec4f-7d84-4616-bef6-b2226d1b24c4" providerId="ADAL" clId="{360A67A5-37B6-4E00-A191-96F89693057C}" dt="2021-06-25T17:48:28.005" v="167" actId="478"/>
+          <ac:cxnSpMkLst>
+            <pc:docMk/>
+            <pc:sldMk cId="1609848839" sldId="256"/>
+            <ac:cxnSpMk id="9" creationId="{26AAFB8C-FD3F-4C54-BEF5-72647006D2F7}"/>
+          </ac:cxnSpMkLst>
+        </pc:cxnChg>
+      </pc:sldChg>
+      <pc:sldChg chg="addSp delSp modSp mod">
+        <pc:chgData name="Frederick, Samuel" userId="090dec4f-7d84-4616-bef6-b2226d1b24c4" providerId="ADAL" clId="{360A67A5-37B6-4E00-A191-96F89693057C}" dt="2021-06-25T17:35:46.375" v="8"/>
+        <pc:sldMkLst>
+          <pc:docMk/>
+          <pc:sldMk cId="677627962" sldId="260"/>
+        </pc:sldMkLst>
+        <pc:spChg chg="mod">
+          <ac:chgData name="Frederick, Samuel" userId="090dec4f-7d84-4616-bef6-b2226d1b24c4" providerId="ADAL" clId="{360A67A5-37B6-4E00-A191-96F89693057C}" dt="2021-06-25T17:35:10.147" v="5"/>
+          <ac:spMkLst>
+            <pc:docMk/>
+            <pc:sldMk cId="677627962" sldId="260"/>
+            <ac:spMk id="2" creationId="{5D2552CA-E9B4-457D-8B68-179D7461EB2D}"/>
+          </ac:spMkLst>
+        </pc:spChg>
+        <pc:spChg chg="del">
+          <ac:chgData name="Frederick, Samuel" userId="090dec4f-7d84-4616-bef6-b2226d1b24c4" providerId="ADAL" clId="{360A67A5-37B6-4E00-A191-96F89693057C}" dt="2021-06-25T17:35:10.147" v="5"/>
+          <ac:spMkLst>
+            <pc:docMk/>
+            <pc:sldMk cId="677627962" sldId="260"/>
+            <ac:spMk id="3" creationId="{4BE0F3C0-76E9-4BB6-BD59-BD00B774211E}"/>
+          </ac:spMkLst>
+        </pc:spChg>
+        <pc:spChg chg="add mod">
+          <ac:chgData name="Frederick, Samuel" userId="090dec4f-7d84-4616-bef6-b2226d1b24c4" providerId="ADAL" clId="{360A67A5-37B6-4E00-A191-96F89693057C}" dt="2021-06-25T17:35:10.147" v="5"/>
+          <ac:spMkLst>
+            <pc:docMk/>
+            <pc:sldMk cId="677627962" sldId="260"/>
+            <ac:spMk id="4" creationId="{6692EA42-EB5D-4422-9089-993AB136B2A6}"/>
+          </ac:spMkLst>
+        </pc:spChg>
+        <pc:spChg chg="mod">
+          <ac:chgData name="Frederick, Samuel" userId="090dec4f-7d84-4616-bef6-b2226d1b24c4" providerId="ADAL" clId="{360A67A5-37B6-4E00-A191-96F89693057C}" dt="2021-06-25T17:35:36.805" v="6"/>
+          <ac:spMkLst>
+            <pc:docMk/>
+            <pc:sldMk cId="677627962" sldId="260"/>
+            <ac:spMk id="5" creationId="{CA368A03-BB5B-4890-85C6-EC0F1DF40864}"/>
+          </ac:spMkLst>
+        </pc:spChg>
+        <pc:spChg chg="del">
+          <ac:chgData name="Frederick, Samuel" userId="090dec4f-7d84-4616-bef6-b2226d1b24c4" providerId="ADAL" clId="{360A67A5-37B6-4E00-A191-96F89693057C}" dt="2021-06-25T17:35:10.147" v="5"/>
+          <ac:spMkLst>
+            <pc:docMk/>
+            <pc:sldMk cId="677627962" sldId="260"/>
+            <ac:spMk id="6" creationId="{1FAC7418-B39F-48F7-A3F0-03D3E3D9F453}"/>
+          </ac:spMkLst>
+        </pc:spChg>
+        <pc:spChg chg="del">
+          <ac:chgData name="Frederick, Samuel" userId="090dec4f-7d84-4616-bef6-b2226d1b24c4" providerId="ADAL" clId="{360A67A5-37B6-4E00-A191-96F89693057C}" dt="2021-06-25T17:35:10.147" v="5"/>
+          <ac:spMkLst>
+            <pc:docMk/>
+            <pc:sldMk cId="677627962" sldId="260"/>
+            <ac:spMk id="7" creationId="{368CB50A-0C49-471D-870B-C34E5F12DC10}"/>
+          </ac:spMkLst>
+        </pc:spChg>
+        <pc:spChg chg="add mod">
+          <ac:chgData name="Frederick, Samuel" userId="090dec4f-7d84-4616-bef6-b2226d1b24c4" providerId="ADAL" clId="{360A67A5-37B6-4E00-A191-96F89693057C}" dt="2021-06-25T17:35:10.147" v="5"/>
+          <ac:spMkLst>
+            <pc:docMk/>
+            <pc:sldMk cId="677627962" sldId="260"/>
+            <ac:spMk id="8" creationId="{64EE5381-67C9-4DEA-ACDB-E9F8D6D7F4BE}"/>
+          </ac:spMkLst>
+        </pc:spChg>
+        <pc:spChg chg="add mod">
+          <ac:chgData name="Frederick, Samuel" userId="090dec4f-7d84-4616-bef6-b2226d1b24c4" providerId="ADAL" clId="{360A67A5-37B6-4E00-A191-96F89693057C}" dt="2021-06-25T17:35:10.147" v="5"/>
+          <ac:spMkLst>
+            <pc:docMk/>
+            <pc:sldMk cId="677627962" sldId="260"/>
+            <ac:spMk id="9" creationId="{5A97FEA4-A915-4FBD-B17A-D47AA1C1C52F}"/>
+          </ac:spMkLst>
+        </pc:spChg>
+        <pc:graphicFrameChg chg="del">
+          <ac:chgData name="Frederick, Samuel" userId="090dec4f-7d84-4616-bef6-b2226d1b24c4" providerId="ADAL" clId="{360A67A5-37B6-4E00-A191-96F89693057C}" dt="2021-06-25T17:35:46.207" v="7" actId="478"/>
+          <ac:graphicFrameMkLst>
+            <pc:docMk/>
+            <pc:sldMk cId="677627962" sldId="260"/>
+            <ac:graphicFrameMk id="12" creationId="{D41C8C22-744A-414D-A6F3-9BDC3E39EEDF}"/>
+          </ac:graphicFrameMkLst>
+        </pc:graphicFrameChg>
+        <pc:graphicFrameChg chg="add mod">
+          <ac:chgData name="Frederick, Samuel" userId="090dec4f-7d84-4616-bef6-b2226d1b24c4" providerId="ADAL" clId="{360A67A5-37B6-4E00-A191-96F89693057C}" dt="2021-06-25T17:35:46.375" v="8"/>
+          <ac:graphicFrameMkLst>
+            <pc:docMk/>
+            <pc:sldMk cId="677627962" sldId="260"/>
+            <ac:graphicFrameMk id="15" creationId="{FBCA8259-4FB6-42FD-AB91-6E8235005AB8}"/>
+          </ac:graphicFrameMkLst>
+        </pc:graphicFrameChg>
+      </pc:sldChg>
+      <pc:sldMasterChg chg="modSldLayout">
+        <pc:chgData name="Frederick, Samuel" userId="090dec4f-7d84-4616-bef6-b2226d1b24c4" providerId="ADAL" clId="{360A67A5-37B6-4E00-A191-96F89693057C}" dt="2021-06-25T17:34:54.934" v="3"/>
+        <pc:sldMasterMkLst>
+          <pc:docMk/>
+          <pc:sldMasterMk cId="1191321755" sldId="2147483684"/>
+        </pc:sldMasterMkLst>
+        <pc:sldLayoutChg chg="addSp delSp modSp mod">
+          <pc:chgData name="Frederick, Samuel" userId="090dec4f-7d84-4616-bef6-b2226d1b24c4" providerId="ADAL" clId="{360A67A5-37B6-4E00-A191-96F89693057C}" dt="2021-06-25T17:34:54.934" v="3"/>
+          <pc:sldLayoutMkLst>
+            <pc:docMk/>
+            <pc:sldMasterMk cId="1191321755" sldId="2147483684"/>
+            <pc:sldLayoutMk cId="6746695" sldId="2147483685"/>
+          </pc:sldLayoutMkLst>
+          <pc:spChg chg="del">
+            <ac:chgData name="Frederick, Samuel" userId="090dec4f-7d84-4616-bef6-b2226d1b24c4" providerId="ADAL" clId="{360A67A5-37B6-4E00-A191-96F89693057C}" dt="2021-06-25T17:34:54.370" v="2" actId="478"/>
+            <ac:spMkLst>
+              <pc:docMk/>
+              <pc:sldMasterMk cId="1191321755" sldId="2147483684"/>
+              <pc:sldLayoutMk cId="6746695" sldId="2147483685"/>
+              <ac:spMk id="9" creationId="{7BC6E539-5244-48A9-9F4E-73EEB03CD7D7}"/>
+            </ac:spMkLst>
+          </pc:spChg>
+          <pc:spChg chg="add mod">
+            <ac:chgData name="Frederick, Samuel" userId="090dec4f-7d84-4616-bef6-b2226d1b24c4" providerId="ADAL" clId="{360A67A5-37B6-4E00-A191-96F89693057C}" dt="2021-06-25T17:34:54.934" v="3"/>
+            <ac:spMkLst>
+              <pc:docMk/>
+              <pc:sldMasterMk cId="1191321755" sldId="2147483684"/>
+              <pc:sldLayoutMk cId="6746695" sldId="2147483685"/>
+              <ac:spMk id="10" creationId="{EBDB2795-E29B-423B-8CC3-2858E3CB59B9}"/>
+            </ac:spMkLst>
+          </pc:spChg>
+          <pc:spChg chg="add mod">
+            <ac:chgData name="Frederick, Samuel" userId="090dec4f-7d84-4616-bef6-b2226d1b24c4" providerId="ADAL" clId="{360A67A5-37B6-4E00-A191-96F89693057C}" dt="2021-06-25T17:34:54.934" v="3"/>
+            <ac:spMkLst>
+              <pc:docMk/>
+              <pc:sldMasterMk cId="1191321755" sldId="2147483684"/>
+              <pc:sldLayoutMk cId="6746695" sldId="2147483685"/>
+              <ac:spMk id="11" creationId="{7BDC237D-E31E-45E6-81B6-ADE019B9D1D6}"/>
+            </ac:spMkLst>
+          </pc:spChg>
+        </pc:sldLayoutChg>
+        <pc:sldLayoutChg chg="addSp delSp modSp mod">
+          <pc:chgData name="Frederick, Samuel" userId="090dec4f-7d84-4616-bef6-b2226d1b24c4" providerId="ADAL" clId="{360A67A5-37B6-4E00-A191-96F89693057C}" dt="2021-06-25T17:34:49.697" v="1"/>
+          <pc:sldLayoutMkLst>
+            <pc:docMk/>
+            <pc:sldMasterMk cId="1191321755" sldId="2147483684"/>
+            <pc:sldLayoutMk cId="45040622" sldId="2147483686"/>
+          </pc:sldLayoutMkLst>
+          <pc:spChg chg="del">
+            <ac:chgData name="Frederick, Samuel" userId="090dec4f-7d84-4616-bef6-b2226d1b24c4" providerId="ADAL" clId="{360A67A5-37B6-4E00-A191-96F89693057C}" dt="2021-06-25T17:34:49.261" v="0" actId="478"/>
+            <ac:spMkLst>
+              <pc:docMk/>
+              <pc:sldMasterMk cId="1191321755" sldId="2147483684"/>
+              <pc:sldLayoutMk cId="45040622" sldId="2147483686"/>
+              <ac:spMk id="5" creationId="{89D820F8-FAAC-4D4B-A90B-C8060CD41F76}"/>
+            </ac:spMkLst>
+          </pc:spChg>
+          <pc:spChg chg="add mod">
+            <ac:chgData name="Frederick, Samuel" userId="090dec4f-7d84-4616-bef6-b2226d1b24c4" providerId="ADAL" clId="{360A67A5-37B6-4E00-A191-96F89693057C}" dt="2021-06-25T17:34:49.697" v="1"/>
+            <ac:spMkLst>
+              <pc:docMk/>
+              <pc:sldMasterMk cId="1191321755" sldId="2147483684"/>
+              <pc:sldLayoutMk cId="45040622" sldId="2147483686"/>
+              <ac:spMk id="10" creationId="{088473F9-9820-45EC-867C-E1BAE0A43123}"/>
+            </ac:spMkLst>
+          </pc:spChg>
+          <pc:spChg chg="add mod">
+            <ac:chgData name="Frederick, Samuel" userId="090dec4f-7d84-4616-bef6-b2226d1b24c4" providerId="ADAL" clId="{360A67A5-37B6-4E00-A191-96F89693057C}" dt="2021-06-25T17:34:49.697" v="1"/>
+            <ac:spMkLst>
+              <pc:docMk/>
+              <pc:sldMasterMk cId="1191321755" sldId="2147483684"/>
+              <pc:sldLayoutMk cId="45040622" sldId="2147483686"/>
+              <ac:spMk id="11" creationId="{DFF07735-5A9D-461E-B236-B2EA294841B6}"/>
+            </ac:spMkLst>
+          </pc:spChg>
+        </pc:sldLayoutChg>
+      </pc:sldMasterChg>
+    </pc:docChg>
+  </pc:docChgLst>
 </pc:chgInfo>
 </file>
 
@@ -1755,7 +1755,7 @@
           <a:p>
             <a:fld id="{3CA1DE52-DF04-4D3A-9C2F-16E440759AD9}" type="datetimeFigureOut">
               <a:rPr lang="en-US" smtClean="0"/>
-              <a:t>6/25/2021</a:t>
+              <a:t>1/12/2022</a:t>
             </a:fld>
             <a:endParaRPr lang="en-US"/>
           </a:p>
@@ -4866,7 +4866,7 @@
           <p:nvPr>
             <p:extLst>
               <p:ext uri="{D42A27DB-BD31-4B8C-83A1-F6EECF244321}">
-                <p14:modId xmlns:p14="http://schemas.microsoft.com/office/powerpoint/2010/main" val="15436171"/>
+                <p14:modId xmlns:p14="http://schemas.microsoft.com/office/powerpoint/2010/main" val="3137500743"/>
               </p:ext>
             </p:extLst>
           </p:nvPr>
@@ -5040,7 +5040,7 @@
                     <a:bodyPr/>
                     <a:lstStyle/>
                     <a:p>
-                      <a:pPr marL="0" marR="0" lvl="0" indent="0" algn="ctr" defTabSz="1554480" rtl="0" eaLnBrk="1" fontAlgn="auto" latinLnBrk="0" hangingPunct="1">
+                      <a:pPr marL="0" marR="0" lvl="0" indent="0" algn="l" defTabSz="1554480" rtl="0" eaLnBrk="1" fontAlgn="auto" latinLnBrk="0" hangingPunct="1">
                         <a:lnSpc>
                           <a:spcPct val="100000"/>
                         </a:lnSpc>
@@ -8249,13 +8249,13 @@
           <p:nvPr>
             <p:extLst>
               <p:ext uri="{D42A27DB-BD31-4B8C-83A1-F6EECF244321}">
-                <p14:modId xmlns:p14="http://schemas.microsoft.com/office/powerpoint/2010/main" val="1032831007"/>
+                <p14:modId xmlns:p14="http://schemas.microsoft.com/office/powerpoint/2010/main" val="120769567"/>
               </p:ext>
             </p:extLst>
           </p:nvPr>
         </p:nvGraphicFramePr>
         <p:xfrm>
-          <a:off x="1806546" y="18480402"/>
+          <a:off x="1600200" y="18278856"/>
           <a:ext cx="4442840" cy="1030064"/>
         </p:xfrm>
         <a:graphic>
@@ -8589,13 +8589,13 @@
           <p:nvPr>
             <p:extLst>
               <p:ext uri="{D42A27DB-BD31-4B8C-83A1-F6EECF244321}">
-                <p14:modId xmlns:p14="http://schemas.microsoft.com/office/powerpoint/2010/main" val="2900966569"/>
+                <p14:modId xmlns:p14="http://schemas.microsoft.com/office/powerpoint/2010/main" val="3992447454"/>
               </p:ext>
             </p:extLst>
           </p:nvPr>
         </p:nvGraphicFramePr>
         <p:xfrm>
-          <a:off x="7905366" y="18480402"/>
+          <a:off x="7905366" y="18278856"/>
           <a:ext cx="4292660" cy="1030064"/>
         </p:xfrm>
         <a:graphic>
@@ -12859,59 +12859,6 @@
 </file>
 
 <file path=customXml/item1.xml><?xml version="1.0" encoding="utf-8"?>
-<p:properties xmlns:p="http://schemas.microsoft.com/office/2006/metadata/properties" xmlns:xsi="http://www.w3.org/2001/XMLSchema-instance" xmlns:pc="http://schemas.microsoft.com/office/infopath/2007/PartnerControls">
-  <documentManagement>
-    <_Source xmlns="http://schemas.microsoft.com/sharepoint/v3/fields" xsi:nil="true"/>
-    <Language xmlns="http://schemas.microsoft.com/sharepoint/v3">English</Language>
-    <j747ac98061d40f0aa7bd47e1db5675d xmlns="4ffa91fb-a0ff-4ac5-b2db-65c790d184a4">
-      <Terms xmlns="http://schemas.microsoft.com/office/infopath/2007/PartnerControls"/>
-    </j747ac98061d40f0aa7bd47e1db5675d>
-    <External_x0020_Contributor xmlns="4ffa91fb-a0ff-4ac5-b2db-65c790d184a4" xsi:nil="true"/>
-    <TaxKeywordTaxHTField xmlns="4ffa91fb-a0ff-4ac5-b2db-65c790d184a4">
-      <Terms xmlns="http://schemas.microsoft.com/office/infopath/2007/PartnerControls"/>
-    </TaxKeywordTaxHTField>
-    <Record xmlns="4ffa91fb-a0ff-4ac5-b2db-65c790d184a4">Shared</Record>
-    <Rights xmlns="4ffa91fb-a0ff-4ac5-b2db-65c790d184a4" xsi:nil="true"/>
-    <Document_x0020_Creation_x0020_Date xmlns="4ffa91fb-a0ff-4ac5-b2db-65c790d184a4">2020-03-04T16:29:16+00:00</Document_x0020_Creation_x0020_Date>
-    <EPA_x0020_Office xmlns="4ffa91fb-a0ff-4ac5-b2db-65c790d184a4" xsi:nil="true"/>
-    <CategoryDescription xmlns="http://schemas.microsoft.com/sharepoint.v3" xsi:nil="true"/>
-    <Identifier xmlns="4ffa91fb-a0ff-4ac5-b2db-65c790d184a4" xsi:nil="true"/>
-    <_Coverage xmlns="http://schemas.microsoft.com/sharepoint/v3/fields" xsi:nil="true"/>
-    <Creator xmlns="4ffa91fb-a0ff-4ac5-b2db-65c790d184a4">
-      <UserInfo>
-        <DisplayName/>
-        <AccountId xsi:nil="true"/>
-        <AccountType/>
-      </UserInfo>
-    </Creator>
-    <EPA_x0020_Related_x0020_Documents xmlns="4ffa91fb-a0ff-4ac5-b2db-65c790d184a4" xsi:nil="true"/>
-    <EPA_x0020_Contributor xmlns="4ffa91fb-a0ff-4ac5-b2db-65c790d184a4">
-      <UserInfo>
-        <DisplayName/>
-        <AccountId xsi:nil="true"/>
-        <AccountType/>
-      </UserInfo>
-    </EPA_x0020_Contributor>
-    <TaxCatchAll xmlns="4ffa91fb-a0ff-4ac5-b2db-65c790d184a4"/>
-  </documentManagement>
-</p:properties>
-</file>
-
-<file path=customXml/item2.xml><?xml version="1.0" encoding="utf-8"?>
-<?mso-contentType ?>
-<FormTemplates xmlns="http://schemas.microsoft.com/sharepoint/v3/contenttype/forms">
-  <Display>DocumentLibraryForm</Display>
-  <Edit>DocumentLibraryForm</Edit>
-  <New>DocumentLibraryForm</New>
-</FormTemplates>
-</file>
-
-<file path=customXml/item3.xml><?xml version="1.0" encoding="utf-8"?>
-<?mso-contentType ?>
-<SharedContentType xmlns="Microsoft.SharePoint.Taxonomy.ContentTypeSync" SourceId="29f62856-1543-49d4-a736-4569d363f533" ContentTypeId="0x0101" PreviousValue="false"/>
-</file>
-
-<file path=customXml/item4.xml><?xml version="1.0" encoding="utf-8"?>
 <ct:contentTypeSchema xmlns:ct="http://schemas.microsoft.com/office/2006/metadata/contentType" xmlns:ma="http://schemas.microsoft.com/office/2006/metadata/properties/metaAttributes" ct:_="" ma:_="" ma:contentTypeName="Document" ma:contentTypeID="0x010100564A490502BCE94B94B40D182DF629A7" ma:contentTypeVersion="10" ma:contentTypeDescription="Create a new document." ma:contentTypeScope="" ma:versionID="edc9365ca1982d5cfb353b974c2fd121">
   <xsd:schema xmlns:xsd="http://www.w3.org/2001/XMLSchema" xmlns:xs="http://www.w3.org/2001/XMLSchema" xmlns:p="http://schemas.microsoft.com/office/2006/metadata/properties" xmlns:ns1="http://schemas.microsoft.com/sharepoint/v3" xmlns:ns2="4ffa91fb-a0ff-4ac5-b2db-65c790d184a4" xmlns:ns3="http://schemas.microsoft.com/sharepoint.v3" xmlns:ns4="http://schemas.microsoft.com/sharepoint/v3/fields" xmlns:ns5="92953017-96f5-40cd-8d9e-826506a80b1b" targetNamespace="http://schemas.microsoft.com/office/2006/metadata/properties" ma:root="true" ma:fieldsID="0e17b492b81938533bbafcb3131407c0" ns1:_="" ns2:_="" ns3:_="" ns4:_="" ns5:_="">
     <xsd:import namespace="http://schemas.microsoft.com/sharepoint/v3"/>
@@ -13309,36 +13256,60 @@
 </ct:contentTypeSchema>
 </file>
 
-<file path=customXml/itemProps1.xml><?xml version="1.0" encoding="utf-8"?>
-<ds:datastoreItem xmlns:ds="http://schemas.openxmlformats.org/officeDocument/2006/customXml" ds:itemID="{2EED311A-CCB5-4625-B52F-BB9F85A51581}">
-  <ds:schemaRefs>
-    <ds:schemaRef ds:uri="http://schemas.microsoft.com/office/2006/metadata/properties"/>
-    <ds:schemaRef ds:uri="http://schemas.microsoft.com/office/infopath/2007/PartnerControls"/>
-    <ds:schemaRef ds:uri="http://schemas.microsoft.com/sharepoint/v3/fields"/>
-    <ds:schemaRef ds:uri="http://schemas.microsoft.com/sharepoint/v3"/>
-    <ds:schemaRef ds:uri="4ffa91fb-a0ff-4ac5-b2db-65c790d184a4"/>
-    <ds:schemaRef ds:uri="http://schemas.microsoft.com/sharepoint.v3"/>
-  </ds:schemaRefs>
-</ds:datastoreItem>
+<file path=customXml/item2.xml><?xml version="1.0" encoding="utf-8"?>
+<?mso-contentType ?>
+<SharedContentType xmlns="Microsoft.SharePoint.Taxonomy.ContentTypeSync" SourceId="29f62856-1543-49d4-a736-4569d363f533" ContentTypeId="0x0101" PreviousValue="false"/>
 </file>
 
-<file path=customXml/itemProps2.xml><?xml version="1.0" encoding="utf-8"?>
-<ds:datastoreItem xmlns:ds="http://schemas.openxmlformats.org/officeDocument/2006/customXml" ds:itemID="{E3A66A80-EEBD-4235-BF6F-659447EA7FC0}">
-  <ds:schemaRefs>
-    <ds:schemaRef ds:uri="http://schemas.microsoft.com/sharepoint/v3/contenttype/forms"/>
-  </ds:schemaRefs>
-</ds:datastoreItem>
+<file path=customXml/item3.xml><?xml version="1.0" encoding="utf-8"?>
+<?mso-contentType ?>
+<FormTemplates xmlns="http://schemas.microsoft.com/sharepoint/v3/contenttype/forms">
+  <Display>DocumentLibraryForm</Display>
+  <Edit>DocumentLibraryForm</Edit>
+  <New>DocumentLibraryForm</New>
+</FormTemplates>
 </file>
 
-<file path=customXml/itemProps3.xml><?xml version="1.0" encoding="utf-8"?>
-<ds:datastoreItem xmlns:ds="http://schemas.openxmlformats.org/officeDocument/2006/customXml" ds:itemID="{9D969709-82DA-4F6F-85CB-B966EACA0A33}">
-  <ds:schemaRefs>
-    <ds:schemaRef ds:uri="Microsoft.SharePoint.Taxonomy.ContentTypeSync"/>
-  </ds:schemaRefs>
-</ds:datastoreItem>
+<file path=customXml/item4.xml><?xml version="1.0" encoding="utf-8"?>
+<p:properties xmlns:p="http://schemas.microsoft.com/office/2006/metadata/properties" xmlns:xsi="http://www.w3.org/2001/XMLSchema-instance" xmlns:pc="http://schemas.microsoft.com/office/infopath/2007/PartnerControls">
+  <documentManagement>
+    <_Source xmlns="http://schemas.microsoft.com/sharepoint/v3/fields" xsi:nil="true"/>
+    <Language xmlns="http://schemas.microsoft.com/sharepoint/v3">English</Language>
+    <j747ac98061d40f0aa7bd47e1db5675d xmlns="4ffa91fb-a0ff-4ac5-b2db-65c790d184a4">
+      <Terms xmlns="http://schemas.microsoft.com/office/infopath/2007/PartnerControls"/>
+    </j747ac98061d40f0aa7bd47e1db5675d>
+    <External_x0020_Contributor xmlns="4ffa91fb-a0ff-4ac5-b2db-65c790d184a4" xsi:nil="true"/>
+    <TaxKeywordTaxHTField xmlns="4ffa91fb-a0ff-4ac5-b2db-65c790d184a4">
+      <Terms xmlns="http://schemas.microsoft.com/office/infopath/2007/PartnerControls"/>
+    </TaxKeywordTaxHTField>
+    <Record xmlns="4ffa91fb-a0ff-4ac5-b2db-65c790d184a4">Shared</Record>
+    <Rights xmlns="4ffa91fb-a0ff-4ac5-b2db-65c790d184a4" xsi:nil="true"/>
+    <Document_x0020_Creation_x0020_Date xmlns="4ffa91fb-a0ff-4ac5-b2db-65c790d184a4">2020-03-04T16:29:16+00:00</Document_x0020_Creation_x0020_Date>
+    <EPA_x0020_Office xmlns="4ffa91fb-a0ff-4ac5-b2db-65c790d184a4" xsi:nil="true"/>
+    <CategoryDescription xmlns="http://schemas.microsoft.com/sharepoint.v3" xsi:nil="true"/>
+    <Identifier xmlns="4ffa91fb-a0ff-4ac5-b2db-65c790d184a4" xsi:nil="true"/>
+    <_Coverage xmlns="http://schemas.microsoft.com/sharepoint/v3/fields" xsi:nil="true"/>
+    <Creator xmlns="4ffa91fb-a0ff-4ac5-b2db-65c790d184a4">
+      <UserInfo>
+        <DisplayName/>
+        <AccountId xsi:nil="true"/>
+        <AccountType/>
+      </UserInfo>
+    </Creator>
+    <EPA_x0020_Related_x0020_Documents xmlns="4ffa91fb-a0ff-4ac5-b2db-65c790d184a4" xsi:nil="true"/>
+    <EPA_x0020_Contributor xmlns="4ffa91fb-a0ff-4ac5-b2db-65c790d184a4">
+      <UserInfo>
+        <DisplayName/>
+        <AccountId xsi:nil="true"/>
+        <AccountType/>
+      </UserInfo>
+    </EPA_x0020_Contributor>
+    <TaxCatchAll xmlns="4ffa91fb-a0ff-4ac5-b2db-65c790d184a4"/>
+  </documentManagement>
+</p:properties>
 </file>
 
-<file path=customXml/itemProps4.xml><?xml version="1.0" encoding="utf-8"?>
+<file path=customXml/itemProps1.xml><?xml version="1.0" encoding="utf-8"?>
 <ds:datastoreItem xmlns:ds="http://schemas.openxmlformats.org/officeDocument/2006/customXml" ds:itemID="{1DA0D606-E9FB-46FF-A65C-4208D58FBF6D}">
   <ds:schemaRefs>
     <ds:schemaRef ds:uri="http://schemas.microsoft.com/office/2006/metadata/contentType"/>
@@ -13358,4 +13329,33 @@
     <ds:schemaRef ds:uri="http://schemas.microsoft.com/internal/obd"/>
   </ds:schemaRefs>
 </ds:datastoreItem>
+</file>
+
+<file path=customXml/itemProps2.xml><?xml version="1.0" encoding="utf-8"?>
+<ds:datastoreItem xmlns:ds="http://schemas.openxmlformats.org/officeDocument/2006/customXml" ds:itemID="{9D969709-82DA-4F6F-85CB-B966EACA0A33}">
+  <ds:schemaRefs>
+    <ds:schemaRef ds:uri="Microsoft.SharePoint.Taxonomy.ContentTypeSync"/>
+  </ds:schemaRefs>
+</ds:datastoreItem>
+</file>
+
+<file path=customXml/itemProps3.xml><?xml version="1.0" encoding="utf-8"?>
+<ds:datastoreItem xmlns:ds="http://schemas.openxmlformats.org/officeDocument/2006/customXml" ds:itemID="{E3A66A80-EEBD-4235-BF6F-659447EA7FC0}">
+  <ds:schemaRefs>
+    <ds:schemaRef ds:uri="http://schemas.microsoft.com/sharepoint/v3/contenttype/forms"/>
+  </ds:schemaRefs>
+</ds:datastoreItem>
+</file>
+
+<file path=customXml/itemProps4.xml><?xml version="1.0" encoding="utf-8"?>
+<ds:datastoreItem xmlns:ds="http://schemas.openxmlformats.org/officeDocument/2006/customXml" ds:itemID="{2EED311A-CCB5-4625-B52F-BB9F85A51581}">
+  <ds:schemaRefs>
+    <ds:schemaRef ds:uri="http://schemas.microsoft.com/office/2006/metadata/properties"/>
+    <ds:schemaRef ds:uri="http://schemas.microsoft.com/office/infopath/2007/PartnerControls"/>
+    <ds:schemaRef ds:uri="http://schemas.microsoft.com/sharepoint/v3/fields"/>
+    <ds:schemaRef ds:uri="http://schemas.microsoft.com/sharepoint/v3"/>
+    <ds:schemaRef ds:uri="4ffa91fb-a0ff-4ac5-b2db-65c790d184a4"/>
+    <ds:schemaRef ds:uri="http://schemas.microsoft.com/sharepoint.v3"/>
+  </ds:schemaRefs>
+</ds:datastoreItem>
 </file>
--- a/sensortoolkit/evaluation_objs/templates/O3/Reporting_Template_Base_O3.pptx
+++ b/sensortoolkit/evaluation_objs/templates/O3/Reporting_Template_Base_O3.pptx
@@ -1755,7 +1755,7 @@
           <a:p>
             <a:fld id="{3CA1DE52-DF04-4D3A-9C2F-16E440759AD9}" type="datetimeFigureOut">
               <a:rPr lang="en-US" smtClean="0"/>
-              <a:t>1/12/2022</a:t>
+              <a:t>5/12/2022</a:t>
             </a:fld>
             <a:endParaRPr lang="en-US"/>
           </a:p>
@@ -3639,225 +3639,6 @@
       </p:sp>
       <p:sp>
         <p:nvSpPr>
-          <p:cNvPr id="12" name="TextBox 11">
-            <a:extLst>
-              <a:ext uri="{FF2B5EF4-FFF2-40B4-BE49-F238E27FC236}">
-                <a16:creationId xmlns:a16="http://schemas.microsoft.com/office/drawing/2014/main" id="{2DD033D2-CE90-47B0-BBE7-77BA1962547E}"/>
-              </a:ext>
-            </a:extLst>
-          </p:cNvPr>
-          <p:cNvSpPr txBox="1"/>
-          <p:nvPr/>
-        </p:nvSpPr>
-        <p:spPr>
-          <a:xfrm>
-            <a:off x="6764231" y="2503067"/>
-            <a:ext cx="2016336" cy="366254"/>
-          </a:xfrm>
-          <a:prstGeom prst="rect">
-            <a:avLst/>
-          </a:prstGeom>
-          <a:solidFill>
-            <a:schemeClr val="bg1"/>
-          </a:solidFill>
-        </p:spPr>
-        <p:txBody>
-          <a:bodyPr wrap="square" rtlCol="0">
-            <a:spAutoFit/>
-          </a:bodyPr>
-          <a:lstStyle/>
-          <a:p>
-            <a:pPr algn="ctr"/>
-            <a:r>
-              <a:rPr lang="en-US" sz="1780" dirty="0">
-                <a:latin typeface="+mj-lt"/>
-              </a:rPr>
-              <a:t>Deployment Details  </a:t>
-            </a:r>
-          </a:p>
-        </p:txBody>
-      </p:sp>
-      <p:sp>
-        <p:nvSpPr>
-          <p:cNvPr id="26" name="TextBox 25">
-            <a:extLst>
-              <a:ext uri="{FF2B5EF4-FFF2-40B4-BE49-F238E27FC236}">
-                <a16:creationId xmlns:a16="http://schemas.microsoft.com/office/drawing/2014/main" id="{2F03E01B-4CAD-483D-B74B-E353BE2971EF}"/>
-              </a:ext>
-            </a:extLst>
-          </p:cNvPr>
-          <p:cNvSpPr txBox="1"/>
-          <p:nvPr/>
-        </p:nvSpPr>
-        <p:spPr>
-          <a:xfrm>
-            <a:off x="3377141" y="7160851"/>
-            <a:ext cx="3449328" cy="366254"/>
-          </a:xfrm>
-          <a:prstGeom prst="rect">
-            <a:avLst/>
-          </a:prstGeom>
-          <a:solidFill>
-            <a:schemeClr val="bg1"/>
-          </a:solidFill>
-        </p:spPr>
-        <p:txBody>
-          <a:bodyPr wrap="square" rtlCol="0">
-            <a:spAutoFit/>
-          </a:bodyPr>
-          <a:lstStyle/>
-          <a:p>
-            <a:pPr algn="ctr"/>
-            <a:r>
-              <a:rPr lang="en-US" sz="1780" dirty="0">
-                <a:latin typeface="+mj-lt"/>
-              </a:rPr>
-              <a:t>Time Series Plot: 1-hour Average O</a:t>
-            </a:r>
-            <a:r>
-              <a:rPr lang="en-US" sz="1780" baseline="-25000" dirty="0">
-                <a:latin typeface="+mj-lt"/>
-              </a:rPr>
-              <a:t>3</a:t>
-            </a:r>
-            <a:endParaRPr lang="en-US" sz="1780" dirty="0">
-              <a:latin typeface="+mj-lt"/>
-            </a:endParaRPr>
-          </a:p>
-        </p:txBody>
-      </p:sp>
-      <p:sp>
-        <p:nvSpPr>
-          <p:cNvPr id="31" name="TextBox 30">
-            <a:extLst>
-              <a:ext uri="{FF2B5EF4-FFF2-40B4-BE49-F238E27FC236}">
-                <a16:creationId xmlns:a16="http://schemas.microsoft.com/office/drawing/2014/main" id="{C2D3D90C-F994-4CC3-8652-BCA3D4370ADC}"/>
-              </a:ext>
-            </a:extLst>
-          </p:cNvPr>
-          <p:cNvSpPr txBox="1"/>
-          <p:nvPr/>
-        </p:nvSpPr>
-        <p:spPr>
-          <a:xfrm>
-            <a:off x="10717680" y="7161237"/>
-            <a:ext cx="3738817" cy="366575"/>
-          </a:xfrm>
-          <a:prstGeom prst="rect">
-            <a:avLst/>
-          </a:prstGeom>
-          <a:solidFill>
-            <a:schemeClr val="bg1"/>
-          </a:solidFill>
-        </p:spPr>
-        <p:txBody>
-          <a:bodyPr wrap="square" rtlCol="0">
-            <a:spAutoFit/>
-          </a:bodyPr>
-          <a:lstStyle/>
-          <a:p>
-            <a:pPr algn="ctr"/>
-            <a:r>
-              <a:rPr lang="en-US" sz="1782" dirty="0">
-                <a:latin typeface="+mj-lt"/>
-              </a:rPr>
-              <a:t>Scatter Plot: Comparison to FRM/FEM</a:t>
-            </a:r>
-          </a:p>
-        </p:txBody>
-      </p:sp>
-      <p:sp>
-        <p:nvSpPr>
-          <p:cNvPr id="52" name="TextBox 51">
-            <a:extLst>
-              <a:ext uri="{FF2B5EF4-FFF2-40B4-BE49-F238E27FC236}">
-                <a16:creationId xmlns:a16="http://schemas.microsoft.com/office/drawing/2014/main" id="{C9375A12-4150-4C9A-A5FF-3226CB9B6B71}"/>
-              </a:ext>
-            </a:extLst>
-          </p:cNvPr>
-          <p:cNvSpPr txBox="1"/>
-          <p:nvPr/>
-        </p:nvSpPr>
-        <p:spPr>
-          <a:xfrm>
-            <a:off x="1595706" y="15471934"/>
-            <a:ext cx="4442840" cy="366254"/>
-          </a:xfrm>
-          <a:prstGeom prst="rect">
-            <a:avLst/>
-          </a:prstGeom>
-          <a:solidFill>
-            <a:schemeClr val="bg1"/>
-          </a:solidFill>
-        </p:spPr>
-        <p:txBody>
-          <a:bodyPr wrap="square" rtlCol="0">
-            <a:spAutoFit/>
-          </a:bodyPr>
-          <a:lstStyle/>
-          <a:p>
-            <a:pPr algn="ctr"/>
-            <a:r>
-              <a:rPr lang="en-US" sz="1780" dirty="0">
-                <a:latin typeface="+mj-lt"/>
-              </a:rPr>
-              <a:t>Meteorological Conditions During Deployment</a:t>
-            </a:r>
-          </a:p>
-        </p:txBody>
-      </p:sp>
-      <p:sp>
-        <p:nvSpPr>
-          <p:cNvPr id="50" name="TextBox 49">
-            <a:extLst>
-              <a:ext uri="{FF2B5EF4-FFF2-40B4-BE49-F238E27FC236}">
-                <a16:creationId xmlns:a16="http://schemas.microsoft.com/office/drawing/2014/main" id="{48DB51E1-DB34-4F35-9EC7-A85FCAD9B853}"/>
-              </a:ext>
-            </a:extLst>
-          </p:cNvPr>
-          <p:cNvSpPr txBox="1"/>
-          <p:nvPr/>
-        </p:nvSpPr>
-        <p:spPr>
-          <a:xfrm>
-            <a:off x="6632255" y="11083734"/>
-            <a:ext cx="2280285" cy="366254"/>
-          </a:xfrm>
-          <a:prstGeom prst="rect">
-            <a:avLst/>
-          </a:prstGeom>
-          <a:solidFill>
-            <a:schemeClr val="bg1"/>
-          </a:solidFill>
-        </p:spPr>
-        <p:txBody>
-          <a:bodyPr wrap="square" rtlCol="0">
-            <a:spAutoFit/>
-          </a:bodyPr>
-          <a:lstStyle/>
-          <a:p>
-            <a:pPr algn="ctr"/>
-            <a:r>
-              <a:rPr lang="en-US" sz="1780" dirty="0">
-                <a:latin typeface="+mj-lt"/>
-              </a:rPr>
-              <a:t>Performance Metrics</a:t>
-            </a:r>
-            <a:r>
-              <a:rPr lang="en-US" sz="1600" baseline="44000" dirty="0">
-                <a:latin typeface="+mj-lt"/>
-                <a:sym typeface="Wingdings" panose="05000000000000000000" pitchFamily="2" charset="2"/>
-              </a:rPr>
-              <a:t></a:t>
-            </a:r>
-            <a:endParaRPr lang="en-US" sz="1600" baseline="44000" dirty="0">
-              <a:latin typeface="+mj-lt"/>
-            </a:endParaRPr>
-          </a:p>
-        </p:txBody>
-      </p:sp>
-      <p:sp>
-        <p:nvSpPr>
           <p:cNvPr id="57" name="TextBox 56">
             <a:extLst>
               <a:ext uri="{FF2B5EF4-FFF2-40B4-BE49-F238E27FC236}">
@@ -3897,172 +3678,6 @@
           </a:p>
         </p:txBody>
       </p:sp>
-      <p:sp>
-        <p:nvSpPr>
-          <p:cNvPr id="64" name="TextBox 63">
-            <a:extLst>
-              <a:ext uri="{FF2B5EF4-FFF2-40B4-BE49-F238E27FC236}">
-                <a16:creationId xmlns:a16="http://schemas.microsoft.com/office/drawing/2014/main" id="{0BB7F0EF-A4C5-4C2E-8C30-A3FC07023499}"/>
-              </a:ext>
-            </a:extLst>
-          </p:cNvPr>
-          <p:cNvSpPr txBox="1"/>
-          <p:nvPr/>
-        </p:nvSpPr>
-        <p:spPr>
-          <a:xfrm>
-            <a:off x="4381366" y="11367453"/>
-            <a:ext cx="2775108" cy="276999"/>
-          </a:xfrm>
-          <a:prstGeom prst="rect">
-            <a:avLst/>
-          </a:prstGeom>
-          <a:noFill/>
-        </p:spPr>
-        <p:txBody>
-          <a:bodyPr wrap="square" rtlCol="0">
-            <a:spAutoFit/>
-          </a:bodyPr>
-          <a:lstStyle/>
-          <a:p>
-            <a:pPr algn="ctr"/>
-            <a:r>
-              <a:rPr lang="en-US" sz="1200" dirty="0">
-                <a:latin typeface="+mj-lt"/>
-              </a:rPr>
-              <a:t>Sensor-Reference Accuracy</a:t>
-            </a:r>
-          </a:p>
-        </p:txBody>
-      </p:sp>
-      <p:sp>
-        <p:nvSpPr>
-          <p:cNvPr id="65" name="TextBox 64">
-            <a:extLst>
-              <a:ext uri="{FF2B5EF4-FFF2-40B4-BE49-F238E27FC236}">
-                <a16:creationId xmlns:a16="http://schemas.microsoft.com/office/drawing/2014/main" id="{7CCDA54E-2EC1-4BF2-BE46-046BC6EEE5B1}"/>
-              </a:ext>
-            </a:extLst>
-          </p:cNvPr>
-          <p:cNvSpPr txBox="1"/>
-          <p:nvPr/>
-        </p:nvSpPr>
-        <p:spPr>
-          <a:xfrm>
-            <a:off x="11604543" y="11371446"/>
-            <a:ext cx="2280284" cy="276999"/>
-          </a:xfrm>
-          <a:prstGeom prst="rect">
-            <a:avLst/>
-          </a:prstGeom>
-          <a:noFill/>
-        </p:spPr>
-        <p:txBody>
-          <a:bodyPr wrap="square" rtlCol="0">
-            <a:spAutoFit/>
-          </a:bodyPr>
-          <a:lstStyle/>
-          <a:p>
-            <a:pPr algn="ctr"/>
-            <a:r>
-              <a:rPr lang="en-US" sz="1200" dirty="0">
-                <a:latin typeface="+mj-lt"/>
-              </a:rPr>
-              <a:t>Sensor-Sensor Precision</a:t>
-            </a:r>
-          </a:p>
-        </p:txBody>
-      </p:sp>
-      <p:cxnSp>
-        <p:nvCxnSpPr>
-          <p:cNvPr id="60" name="Straight Connector 59">
-            <a:extLst>
-              <a:ext uri="{FF2B5EF4-FFF2-40B4-BE49-F238E27FC236}">
-                <a16:creationId xmlns:a16="http://schemas.microsoft.com/office/drawing/2014/main" id="{B52461F5-B47C-49F4-9F70-8CD34A117E48}"/>
-              </a:ext>
-            </a:extLst>
-          </p:cNvPr>
-          <p:cNvCxnSpPr>
-            <a:cxnSpLocks/>
-          </p:cNvCxnSpPr>
-          <p:nvPr/>
-        </p:nvCxnSpPr>
-        <p:spPr>
-          <a:xfrm flipV="1">
-            <a:off x="846049" y="11627783"/>
-            <a:ext cx="9839961" cy="0"/>
-          </a:xfrm>
-          <a:prstGeom prst="line">
-            <a:avLst/>
-          </a:prstGeom>
-          <a:ln w="12700">
-            <a:solidFill>
-              <a:schemeClr val="bg2">
-                <a:lumMod val="75000"/>
-              </a:schemeClr>
-            </a:solidFill>
-          </a:ln>
-        </p:spPr>
-        <p:style>
-          <a:lnRef idx="1">
-            <a:schemeClr val="accent1"/>
-          </a:lnRef>
-          <a:fillRef idx="0">
-            <a:schemeClr val="accent1"/>
-          </a:fillRef>
-          <a:effectRef idx="0">
-            <a:schemeClr val="accent1"/>
-          </a:effectRef>
-          <a:fontRef idx="minor">
-            <a:schemeClr val="tx1"/>
-          </a:fontRef>
-        </p:style>
-      </p:cxnSp>
-      <p:cxnSp>
-        <p:nvCxnSpPr>
-          <p:cNvPr id="66" name="Straight Connector 65">
-            <a:extLst>
-              <a:ext uri="{FF2B5EF4-FFF2-40B4-BE49-F238E27FC236}">
-                <a16:creationId xmlns:a16="http://schemas.microsoft.com/office/drawing/2014/main" id="{F3B04531-F22B-4C56-B6AF-6ABE2E751C5B}"/>
-              </a:ext>
-            </a:extLst>
-          </p:cNvPr>
-          <p:cNvCxnSpPr>
-            <a:cxnSpLocks/>
-          </p:cNvCxnSpPr>
-          <p:nvPr/>
-        </p:nvCxnSpPr>
-        <p:spPr>
-          <a:xfrm>
-            <a:off x="10900231" y="11627783"/>
-            <a:ext cx="3728085" cy="0"/>
-          </a:xfrm>
-          <a:prstGeom prst="line">
-            <a:avLst/>
-          </a:prstGeom>
-          <a:ln w="12700">
-            <a:solidFill>
-              <a:schemeClr val="bg2">
-                <a:lumMod val="75000"/>
-              </a:schemeClr>
-            </a:solidFill>
-          </a:ln>
-        </p:spPr>
-        <p:style>
-          <a:lnRef idx="1">
-            <a:schemeClr val="accent1"/>
-          </a:lnRef>
-          <a:fillRef idx="0">
-            <a:schemeClr val="accent1"/>
-          </a:fillRef>
-          <a:effectRef idx="0">
-            <a:schemeClr val="accent1"/>
-          </a:effectRef>
-          <a:fontRef idx="minor">
-            <a:schemeClr val="tx1"/>
-          </a:fontRef>
-        </p:style>
-      </p:cxnSp>
       <p:graphicFrame>
         <p:nvGraphicFramePr>
           <p:cNvPr id="18" name="Table 18">
@@ -4078,14 +3693,14 @@
           <p:nvPr>
             <p:extLst>
               <p:ext uri="{D42A27DB-BD31-4B8C-83A1-F6EECF244321}">
-                <p14:modId xmlns:p14="http://schemas.microsoft.com/office/powerpoint/2010/main" val="4179905371"/>
+                <p14:modId xmlns:p14="http://schemas.microsoft.com/office/powerpoint/2010/main" val="1885850566"/>
               </p:ext>
             </p:extLst>
           </p:nvPr>
         </p:nvGraphicFramePr>
         <p:xfrm>
           <a:off x="726167" y="2879974"/>
-          <a:ext cx="4522242" cy="4123944"/>
+          <a:ext cx="4522242" cy="4126992"/>
         </p:xfrm>
         <a:graphic>
           <a:graphicData uri="http://schemas.openxmlformats.org/drawingml/2006/table">
@@ -4109,7 +3724,7 @@
                   </a:extLst>
                 </a:gridCol>
               </a:tblGrid>
-              <a:tr h="463730">
+              <a:tr h="448056">
                 <a:tc gridSpan="2">
                   <a:txBody>
                     <a:bodyPr/>
@@ -4246,7 +3861,7 @@
                   </a:ext>
                 </a:extLst>
               </a:tr>
-              <a:tr h="1594233">
+              <a:tr h="1115568">
                 <a:tc>
                   <a:txBody>
                     <a:bodyPr/>
@@ -4267,7 +3882,7 @@
                             <a:sysClr val="windowText" lastClr="000000"/>
                           </a:solidFill>
                         </a:rPr>
-                        <a:t>(Name, Organization Type, Contact website / phone number / email)</a:t>
+                        <a:t>(Name, Organization type, Contact website)</a:t>
                       </a:r>
                       <a:endParaRPr lang="en-US" sz="1400" b="0" dirty="0">
                         <a:solidFill>
@@ -4340,7 +3955,7 @@
                       </a:endParaRPr>
                     </a:p>
                   </a:txBody>
-                  <a:tcPr marL="45720" marR="45720" anchor="ctr">
+                  <a:tcPr marL="45720" marR="45720" marT="0" marB="0" anchor="ctr">
                     <a:lnL w="12700" cap="flat" cmpd="sng" algn="ctr">
                       <a:solidFill>
                         <a:schemeClr val="bg1"/>
@@ -4396,7 +4011,7 @@
                   </a:ext>
                 </a:extLst>
               </a:tr>
-              <a:tr h="943954">
+              <a:tr h="804672">
                 <a:tc>
                   <a:txBody>
                     <a:bodyPr/>
@@ -4504,7 +4119,7 @@
                       </a:endParaRPr>
                     </a:p>
                   </a:txBody>
-                  <a:tcPr marL="45720" marR="45720" anchor="ctr">
+                  <a:tcPr marL="45720" marR="45720" marT="0" marB="0" anchor="ctr">
                     <a:lnL w="12700" cap="flat" cmpd="sng" algn="ctr">
                       <a:solidFill>
                         <a:schemeClr val="bg1"/>
@@ -4560,7 +4175,7 @@
                   </a:ext>
                 </a:extLst>
               </a:tr>
-              <a:tr h="427947">
+              <a:tr h="438912">
                 <a:tc>
                   <a:txBody>
                     <a:bodyPr/>
@@ -4641,7 +4256,7 @@
                       </a:endParaRPr>
                     </a:p>
                   </a:txBody>
-                  <a:tcPr marL="45720" marR="45720" anchor="ctr">
+                  <a:tcPr marL="45720" marR="45720" marT="0" marB="0" anchor="ctr">
                     <a:lnL w="12700" cap="flat" cmpd="sng" algn="ctr">
                       <a:solidFill>
                         <a:schemeClr val="bg1"/>
@@ -4697,7 +4312,7 @@
                   </a:ext>
                 </a:extLst>
               </a:tr>
-              <a:tr h="694080">
+              <a:tr h="484632">
                 <a:tc>
                   <a:txBody>
                     <a:bodyPr/>
@@ -4712,13 +4327,21 @@
                         </a:rPr>
                         <a:t>Sampling timeframe</a:t>
                       </a:r>
+                      <a:endParaRPr lang="en-US" sz="1200" dirty="0">
+                        <a:solidFill>
+                          <a:sysClr val="windowText" lastClr="000000"/>
+                        </a:solidFill>
+                      </a:endParaRPr>
+                    </a:p>
+                    <a:p>
+                      <a:pPr algn="ctr"/>
                       <a:r>
                         <a:rPr lang="en-US" sz="1200" dirty="0">
                           <a:solidFill>
                             <a:sysClr val="windowText" lastClr="000000"/>
                           </a:solidFill>
                         </a:rPr>
-                        <a:t> </a:t>
+                        <a:t>(MM-DD-YY)</a:t>
                       </a:r>
                       <a:endParaRPr lang="en-US" sz="1400" dirty="0">
                         <a:solidFill>
@@ -4791,7 +4414,7 @@
                       </a:endParaRPr>
                     </a:p>
                   </a:txBody>
-                  <a:tcPr marL="45720" marR="45720" anchor="ctr">
+                  <a:tcPr marL="45720" marR="45720" marT="0" marB="0" anchor="ctr">
                     <a:lnL w="12700" cap="flat" cmpd="sng" algn="ctr">
                       <a:solidFill>
                         <a:schemeClr val="bg1"/>
@@ -4844,6 +4467,280 @@
                 <a:extLst>
                   <a:ext uri="{0D108BD9-81ED-4DB2-BD59-A6C34878D82A}">
                     <a16:rowId xmlns:a16="http://schemas.microsoft.com/office/drawing/2014/main" val="1925963944"/>
+                  </a:ext>
+                </a:extLst>
+              </a:tr>
+              <a:tr h="420624">
+                <a:tc>
+                  <a:txBody>
+                    <a:bodyPr/>
+                    <a:lstStyle/>
+                    <a:p>
+                      <a:pPr algn="ctr"/>
+                      <a:r>
+                        <a:rPr lang="en-US" sz="1400" dirty="0">
+                          <a:solidFill>
+                            <a:sysClr val="windowText" lastClr="000000"/>
+                          </a:solidFill>
+                        </a:rPr>
+                        <a:t>Sensor data source</a:t>
+                      </a:r>
+                    </a:p>
+                  </a:txBody>
+                  <a:tcPr marL="45720" marR="45720" anchor="ctr">
+                    <a:lnL w="12700" cap="flat" cmpd="sng" algn="ctr">
+                      <a:solidFill>
+                        <a:schemeClr val="bg1"/>
+                      </a:solidFill>
+                      <a:prstDash val="solid"/>
+                      <a:round/>
+                      <a:headEnd type="none" w="med" len="med"/>
+                      <a:tailEnd type="none" w="med" len="med"/>
+                    </a:lnL>
+                    <a:lnR w="12700" cap="flat" cmpd="sng" algn="ctr">
+                      <a:solidFill>
+                        <a:schemeClr val="bg1"/>
+                      </a:solidFill>
+                      <a:prstDash val="solid"/>
+                      <a:round/>
+                      <a:headEnd type="none" w="med" len="med"/>
+                      <a:tailEnd type="none" w="med" len="med"/>
+                    </a:lnR>
+                    <a:lnT w="12700" cap="flat" cmpd="sng" algn="ctr">
+                      <a:solidFill>
+                        <a:schemeClr val="bg1"/>
+                      </a:solidFill>
+                      <a:prstDash val="solid"/>
+                      <a:round/>
+                      <a:headEnd type="none" w="med" len="med"/>
+                      <a:tailEnd type="none" w="med" len="med"/>
+                    </a:lnT>
+                    <a:lnB w="12700" cap="flat" cmpd="sng" algn="ctr">
+                      <a:solidFill>
+                        <a:schemeClr val="bg1"/>
+                      </a:solidFill>
+                      <a:prstDash val="solid"/>
+                      <a:round/>
+                      <a:headEnd type="none" w="med" len="med"/>
+                      <a:tailEnd type="none" w="med" len="med"/>
+                    </a:lnB>
+                    <a:lnTlToBr w="12700" cmpd="sng">
+                      <a:noFill/>
+                      <a:prstDash val="solid"/>
+                    </a:lnTlToBr>
+                    <a:lnBlToTr w="12700" cmpd="sng">
+                      <a:noFill/>
+                      <a:prstDash val="solid"/>
+                    </a:lnBlToTr>
+                    <a:solidFill>
+                      <a:srgbClr val="BFD0EB"/>
+                    </a:solidFill>
+                  </a:tcPr>
+                </a:tc>
+                <a:tc>
+                  <a:txBody>
+                    <a:bodyPr/>
+                    <a:lstStyle/>
+                    <a:p>
+                      <a:pPr algn="ctr"/>
+                      <a:endParaRPr lang="en-US" sz="1400" dirty="0">
+                        <a:solidFill>
+                          <a:sysClr val="windowText" lastClr="000000"/>
+                        </a:solidFill>
+                        <a:latin typeface="+mn-lt"/>
+                      </a:endParaRPr>
+                    </a:p>
+                  </a:txBody>
+                  <a:tcPr marL="45720" marR="45720" marT="0" marB="0" anchor="ctr">
+                    <a:lnL w="12700" cap="flat" cmpd="sng" algn="ctr">
+                      <a:solidFill>
+                        <a:schemeClr val="bg1"/>
+                      </a:solidFill>
+                      <a:prstDash val="solid"/>
+                      <a:round/>
+                      <a:headEnd type="none" w="med" len="med"/>
+                      <a:tailEnd type="none" w="med" len="med"/>
+                    </a:lnL>
+                    <a:lnR w="12700" cap="flat" cmpd="sng" algn="ctr">
+                      <a:solidFill>
+                        <a:schemeClr val="bg1"/>
+                      </a:solidFill>
+                      <a:prstDash val="solid"/>
+                      <a:round/>
+                      <a:headEnd type="none" w="med" len="med"/>
+                      <a:tailEnd type="none" w="med" len="med"/>
+                    </a:lnR>
+                    <a:lnT w="12700" cap="flat" cmpd="sng" algn="ctr">
+                      <a:solidFill>
+                        <a:schemeClr val="bg1"/>
+                      </a:solidFill>
+                      <a:prstDash val="solid"/>
+                      <a:round/>
+                      <a:headEnd type="none" w="med" len="med"/>
+                      <a:tailEnd type="none" w="med" len="med"/>
+                    </a:lnT>
+                    <a:lnB w="12700" cap="flat" cmpd="sng" algn="ctr">
+                      <a:solidFill>
+                        <a:schemeClr val="bg1"/>
+                      </a:solidFill>
+                      <a:prstDash val="solid"/>
+                      <a:round/>
+                      <a:headEnd type="none" w="med" len="med"/>
+                      <a:tailEnd type="none" w="med" len="med"/>
+                    </a:lnB>
+                    <a:lnTlToBr w="12700" cmpd="sng">
+                      <a:noFill/>
+                      <a:prstDash val="solid"/>
+                    </a:lnTlToBr>
+                    <a:lnBlToTr w="12700" cmpd="sng">
+                      <a:noFill/>
+                      <a:prstDash val="solid"/>
+                    </a:lnBlToTr>
+                    <a:solidFill>
+                      <a:srgbClr val="E8EEF8"/>
+                    </a:solidFill>
+                  </a:tcPr>
+                </a:tc>
+                <a:extLst>
+                  <a:ext uri="{0D108BD9-81ED-4DB2-BD59-A6C34878D82A}">
+                    <a16:rowId xmlns:a16="http://schemas.microsoft.com/office/drawing/2014/main" val="1222692231"/>
+                  </a:ext>
+                </a:extLst>
+              </a:tr>
+              <a:tr h="411480">
+                <a:tc>
+                  <a:txBody>
+                    <a:bodyPr/>
+                    <a:lstStyle/>
+                    <a:p>
+                      <a:pPr algn="ctr"/>
+                      <a:r>
+                        <a:rPr lang="en-US" sz="1400" dirty="0">
+                          <a:solidFill>
+                            <a:sysClr val="windowText" lastClr="000000"/>
+                          </a:solidFill>
+                        </a:rPr>
+                        <a:t>Reference data source</a:t>
+                      </a:r>
+                    </a:p>
+                  </a:txBody>
+                  <a:tcPr marL="45720" marR="45720" anchor="ctr">
+                    <a:lnL w="12700" cap="flat" cmpd="sng" algn="ctr">
+                      <a:solidFill>
+                        <a:schemeClr val="bg1"/>
+                      </a:solidFill>
+                      <a:prstDash val="solid"/>
+                      <a:round/>
+                      <a:headEnd type="none" w="med" len="med"/>
+                      <a:tailEnd type="none" w="med" len="med"/>
+                    </a:lnL>
+                    <a:lnR w="12700" cap="flat" cmpd="sng" algn="ctr">
+                      <a:solidFill>
+                        <a:schemeClr val="bg1"/>
+                      </a:solidFill>
+                      <a:prstDash val="solid"/>
+                      <a:round/>
+                      <a:headEnd type="none" w="med" len="med"/>
+                      <a:tailEnd type="none" w="med" len="med"/>
+                    </a:lnR>
+                    <a:lnT w="12700" cap="flat" cmpd="sng" algn="ctr">
+                      <a:solidFill>
+                        <a:schemeClr val="bg1"/>
+                      </a:solidFill>
+                      <a:prstDash val="solid"/>
+                      <a:round/>
+                      <a:headEnd type="none" w="med" len="med"/>
+                      <a:tailEnd type="none" w="med" len="med"/>
+                    </a:lnT>
+                    <a:lnB w="12700" cap="flat" cmpd="sng" algn="ctr">
+                      <a:solidFill>
+                        <a:schemeClr val="bg1"/>
+                      </a:solidFill>
+                      <a:prstDash val="solid"/>
+                      <a:round/>
+                      <a:headEnd type="none" w="med" len="med"/>
+                      <a:tailEnd type="none" w="med" len="med"/>
+                    </a:lnB>
+                    <a:lnTlToBr w="12700" cmpd="sng">
+                      <a:noFill/>
+                      <a:prstDash val="solid"/>
+                    </a:lnTlToBr>
+                    <a:lnBlToTr w="12700" cmpd="sng">
+                      <a:noFill/>
+                      <a:prstDash val="solid"/>
+                    </a:lnBlToTr>
+                    <a:solidFill>
+                      <a:srgbClr val="BFD0EB"/>
+                    </a:solidFill>
+                  </a:tcPr>
+                </a:tc>
+                <a:tc>
+                  <a:txBody>
+                    <a:bodyPr/>
+                    <a:lstStyle/>
+                    <a:p>
+                      <a:pPr algn="ctr"/>
+                      <a:endParaRPr lang="en-US" sz="1400" dirty="0">
+                        <a:solidFill>
+                          <a:sysClr val="windowText" lastClr="000000"/>
+                        </a:solidFill>
+                        <a:latin typeface="+mn-lt"/>
+                      </a:endParaRPr>
+                    </a:p>
+                  </a:txBody>
+                  <a:tcPr marL="45720" marR="45720" marT="0" marB="0" anchor="ctr">
+                    <a:lnL w="12700" cap="flat" cmpd="sng" algn="ctr">
+                      <a:solidFill>
+                        <a:schemeClr val="bg1"/>
+                      </a:solidFill>
+                      <a:prstDash val="solid"/>
+                      <a:round/>
+                      <a:headEnd type="none" w="med" len="med"/>
+                      <a:tailEnd type="none" w="med" len="med"/>
+                    </a:lnL>
+                    <a:lnR w="12700" cap="flat" cmpd="sng" algn="ctr">
+                      <a:solidFill>
+                        <a:schemeClr val="bg1"/>
+                      </a:solidFill>
+                      <a:prstDash val="solid"/>
+                      <a:round/>
+                      <a:headEnd type="none" w="med" len="med"/>
+                      <a:tailEnd type="none" w="med" len="med"/>
+                    </a:lnR>
+                    <a:lnT w="12700" cap="flat" cmpd="sng" algn="ctr">
+                      <a:solidFill>
+                        <a:schemeClr val="bg1"/>
+                      </a:solidFill>
+                      <a:prstDash val="solid"/>
+                      <a:round/>
+                      <a:headEnd type="none" w="med" len="med"/>
+                      <a:tailEnd type="none" w="med" len="med"/>
+                    </a:lnT>
+                    <a:lnB w="12700" cap="flat" cmpd="sng" algn="ctr">
+                      <a:solidFill>
+                        <a:schemeClr val="bg1"/>
+                      </a:solidFill>
+                      <a:prstDash val="solid"/>
+                      <a:round/>
+                      <a:headEnd type="none" w="med" len="med"/>
+                      <a:tailEnd type="none" w="med" len="med"/>
+                    </a:lnB>
+                    <a:lnTlToBr w="12700" cmpd="sng">
+                      <a:noFill/>
+                      <a:prstDash val="solid"/>
+                    </a:lnTlToBr>
+                    <a:lnBlToTr w="12700" cmpd="sng">
+                      <a:noFill/>
+                      <a:prstDash val="solid"/>
+                    </a:lnBlToTr>
+                    <a:solidFill>
+                      <a:srgbClr val="E8EEF8"/>
+                    </a:solidFill>
+                  </a:tcPr>
+                </a:tc>
+                <a:extLst>
+                  <a:ext uri="{0D108BD9-81ED-4DB2-BD59-A6C34878D82A}">
+                    <a16:rowId xmlns:a16="http://schemas.microsoft.com/office/drawing/2014/main" val="1589545946"/>
                   </a:ext>
                 </a:extLst>
               </a:tr>
@@ -5206,14 +5103,14 @@
           <p:nvPr>
             <p:extLst>
               <p:ext uri="{D42A27DB-BD31-4B8C-83A1-F6EECF244321}">
-                <p14:modId xmlns:p14="http://schemas.microsoft.com/office/powerpoint/2010/main" val="4073693233"/>
+                <p14:modId xmlns:p14="http://schemas.microsoft.com/office/powerpoint/2010/main" val="2711791964"/>
               </p:ext>
             </p:extLst>
           </p:nvPr>
         </p:nvGraphicFramePr>
         <p:xfrm>
           <a:off x="10253625" y="2879974"/>
-          <a:ext cx="4522242" cy="4123945"/>
+          <a:ext cx="4522242" cy="4121306"/>
         </p:xfrm>
         <a:graphic>
           <a:graphicData uri="http://schemas.openxmlformats.org/drawingml/2006/table">
@@ -5237,7 +5134,7 @@
                   </a:extLst>
                 </a:gridCol>
               </a:tblGrid>
-              <a:tr h="463465">
+              <a:tr h="448056">
                 <a:tc gridSpan="2">
                   <a:txBody>
                     <a:bodyPr/>
@@ -5387,7 +5284,7 @@
                             <a:sysClr val="windowText" lastClr="000000"/>
                           </a:solidFill>
                         </a:rPr>
-                        <a:t>Manufacturer, model</a:t>
+                        <a:t>Manufacturer, model, designation</a:t>
                       </a:r>
                     </a:p>
                   </a:txBody>
@@ -5933,7 +5830,7 @@
                   </a:ext>
                 </a:extLst>
               </a:tr>
-              <a:tr h="947350">
+              <a:tr h="960120">
                 <a:tc>
                   <a:txBody>
                     <a:bodyPr/>
@@ -6067,2098 +5964,6 @@
                 <a:extLst>
                   <a:ext uri="{0D108BD9-81ED-4DB2-BD59-A6C34878D82A}">
                     <a16:rowId xmlns:a16="http://schemas.microsoft.com/office/drawing/2014/main" val="596425988"/>
-                  </a:ext>
-                </a:extLst>
-              </a:tr>
-            </a:tbl>
-          </a:graphicData>
-        </a:graphic>
-      </p:graphicFrame>
-      <p:graphicFrame>
-        <p:nvGraphicFramePr>
-          <p:cNvPr id="30" name="Table 18">
-            <a:extLst>
-              <a:ext uri="{FF2B5EF4-FFF2-40B4-BE49-F238E27FC236}">
-                <a16:creationId xmlns:a16="http://schemas.microsoft.com/office/drawing/2014/main" id="{21A58A00-867E-4586-9E12-B610E1FDCE28}"/>
-              </a:ext>
-            </a:extLst>
-          </p:cNvPr>
-          <p:cNvGraphicFramePr>
-            <a:graphicFrameLocks noGrp="1"/>
-          </p:cNvGraphicFramePr>
-          <p:nvPr>
-            <p:extLst>
-              <p:ext uri="{D42A27DB-BD31-4B8C-83A1-F6EECF244321}">
-                <p14:modId xmlns:p14="http://schemas.microsoft.com/office/powerpoint/2010/main" val="3346372611"/>
-              </p:ext>
-            </p:extLst>
-          </p:nvPr>
-        </p:nvGraphicFramePr>
-        <p:xfrm>
-          <a:off x="5489896" y="2882634"/>
-          <a:ext cx="4522242" cy="4123943"/>
-        </p:xfrm>
-        <a:graphic>
-          <a:graphicData uri="http://schemas.openxmlformats.org/drawingml/2006/table">
-            <a:tbl>
-              <a:tblPr firstRow="1" bandRow="1">
-                <a:tableStyleId>{69CF1AB2-1976-4502-BF36-3FF5EA218861}</a:tableStyleId>
-              </a:tblPr>
-              <a:tblGrid>
-                <a:gridCol w="1736844">
-                  <a:extLst>
-                    <a:ext uri="{9D8B030D-6E8A-4147-A177-3AD203B41FA5}">
-                      <a16:colId xmlns:a16="http://schemas.microsoft.com/office/drawing/2014/main" val="3814208030"/>
-                    </a:ext>
-                  </a:extLst>
-                </a:gridCol>
-                <a:gridCol w="511578">
-                  <a:extLst>
-                    <a:ext uri="{9D8B030D-6E8A-4147-A177-3AD203B41FA5}">
-                      <a16:colId xmlns:a16="http://schemas.microsoft.com/office/drawing/2014/main" val="1546040442"/>
-                    </a:ext>
-                  </a:extLst>
-                </a:gridCol>
-                <a:gridCol w="416888">
-                  <a:extLst>
-                    <a:ext uri="{9D8B030D-6E8A-4147-A177-3AD203B41FA5}">
-                      <a16:colId xmlns:a16="http://schemas.microsoft.com/office/drawing/2014/main" val="763465666"/>
-                    </a:ext>
-                  </a:extLst>
-                </a:gridCol>
-                <a:gridCol w="928466">
-                  <a:extLst>
-                    <a:ext uri="{9D8B030D-6E8A-4147-A177-3AD203B41FA5}">
-                      <a16:colId xmlns:a16="http://schemas.microsoft.com/office/drawing/2014/main" val="1911725581"/>
-                    </a:ext>
-                  </a:extLst>
-                </a:gridCol>
-                <a:gridCol w="928466">
-                  <a:extLst>
-                    <a:ext uri="{9D8B030D-6E8A-4147-A177-3AD203B41FA5}">
-                      <a16:colId xmlns:a16="http://schemas.microsoft.com/office/drawing/2014/main" val="1354556242"/>
-                    </a:ext>
-                  </a:extLst>
-                </a:gridCol>
-              </a:tblGrid>
-              <a:tr h="448675">
-                <a:tc gridSpan="5">
-                  <a:txBody>
-                    <a:bodyPr/>
-                    <a:lstStyle/>
-                    <a:p>
-                      <a:pPr algn="ctr"/>
-                      <a:r>
-                        <a:rPr lang="en-US" sz="1400" b="1" dirty="0">
-                          <a:solidFill>
-                            <a:sysClr val="windowText" lastClr="000000"/>
-                          </a:solidFill>
-                          <a:latin typeface="+mn-lt"/>
-                        </a:rPr>
-                        <a:t>Sensor Information</a:t>
-                      </a:r>
-                    </a:p>
-                  </a:txBody>
-                  <a:tcPr marL="201168" marR="201168" marT="100584" marB="100584" anchor="ctr">
-                    <a:lnL w="12700" cap="flat" cmpd="sng" algn="ctr">
-                      <a:solidFill>
-                        <a:schemeClr val="bg1"/>
-                      </a:solidFill>
-                      <a:prstDash val="solid"/>
-                      <a:round/>
-                      <a:headEnd type="none" w="med" len="med"/>
-                      <a:tailEnd type="none" w="med" len="med"/>
-                    </a:lnL>
-                    <a:lnR w="12700" cap="flat" cmpd="sng" algn="ctr">
-                      <a:solidFill>
-                        <a:schemeClr val="bg1"/>
-                      </a:solidFill>
-                      <a:prstDash val="solid"/>
-                      <a:round/>
-                      <a:headEnd type="none" w="med" len="med"/>
-                      <a:tailEnd type="none" w="med" len="med"/>
-                    </a:lnR>
-                    <a:lnT w="12700" cap="flat" cmpd="sng" algn="ctr">
-                      <a:solidFill>
-                        <a:schemeClr val="bg1"/>
-                      </a:solidFill>
-                      <a:prstDash val="solid"/>
-                      <a:round/>
-                      <a:headEnd type="none" w="med" len="med"/>
-                      <a:tailEnd type="none" w="med" len="med"/>
-                    </a:lnT>
-                    <a:lnB w="12700" cap="flat" cmpd="sng" algn="ctr">
-                      <a:solidFill>
-                        <a:schemeClr val="bg1"/>
-                      </a:solidFill>
-                      <a:prstDash val="solid"/>
-                      <a:round/>
-                      <a:headEnd type="none" w="med" len="med"/>
-                      <a:tailEnd type="none" w="med" len="med"/>
-                    </a:lnB>
-                    <a:lnTlToBr w="12700" cmpd="sng">
-                      <a:noFill/>
-                      <a:prstDash val="solid"/>
-                    </a:lnTlToBr>
-                    <a:lnBlToTr w="12700" cmpd="sng">
-                      <a:noFill/>
-                      <a:prstDash val="solid"/>
-                    </a:lnBlToTr>
-                    <a:solidFill>
-                      <a:srgbClr val="BFD0EB"/>
-                    </a:solidFill>
-                  </a:tcPr>
-                </a:tc>
-                <a:tc hMerge="1">
-                  <a:txBody>
-                    <a:bodyPr/>
-                    <a:lstStyle/>
-                    <a:p>
-                      <a:pPr algn="ctr"/>
-                      <a:endParaRPr lang="en-US" sz="1400" dirty="0">
-                        <a:solidFill>
-                          <a:sysClr val="windowText" lastClr="000000"/>
-                        </a:solidFill>
-                        <a:latin typeface="+mn-lt"/>
-                      </a:endParaRPr>
-                    </a:p>
-                  </a:txBody>
-                  <a:tcPr marL="201168" marR="201168" marT="100584" marB="100584" anchor="ctr">
-                    <a:lnL w="12700" cap="flat" cmpd="sng" algn="ctr">
-                      <a:solidFill>
-                        <a:schemeClr val="bg1"/>
-                      </a:solidFill>
-                      <a:prstDash val="solid"/>
-                      <a:round/>
-                      <a:headEnd type="none" w="med" len="med"/>
-                      <a:tailEnd type="none" w="med" len="med"/>
-                    </a:lnL>
-                    <a:lnR w="12700" cap="flat" cmpd="sng" algn="ctr">
-                      <a:solidFill>
-                        <a:schemeClr val="bg1"/>
-                      </a:solidFill>
-                      <a:prstDash val="solid"/>
-                      <a:round/>
-                      <a:headEnd type="none" w="med" len="med"/>
-                      <a:tailEnd type="none" w="med" len="med"/>
-                    </a:lnR>
-                    <a:lnT w="12700" cap="flat" cmpd="sng" algn="ctr">
-                      <a:solidFill>
-                        <a:schemeClr val="bg1"/>
-                      </a:solidFill>
-                      <a:prstDash val="solid"/>
-                      <a:round/>
-                      <a:headEnd type="none" w="med" len="med"/>
-                      <a:tailEnd type="none" w="med" len="med"/>
-                    </a:lnT>
-                    <a:lnB w="12700" cap="flat" cmpd="sng" algn="ctr">
-                      <a:solidFill>
-                        <a:schemeClr val="bg1"/>
-                      </a:solidFill>
-                      <a:prstDash val="solid"/>
-                      <a:round/>
-                      <a:headEnd type="none" w="med" len="med"/>
-                      <a:tailEnd type="none" w="med" len="med"/>
-                    </a:lnB>
-                    <a:lnTlToBr w="12700" cmpd="sng">
-                      <a:noFill/>
-                      <a:prstDash val="solid"/>
-                    </a:lnTlToBr>
-                    <a:lnBlToTr w="12700" cmpd="sng">
-                      <a:noFill/>
-                      <a:prstDash val="solid"/>
-                    </a:lnBlToTr>
-                    <a:solidFill>
-                      <a:srgbClr val="E8EEF8"/>
-                    </a:solidFill>
-                  </a:tcPr>
-                </a:tc>
-                <a:tc hMerge="1">
-                  <a:txBody>
-                    <a:bodyPr/>
-                    <a:lstStyle/>
-                    <a:p>
-                      <a:endParaRPr lang="en-US"/>
-                    </a:p>
-                  </a:txBody>
-                  <a:tcPr/>
-                </a:tc>
-                <a:tc hMerge="1">
-                  <a:txBody>
-                    <a:bodyPr/>
-                    <a:lstStyle/>
-                    <a:p>
-                      <a:endParaRPr lang="en-US"/>
-                    </a:p>
-                  </a:txBody>
-                  <a:tcPr/>
-                </a:tc>
-                <a:tc hMerge="1">
-                  <a:txBody>
-                    <a:bodyPr/>
-                    <a:lstStyle/>
-                    <a:p>
-                      <a:endParaRPr lang="en-US"/>
-                    </a:p>
-                  </a:txBody>
-                  <a:tcPr>
-                    <a:lnL w="12700" cap="flat" cmpd="sng" algn="ctr">
-                      <a:solidFill>
-                        <a:schemeClr val="bg1"/>
-                      </a:solidFill>
-                      <a:prstDash val="solid"/>
-                      <a:round/>
-                      <a:headEnd type="none" w="med" len="med"/>
-                      <a:tailEnd type="none" w="med" len="med"/>
-                    </a:lnL>
-                  </a:tcPr>
-                </a:tc>
-                <a:extLst>
-                  <a:ext uri="{0D108BD9-81ED-4DB2-BD59-A6C34878D82A}">
-                    <a16:rowId xmlns:a16="http://schemas.microsoft.com/office/drawing/2014/main" val="2801822641"/>
-                  </a:ext>
-                </a:extLst>
-              </a:tr>
-              <a:tr h="488321">
-                <a:tc>
-                  <a:txBody>
-                    <a:bodyPr/>
-                    <a:lstStyle/>
-                    <a:p>
-                      <a:pPr algn="ctr"/>
-                      <a:r>
-                        <a:rPr lang="en-US" sz="1400" b="0" dirty="0">
-                          <a:solidFill>
-                            <a:sysClr val="windowText" lastClr="000000"/>
-                          </a:solidFill>
-                        </a:rPr>
-                        <a:t>Manufacturer, model</a:t>
-                      </a:r>
-                    </a:p>
-                  </a:txBody>
-                  <a:tcPr marL="45720" marR="45720" anchor="ctr">
-                    <a:lnL w="12700" cap="flat" cmpd="sng" algn="ctr">
-                      <a:solidFill>
-                        <a:schemeClr val="bg1"/>
-                      </a:solidFill>
-                      <a:prstDash val="solid"/>
-                      <a:round/>
-                      <a:headEnd type="none" w="med" len="med"/>
-                      <a:tailEnd type="none" w="med" len="med"/>
-                    </a:lnL>
-                    <a:lnR w="12700" cap="flat" cmpd="sng" algn="ctr">
-                      <a:solidFill>
-                        <a:schemeClr val="bg1"/>
-                      </a:solidFill>
-                      <a:prstDash val="solid"/>
-                      <a:round/>
-                      <a:headEnd type="none" w="med" len="med"/>
-                      <a:tailEnd type="none" w="med" len="med"/>
-                    </a:lnR>
-                    <a:lnT w="12700" cap="flat" cmpd="sng" algn="ctr">
-                      <a:solidFill>
-                        <a:schemeClr val="bg1"/>
-                      </a:solidFill>
-                      <a:prstDash val="solid"/>
-                      <a:round/>
-                      <a:headEnd type="none" w="med" len="med"/>
-                      <a:tailEnd type="none" w="med" len="med"/>
-                    </a:lnT>
-                    <a:lnB w="12700" cap="flat" cmpd="sng" algn="ctr">
-                      <a:solidFill>
-                        <a:schemeClr val="bg1"/>
-                      </a:solidFill>
-                      <a:prstDash val="solid"/>
-                      <a:round/>
-                      <a:headEnd type="none" w="med" len="med"/>
-                      <a:tailEnd type="none" w="med" len="med"/>
-                    </a:lnB>
-                    <a:lnTlToBr w="12700" cmpd="sng">
-                      <a:noFill/>
-                      <a:prstDash val="solid"/>
-                    </a:lnTlToBr>
-                    <a:lnBlToTr w="12700" cmpd="sng">
-                      <a:noFill/>
-                      <a:prstDash val="solid"/>
-                    </a:lnBlToTr>
-                    <a:solidFill>
-                      <a:srgbClr val="BFD0EB"/>
-                    </a:solidFill>
-                  </a:tcPr>
-                </a:tc>
-                <a:tc gridSpan="4">
-                  <a:txBody>
-                    <a:bodyPr/>
-                    <a:lstStyle/>
-                    <a:p>
-                      <a:pPr algn="ctr"/>
-                      <a:endParaRPr lang="en-US" sz="1400" dirty="0">
-                        <a:solidFill>
-                          <a:sysClr val="windowText" lastClr="000000"/>
-                        </a:solidFill>
-                        <a:latin typeface="+mn-lt"/>
-                      </a:endParaRPr>
-                    </a:p>
-                  </a:txBody>
-                  <a:tcPr marL="45720" marR="45720" anchor="ctr">
-                    <a:lnL w="12700" cap="flat" cmpd="sng" algn="ctr">
-                      <a:solidFill>
-                        <a:schemeClr val="bg1"/>
-                      </a:solidFill>
-                      <a:prstDash val="solid"/>
-                      <a:round/>
-                      <a:headEnd type="none" w="med" len="med"/>
-                      <a:tailEnd type="none" w="med" len="med"/>
-                    </a:lnL>
-                    <a:lnR w="12700" cap="flat" cmpd="sng" algn="ctr">
-                      <a:solidFill>
-                        <a:schemeClr val="bg1"/>
-                      </a:solidFill>
-                      <a:prstDash val="solid"/>
-                      <a:round/>
-                      <a:headEnd type="none" w="med" len="med"/>
-                      <a:tailEnd type="none" w="med" len="med"/>
-                    </a:lnR>
-                    <a:lnT w="12700" cap="flat" cmpd="sng" algn="ctr">
-                      <a:solidFill>
-                        <a:schemeClr val="bg1"/>
-                      </a:solidFill>
-                      <a:prstDash val="solid"/>
-                      <a:round/>
-                      <a:headEnd type="none" w="med" len="med"/>
-                      <a:tailEnd type="none" w="med" len="med"/>
-                    </a:lnT>
-                    <a:lnB w="12700" cap="flat" cmpd="sng" algn="ctr">
-                      <a:solidFill>
-                        <a:schemeClr val="bg1"/>
-                      </a:solidFill>
-                      <a:prstDash val="solid"/>
-                      <a:round/>
-                      <a:headEnd type="none" w="med" len="med"/>
-                      <a:tailEnd type="none" w="med" len="med"/>
-                    </a:lnB>
-                    <a:lnTlToBr w="12700" cmpd="sng">
-                      <a:noFill/>
-                      <a:prstDash val="solid"/>
-                    </a:lnTlToBr>
-                    <a:lnBlToTr w="12700" cmpd="sng">
-                      <a:noFill/>
-                      <a:prstDash val="solid"/>
-                    </a:lnBlToTr>
-                    <a:solidFill>
-                      <a:srgbClr val="E8EEF8"/>
-                    </a:solidFill>
-                  </a:tcPr>
-                </a:tc>
-                <a:tc hMerge="1">
-                  <a:txBody>
-                    <a:bodyPr/>
-                    <a:lstStyle/>
-                    <a:p>
-                      <a:endParaRPr lang="en-US"/>
-                    </a:p>
-                  </a:txBody>
-                  <a:tcPr/>
-                </a:tc>
-                <a:tc hMerge="1">
-                  <a:txBody>
-                    <a:bodyPr/>
-                    <a:lstStyle/>
-                    <a:p>
-                      <a:endParaRPr lang="en-US"/>
-                    </a:p>
-                  </a:txBody>
-                  <a:tcPr/>
-                </a:tc>
-                <a:tc hMerge="1">
-                  <a:txBody>
-                    <a:bodyPr/>
-                    <a:lstStyle/>
-                    <a:p>
-                      <a:endParaRPr lang="en-US"/>
-                    </a:p>
-                  </a:txBody>
-                  <a:tcPr>
-                    <a:lnL w="12700" cap="flat" cmpd="sng" algn="ctr">
-                      <a:solidFill>
-                        <a:schemeClr val="bg1"/>
-                      </a:solidFill>
-                      <a:prstDash val="solid"/>
-                      <a:round/>
-                      <a:headEnd type="none" w="med" len="med"/>
-                      <a:tailEnd type="none" w="med" len="med"/>
-                    </a:lnL>
-                  </a:tcPr>
-                </a:tc>
-                <a:extLst>
-                  <a:ext uri="{0D108BD9-81ED-4DB2-BD59-A6C34878D82A}">
-                    <a16:rowId xmlns:a16="http://schemas.microsoft.com/office/drawing/2014/main" val="1499110780"/>
-                  </a:ext>
-                </a:extLst>
-              </a:tr>
-              <a:tr h="523846">
-                <a:tc>
-                  <a:txBody>
-                    <a:bodyPr/>
-                    <a:lstStyle/>
-                    <a:p>
-                      <a:pPr algn="ctr"/>
-                      <a:r>
-                        <a:rPr lang="en-US" sz="1400" b="0" dirty="0">
-                          <a:solidFill>
-                            <a:sysClr val="windowText" lastClr="000000"/>
-                          </a:solidFill>
-                        </a:rPr>
-                        <a:t>Device firmware version</a:t>
-                      </a:r>
-                    </a:p>
-                  </a:txBody>
-                  <a:tcPr marL="45720" marR="45720" anchor="ctr">
-                    <a:lnL w="12700" cap="flat" cmpd="sng" algn="ctr">
-                      <a:solidFill>
-                        <a:schemeClr val="bg1"/>
-                      </a:solidFill>
-                      <a:prstDash val="solid"/>
-                      <a:round/>
-                      <a:headEnd type="none" w="med" len="med"/>
-                      <a:tailEnd type="none" w="med" len="med"/>
-                    </a:lnL>
-                    <a:lnR w="12700" cap="flat" cmpd="sng" algn="ctr">
-                      <a:solidFill>
-                        <a:schemeClr val="bg1"/>
-                      </a:solidFill>
-                      <a:prstDash val="solid"/>
-                      <a:round/>
-                      <a:headEnd type="none" w="med" len="med"/>
-                      <a:tailEnd type="none" w="med" len="med"/>
-                    </a:lnR>
-                    <a:lnT w="12700" cap="flat" cmpd="sng" algn="ctr">
-                      <a:solidFill>
-                        <a:schemeClr val="bg1"/>
-                      </a:solidFill>
-                      <a:prstDash val="solid"/>
-                      <a:round/>
-                      <a:headEnd type="none" w="med" len="med"/>
-                      <a:tailEnd type="none" w="med" len="med"/>
-                    </a:lnT>
-                    <a:lnB w="12700" cap="flat" cmpd="sng" algn="ctr">
-                      <a:solidFill>
-                        <a:schemeClr val="bg1"/>
-                      </a:solidFill>
-                      <a:prstDash val="solid"/>
-                      <a:round/>
-                      <a:headEnd type="none" w="med" len="med"/>
-                      <a:tailEnd type="none" w="med" len="med"/>
-                    </a:lnB>
-                    <a:lnTlToBr w="12700" cmpd="sng">
-                      <a:noFill/>
-                      <a:prstDash val="solid"/>
-                    </a:lnTlToBr>
-                    <a:lnBlToTr w="12700" cmpd="sng">
-                      <a:noFill/>
-                      <a:prstDash val="solid"/>
-                    </a:lnBlToTr>
-                    <a:solidFill>
-                      <a:srgbClr val="BFD0EB"/>
-                    </a:solidFill>
-                  </a:tcPr>
-                </a:tc>
-                <a:tc gridSpan="4">
-                  <a:txBody>
-                    <a:bodyPr/>
-                    <a:lstStyle/>
-                    <a:p>
-                      <a:pPr algn="ctr"/>
-                      <a:endParaRPr lang="en-US" sz="1400" dirty="0">
-                        <a:solidFill>
-                          <a:sysClr val="windowText" lastClr="000000"/>
-                        </a:solidFill>
-                        <a:latin typeface="+mn-lt"/>
-                      </a:endParaRPr>
-                    </a:p>
-                  </a:txBody>
-                  <a:tcPr marL="45720" marR="45720" anchor="ctr">
-                    <a:lnL w="12700" cap="flat" cmpd="sng" algn="ctr">
-                      <a:solidFill>
-                        <a:schemeClr val="bg1"/>
-                      </a:solidFill>
-                      <a:prstDash val="solid"/>
-                      <a:round/>
-                      <a:headEnd type="none" w="med" len="med"/>
-                      <a:tailEnd type="none" w="med" len="med"/>
-                    </a:lnL>
-                    <a:lnR w="12700" cap="flat" cmpd="sng" algn="ctr">
-                      <a:solidFill>
-                        <a:schemeClr val="bg1"/>
-                      </a:solidFill>
-                      <a:prstDash val="solid"/>
-                      <a:round/>
-                      <a:headEnd type="none" w="med" len="med"/>
-                      <a:tailEnd type="none" w="med" len="med"/>
-                    </a:lnR>
-                    <a:lnT w="12700" cap="flat" cmpd="sng" algn="ctr">
-                      <a:solidFill>
-                        <a:schemeClr val="bg1"/>
-                      </a:solidFill>
-                      <a:prstDash val="solid"/>
-                      <a:round/>
-                      <a:headEnd type="none" w="med" len="med"/>
-                      <a:tailEnd type="none" w="med" len="med"/>
-                    </a:lnT>
-                    <a:lnB w="12700" cap="flat" cmpd="sng" algn="ctr">
-                      <a:solidFill>
-                        <a:schemeClr val="bg1"/>
-                      </a:solidFill>
-                      <a:prstDash val="solid"/>
-                      <a:round/>
-                      <a:headEnd type="none" w="med" len="med"/>
-                      <a:tailEnd type="none" w="med" len="med"/>
-                    </a:lnB>
-                    <a:lnTlToBr w="12700" cmpd="sng">
-                      <a:noFill/>
-                      <a:prstDash val="solid"/>
-                    </a:lnTlToBr>
-                    <a:lnBlToTr w="12700" cmpd="sng">
-                      <a:noFill/>
-                      <a:prstDash val="solid"/>
-                    </a:lnBlToTr>
-                    <a:solidFill>
-                      <a:srgbClr val="E8EEF8"/>
-                    </a:solidFill>
-                  </a:tcPr>
-                </a:tc>
-                <a:tc hMerge="1">
-                  <a:txBody>
-                    <a:bodyPr/>
-                    <a:lstStyle/>
-                    <a:p>
-                      <a:endParaRPr lang="en-US"/>
-                    </a:p>
-                  </a:txBody>
-                  <a:tcPr/>
-                </a:tc>
-                <a:tc hMerge="1">
-                  <a:txBody>
-                    <a:bodyPr/>
-                    <a:lstStyle/>
-                    <a:p>
-                      <a:endParaRPr lang="en-US"/>
-                    </a:p>
-                  </a:txBody>
-                  <a:tcPr/>
-                </a:tc>
-                <a:tc hMerge="1">
-                  <a:txBody>
-                    <a:bodyPr/>
-                    <a:lstStyle/>
-                    <a:p>
-                      <a:endParaRPr lang="en-US"/>
-                    </a:p>
-                  </a:txBody>
-                  <a:tcPr>
-                    <a:lnL w="12700" cap="flat" cmpd="sng" algn="ctr">
-                      <a:solidFill>
-                        <a:schemeClr val="bg1"/>
-                      </a:solidFill>
-                      <a:prstDash val="solid"/>
-                      <a:round/>
-                      <a:headEnd type="none" w="med" len="med"/>
-                      <a:tailEnd type="none" w="med" len="med"/>
-                    </a:lnL>
-                  </a:tcPr>
-                </a:tc>
-                <a:extLst>
-                  <a:ext uri="{0D108BD9-81ED-4DB2-BD59-A6C34878D82A}">
-                    <a16:rowId xmlns:a16="http://schemas.microsoft.com/office/drawing/2014/main" val="337105121"/>
-                  </a:ext>
-                </a:extLst>
-              </a:tr>
-              <a:tr h="523846">
-                <a:tc>
-                  <a:txBody>
-                    <a:bodyPr/>
-                    <a:lstStyle/>
-                    <a:p>
-                      <a:pPr algn="ctr"/>
-                      <a:r>
-                        <a:rPr lang="en-US" sz="1400" b="0" dirty="0">
-                          <a:solidFill>
-                            <a:sysClr val="windowText" lastClr="000000"/>
-                          </a:solidFill>
-                        </a:rPr>
-                        <a:t>Sampling time </a:t>
-                      </a:r>
-                    </a:p>
-                    <a:p>
-                      <a:pPr algn="ctr"/>
-                      <a:r>
-                        <a:rPr lang="en-US" sz="1400" b="0" dirty="0">
-                          <a:solidFill>
-                            <a:sysClr val="windowText" lastClr="000000"/>
-                          </a:solidFill>
-                        </a:rPr>
-                        <a:t>interval</a:t>
-                      </a:r>
-                    </a:p>
-                  </a:txBody>
-                  <a:tcPr marL="45720" marR="45720" anchor="ctr">
-                    <a:lnL w="12700" cap="flat" cmpd="sng" algn="ctr">
-                      <a:solidFill>
-                        <a:schemeClr val="bg1"/>
-                      </a:solidFill>
-                      <a:prstDash val="solid"/>
-                      <a:round/>
-                      <a:headEnd type="none" w="med" len="med"/>
-                      <a:tailEnd type="none" w="med" len="med"/>
-                    </a:lnL>
-                    <a:lnR w="12700" cap="flat" cmpd="sng" algn="ctr">
-                      <a:solidFill>
-                        <a:schemeClr val="bg1"/>
-                      </a:solidFill>
-                      <a:prstDash val="solid"/>
-                      <a:round/>
-                      <a:headEnd type="none" w="med" len="med"/>
-                      <a:tailEnd type="none" w="med" len="med"/>
-                    </a:lnR>
-                    <a:lnT w="12700" cap="flat" cmpd="sng" algn="ctr">
-                      <a:solidFill>
-                        <a:schemeClr val="bg1"/>
-                      </a:solidFill>
-                      <a:prstDash val="solid"/>
-                      <a:round/>
-                      <a:headEnd type="none" w="med" len="med"/>
-                      <a:tailEnd type="none" w="med" len="med"/>
-                    </a:lnT>
-                    <a:lnB w="12700" cap="flat" cmpd="sng" algn="ctr">
-                      <a:solidFill>
-                        <a:schemeClr val="bg1"/>
-                      </a:solidFill>
-                      <a:prstDash val="solid"/>
-                      <a:round/>
-                      <a:headEnd type="none" w="med" len="med"/>
-                      <a:tailEnd type="none" w="med" len="med"/>
-                    </a:lnB>
-                    <a:lnTlToBr w="12700" cmpd="sng">
-                      <a:noFill/>
-                      <a:prstDash val="solid"/>
-                    </a:lnTlToBr>
-                    <a:lnBlToTr w="12700" cmpd="sng">
-                      <a:noFill/>
-                      <a:prstDash val="solid"/>
-                    </a:lnBlToTr>
-                    <a:solidFill>
-                      <a:srgbClr val="BFD0EB"/>
-                    </a:solidFill>
-                  </a:tcPr>
-                </a:tc>
-                <a:tc gridSpan="4">
-                  <a:txBody>
-                    <a:bodyPr/>
-                    <a:lstStyle/>
-                    <a:p>
-                      <a:pPr algn="ctr"/>
-                      <a:endParaRPr lang="en-US" sz="1400" dirty="0">
-                        <a:solidFill>
-                          <a:sysClr val="windowText" lastClr="000000"/>
-                        </a:solidFill>
-                        <a:latin typeface="+mn-lt"/>
-                      </a:endParaRPr>
-                    </a:p>
-                  </a:txBody>
-                  <a:tcPr marL="45720" marR="45720" anchor="ctr">
-                    <a:lnL w="12700" cap="flat" cmpd="sng" algn="ctr">
-                      <a:solidFill>
-                        <a:schemeClr val="bg1"/>
-                      </a:solidFill>
-                      <a:prstDash val="solid"/>
-                      <a:round/>
-                      <a:headEnd type="none" w="med" len="med"/>
-                      <a:tailEnd type="none" w="med" len="med"/>
-                    </a:lnL>
-                    <a:lnR w="12700" cap="flat" cmpd="sng" algn="ctr">
-                      <a:solidFill>
-                        <a:schemeClr val="bg1"/>
-                      </a:solidFill>
-                      <a:prstDash val="solid"/>
-                      <a:round/>
-                      <a:headEnd type="none" w="med" len="med"/>
-                      <a:tailEnd type="none" w="med" len="med"/>
-                    </a:lnR>
-                    <a:lnT w="12700" cap="flat" cmpd="sng" algn="ctr">
-                      <a:solidFill>
-                        <a:schemeClr val="bg1"/>
-                      </a:solidFill>
-                      <a:prstDash val="solid"/>
-                      <a:round/>
-                      <a:headEnd type="none" w="med" len="med"/>
-                      <a:tailEnd type="none" w="med" len="med"/>
-                    </a:lnT>
-                    <a:lnB w="12700" cap="flat" cmpd="sng" algn="ctr">
-                      <a:solidFill>
-                        <a:srgbClr val="FFFFFF"/>
-                      </a:solidFill>
-                      <a:prstDash val="solid"/>
-                      <a:round/>
-                      <a:headEnd type="none" w="med" len="med"/>
-                      <a:tailEnd type="none" w="med" len="med"/>
-                    </a:lnB>
-                    <a:lnTlToBr w="12700" cmpd="sng">
-                      <a:noFill/>
-                      <a:prstDash val="solid"/>
-                    </a:lnTlToBr>
-                    <a:lnBlToTr w="12700" cmpd="sng">
-                      <a:noFill/>
-                      <a:prstDash val="solid"/>
-                    </a:lnBlToTr>
-                    <a:solidFill>
-                      <a:srgbClr val="E8EEF8"/>
-                    </a:solidFill>
-                  </a:tcPr>
-                </a:tc>
-                <a:tc hMerge="1">
-                  <a:txBody>
-                    <a:bodyPr/>
-                    <a:lstStyle/>
-                    <a:p>
-                      <a:endParaRPr lang="en-US"/>
-                    </a:p>
-                  </a:txBody>
-                  <a:tcPr/>
-                </a:tc>
-                <a:tc hMerge="1">
-                  <a:txBody>
-                    <a:bodyPr/>
-                    <a:lstStyle/>
-                    <a:p>
-                      <a:endParaRPr lang="en-US"/>
-                    </a:p>
-                  </a:txBody>
-                  <a:tcPr/>
-                </a:tc>
-                <a:tc hMerge="1">
-                  <a:txBody>
-                    <a:bodyPr/>
-                    <a:lstStyle/>
-                    <a:p>
-                      <a:endParaRPr lang="en-US"/>
-                    </a:p>
-                  </a:txBody>
-                  <a:tcPr>
-                    <a:lnL w="12700" cap="flat" cmpd="sng" algn="ctr">
-                      <a:solidFill>
-                        <a:schemeClr val="bg1"/>
-                      </a:solidFill>
-                      <a:prstDash val="solid"/>
-                      <a:round/>
-                      <a:headEnd type="none" w="med" len="med"/>
-                      <a:tailEnd type="none" w="med" len="med"/>
-                    </a:lnL>
-                  </a:tcPr>
-                </a:tc>
-                <a:extLst>
-                  <a:ext uri="{0D108BD9-81ED-4DB2-BD59-A6C34878D82A}">
-                    <a16:rowId xmlns:a16="http://schemas.microsoft.com/office/drawing/2014/main" val="3905263702"/>
-                  </a:ext>
-                </a:extLst>
-              </a:tr>
-              <a:tr h="454025">
-                <a:tc rowSpan="3">
-                  <a:txBody>
-                    <a:bodyPr/>
-                    <a:lstStyle/>
-                    <a:p>
-                      <a:pPr algn="ctr"/>
-                      <a:r>
-                        <a:rPr lang="en-US" sz="1400" dirty="0">
-                          <a:solidFill>
-                            <a:sysClr val="windowText" lastClr="000000"/>
-                          </a:solidFill>
-                        </a:rPr>
-                        <a:t>Sensor serial</a:t>
-                      </a:r>
-                    </a:p>
-                    <a:p>
-                      <a:pPr algn="ctr"/>
-                      <a:r>
-                        <a:rPr lang="en-US" sz="1400" dirty="0">
-                          <a:solidFill>
-                            <a:sysClr val="windowText" lastClr="000000"/>
-                          </a:solidFill>
-                        </a:rPr>
-                        <a:t>numbers</a:t>
-                      </a:r>
-                    </a:p>
-                  </a:txBody>
-                  <a:tcPr marL="45720" marR="45720" anchor="ctr">
-                    <a:lnL w="12700" cap="flat" cmpd="sng" algn="ctr">
-                      <a:solidFill>
-                        <a:schemeClr val="bg1"/>
-                      </a:solidFill>
-                      <a:prstDash val="solid"/>
-                      <a:round/>
-                      <a:headEnd type="none" w="med" len="med"/>
-                      <a:tailEnd type="none" w="med" len="med"/>
-                    </a:lnL>
-                    <a:lnR w="12700" cap="flat" cmpd="sng" algn="ctr">
-                      <a:solidFill>
-                        <a:schemeClr val="bg1"/>
-                      </a:solidFill>
-                      <a:prstDash val="solid"/>
-                      <a:round/>
-                      <a:headEnd type="none" w="med" len="med"/>
-                      <a:tailEnd type="none" w="med" len="med"/>
-                    </a:lnR>
-                    <a:lnT w="12700" cap="flat" cmpd="sng" algn="ctr">
-                      <a:solidFill>
-                        <a:schemeClr val="bg1"/>
-                      </a:solidFill>
-                      <a:prstDash val="solid"/>
-                      <a:round/>
-                      <a:headEnd type="none" w="med" len="med"/>
-                      <a:tailEnd type="none" w="med" len="med"/>
-                    </a:lnT>
-                    <a:lnB w="12700" cap="flat" cmpd="sng" algn="ctr">
-                      <a:solidFill>
-                        <a:schemeClr val="bg1"/>
-                      </a:solidFill>
-                      <a:prstDash val="solid"/>
-                      <a:round/>
-                      <a:headEnd type="none" w="med" len="med"/>
-                      <a:tailEnd type="none" w="med" len="med"/>
-                    </a:lnB>
-                    <a:lnTlToBr w="12700" cmpd="sng">
-                      <a:noFill/>
-                      <a:prstDash val="solid"/>
-                    </a:lnTlToBr>
-                    <a:lnBlToTr w="12700" cmpd="sng">
-                      <a:noFill/>
-                      <a:prstDash val="solid"/>
-                    </a:lnBlToTr>
-                    <a:solidFill>
-                      <a:srgbClr val="BFD0EB"/>
-                    </a:solidFill>
-                  </a:tcPr>
-                </a:tc>
-                <a:tc gridSpan="2">
-                  <a:txBody>
-                    <a:bodyPr/>
-                    <a:lstStyle/>
-                    <a:p>
-                      <a:pPr marL="0" marR="0" lvl="0" indent="0" algn="ctr" defTabSz="1554480" rtl="0" eaLnBrk="1" fontAlgn="auto" latinLnBrk="0" hangingPunct="1">
-                        <a:lnSpc>
-                          <a:spcPct val="100000"/>
-                        </a:lnSpc>
-                        <a:spcBef>
-                          <a:spcPts val="0"/>
-                        </a:spcBef>
-                        <a:spcAft>
-                          <a:spcPts val="0"/>
-                        </a:spcAft>
-                        <a:buClrTx/>
-                        <a:buSzTx/>
-                        <a:buFontTx/>
-                        <a:buNone/>
-                        <a:tabLst/>
-                        <a:defRPr/>
-                      </a:pPr>
-                      <a:endParaRPr lang="en-US" sz="1050" dirty="0">
-                        <a:solidFill>
-                          <a:sysClr val="windowText" lastClr="000000"/>
-                        </a:solidFill>
-                        <a:latin typeface="+mn-lt"/>
-                      </a:endParaRPr>
-                    </a:p>
-                  </a:txBody>
-                  <a:tcPr marL="45720" marR="45720" anchor="ctr">
-                    <a:lnL w="12700" cap="flat" cmpd="sng" algn="ctr">
-                      <a:solidFill>
-                        <a:schemeClr val="bg1"/>
-                      </a:solidFill>
-                      <a:prstDash val="solid"/>
-                      <a:round/>
-                      <a:headEnd type="none" w="med" len="med"/>
-                      <a:tailEnd type="none" w="med" len="med"/>
-                    </a:lnL>
-                    <a:lnR w="12700" cap="flat" cmpd="sng" algn="ctr">
-                      <a:solidFill>
-                        <a:schemeClr val="bg1"/>
-                      </a:solidFill>
-                      <a:prstDash val="solid"/>
-                      <a:round/>
-                      <a:headEnd type="none" w="med" len="med"/>
-                      <a:tailEnd type="none" w="med" len="med"/>
-                    </a:lnR>
-                    <a:lnT w="12700" cap="flat" cmpd="sng" algn="ctr">
-                      <a:solidFill>
-                        <a:srgbClr val="FFFFFF"/>
-                      </a:solidFill>
-                      <a:prstDash val="solid"/>
-                      <a:round/>
-                      <a:headEnd type="none" w="med" len="med"/>
-                      <a:tailEnd type="none" w="med" len="med"/>
-                    </a:lnT>
-                    <a:lnB w="12700" cap="flat" cmpd="sng" algn="ctr">
-                      <a:solidFill>
-                        <a:schemeClr val="bg1"/>
-                      </a:solidFill>
-                      <a:prstDash val="solid"/>
-                      <a:round/>
-                      <a:headEnd type="none" w="med" len="med"/>
-                      <a:tailEnd type="none" w="med" len="med"/>
-                    </a:lnB>
-                    <a:lnTlToBr w="12700" cmpd="sng">
-                      <a:noFill/>
-                      <a:prstDash val="solid"/>
-                    </a:lnTlToBr>
-                    <a:lnBlToTr w="12700" cmpd="sng">
-                      <a:noFill/>
-                      <a:prstDash val="solid"/>
-                    </a:lnBlToTr>
-                    <a:solidFill>
-                      <a:srgbClr val="E8EEF8"/>
-                    </a:solidFill>
-                  </a:tcPr>
-                </a:tc>
-                <a:tc hMerge="1">
-                  <a:txBody>
-                    <a:bodyPr/>
-                    <a:lstStyle/>
-                    <a:p>
-                      <a:pPr algn="ctr"/>
-                      <a:endParaRPr lang="en-US" sz="1400" dirty="0">
-                        <a:solidFill>
-                          <a:sysClr val="windowText" lastClr="000000"/>
-                        </a:solidFill>
-                        <a:latin typeface="+mn-lt"/>
-                      </a:endParaRPr>
-                    </a:p>
-                  </a:txBody>
-                  <a:tcPr marL="201168" marR="201168" marT="100584" marB="100584" anchor="ctr">
-                    <a:lnL w="12700" cap="flat" cmpd="sng" algn="ctr">
-                      <a:solidFill>
-                        <a:schemeClr val="bg1"/>
-                      </a:solidFill>
-                      <a:prstDash val="solid"/>
-                      <a:round/>
-                      <a:headEnd type="none" w="med" len="med"/>
-                      <a:tailEnd type="none" w="med" len="med"/>
-                    </a:lnL>
-                    <a:lnR w="12700" cap="flat" cmpd="sng" algn="ctr">
-                      <a:solidFill>
-                        <a:schemeClr val="bg1"/>
-                      </a:solidFill>
-                      <a:prstDash val="solid"/>
-                      <a:round/>
-                      <a:headEnd type="none" w="med" len="med"/>
-                      <a:tailEnd type="none" w="med" len="med"/>
-                    </a:lnR>
-                    <a:lnT w="12700" cap="flat" cmpd="sng" algn="ctr">
-                      <a:solidFill>
-                        <a:schemeClr val="bg1"/>
-                      </a:solidFill>
-                      <a:prstDash val="solid"/>
-                      <a:round/>
-                      <a:headEnd type="none" w="med" len="med"/>
-                      <a:tailEnd type="none" w="med" len="med"/>
-                    </a:lnT>
-                    <a:lnB w="12700" cap="flat" cmpd="sng" algn="ctr">
-                      <a:solidFill>
-                        <a:schemeClr val="bg1"/>
-                      </a:solidFill>
-                      <a:prstDash val="solid"/>
-                      <a:round/>
-                      <a:headEnd type="none" w="med" len="med"/>
-                      <a:tailEnd type="none" w="med" len="med"/>
-                    </a:lnB>
-                    <a:lnTlToBr w="12700" cmpd="sng">
-                      <a:noFill/>
-                      <a:prstDash val="solid"/>
-                    </a:lnTlToBr>
-                    <a:lnBlToTr w="12700" cmpd="sng">
-                      <a:noFill/>
-                      <a:prstDash val="solid"/>
-                    </a:lnBlToTr>
-                    <a:solidFill>
-                      <a:srgbClr val="E8EEF8"/>
-                    </a:solidFill>
-                  </a:tcPr>
-                </a:tc>
-                <a:tc>
-                  <a:txBody>
-                    <a:bodyPr/>
-                    <a:lstStyle/>
-                    <a:p>
-                      <a:pPr algn="ctr"/>
-                      <a:endParaRPr lang="en-US" sz="1400" dirty="0">
-                        <a:solidFill>
-                          <a:sysClr val="windowText" lastClr="000000"/>
-                        </a:solidFill>
-                        <a:latin typeface="+mn-lt"/>
-                      </a:endParaRPr>
-                    </a:p>
-                  </a:txBody>
-                  <a:tcPr marL="45720" marR="45720" anchor="ctr">
-                    <a:lnL w="12700" cap="flat" cmpd="sng" algn="ctr">
-                      <a:solidFill>
-                        <a:schemeClr val="bg1"/>
-                      </a:solidFill>
-                      <a:prstDash val="solid"/>
-                      <a:round/>
-                      <a:headEnd type="none" w="med" len="med"/>
-                      <a:tailEnd type="none" w="med" len="med"/>
-                    </a:lnL>
-                    <a:lnR w="12700" cap="flat" cmpd="sng" algn="ctr">
-                      <a:solidFill>
-                        <a:schemeClr val="bg1"/>
-                      </a:solidFill>
-                      <a:prstDash val="solid"/>
-                      <a:round/>
-                      <a:headEnd type="none" w="med" len="med"/>
-                      <a:tailEnd type="none" w="med" len="med"/>
-                    </a:lnR>
-                    <a:lnT w="12700" cap="flat" cmpd="sng" algn="ctr">
-                      <a:solidFill>
-                        <a:srgbClr val="FFFFFF"/>
-                      </a:solidFill>
-                      <a:prstDash val="solid"/>
-                      <a:round/>
-                      <a:headEnd type="none" w="med" len="med"/>
-                      <a:tailEnd type="none" w="med" len="med"/>
-                    </a:lnT>
-                    <a:lnB w="12700" cap="flat" cmpd="sng" algn="ctr">
-                      <a:solidFill>
-                        <a:schemeClr val="bg1"/>
-                      </a:solidFill>
-                      <a:prstDash val="solid"/>
-                      <a:round/>
-                      <a:headEnd type="none" w="med" len="med"/>
-                      <a:tailEnd type="none" w="med" len="med"/>
-                    </a:lnB>
-                    <a:lnTlToBr w="12700" cmpd="sng">
-                      <a:noFill/>
-                      <a:prstDash val="solid"/>
-                    </a:lnTlToBr>
-                    <a:lnBlToTr w="12700" cmpd="sng">
-                      <a:noFill/>
-                      <a:prstDash val="solid"/>
-                    </a:lnBlToTr>
-                    <a:solidFill>
-                      <a:srgbClr val="E8EEF8"/>
-                    </a:solidFill>
-                  </a:tcPr>
-                </a:tc>
-                <a:tc>
-                  <a:txBody>
-                    <a:bodyPr/>
-                    <a:lstStyle/>
-                    <a:p>
-                      <a:pPr algn="ctr"/>
-                      <a:endParaRPr lang="en-US" sz="1400" dirty="0">
-                        <a:solidFill>
-                          <a:sysClr val="windowText" lastClr="000000"/>
-                        </a:solidFill>
-                        <a:latin typeface="+mn-lt"/>
-                      </a:endParaRPr>
-                    </a:p>
-                  </a:txBody>
-                  <a:tcPr marL="45720" marR="45720" anchor="ctr">
-                    <a:lnL w="12700" cap="flat" cmpd="sng" algn="ctr">
-                      <a:solidFill>
-                        <a:schemeClr val="bg1"/>
-                      </a:solidFill>
-                      <a:prstDash val="solid"/>
-                      <a:round/>
-                      <a:headEnd type="none" w="med" len="med"/>
-                      <a:tailEnd type="none" w="med" len="med"/>
-                    </a:lnL>
-                    <a:lnR w="12700" cap="flat" cmpd="sng" algn="ctr">
-                      <a:solidFill>
-                        <a:schemeClr val="bg1"/>
-                      </a:solidFill>
-                      <a:prstDash val="solid"/>
-                      <a:round/>
-                      <a:headEnd type="none" w="med" len="med"/>
-                      <a:tailEnd type="none" w="med" len="med"/>
-                    </a:lnR>
-                    <a:lnT w="12700" cap="flat" cmpd="sng" algn="ctr">
-                      <a:solidFill>
-                        <a:srgbClr val="FFFFFF"/>
-                      </a:solidFill>
-                      <a:prstDash val="solid"/>
-                      <a:round/>
-                      <a:headEnd type="none" w="med" len="med"/>
-                      <a:tailEnd type="none" w="med" len="med"/>
-                    </a:lnT>
-                    <a:lnB w="12700" cap="flat" cmpd="sng" algn="ctr">
-                      <a:solidFill>
-                        <a:schemeClr val="bg1"/>
-                      </a:solidFill>
-                      <a:prstDash val="solid"/>
-                      <a:round/>
-                      <a:headEnd type="none" w="med" len="med"/>
-                      <a:tailEnd type="none" w="med" len="med"/>
-                    </a:lnB>
-                    <a:lnTlToBr w="12700" cmpd="sng">
-                      <a:noFill/>
-                      <a:prstDash val="solid"/>
-                    </a:lnTlToBr>
-                    <a:lnBlToTr w="12700" cmpd="sng">
-                      <a:noFill/>
-                      <a:prstDash val="solid"/>
-                    </a:lnBlToTr>
-                    <a:solidFill>
-                      <a:srgbClr val="E8EEF8"/>
-                    </a:solidFill>
-                  </a:tcPr>
-                </a:tc>
-                <a:extLst>
-                  <a:ext uri="{0D108BD9-81ED-4DB2-BD59-A6C34878D82A}">
-                    <a16:rowId xmlns:a16="http://schemas.microsoft.com/office/drawing/2014/main" val="1925963944"/>
-                  </a:ext>
-                </a:extLst>
-              </a:tr>
-              <a:tr h="454025">
-                <a:tc vMerge="1">
-                  <a:txBody>
-                    <a:bodyPr/>
-                    <a:lstStyle/>
-                    <a:p>
-                      <a:pPr algn="ctr"/>
-                      <a:endParaRPr lang="en-US" sz="1400" dirty="0">
-                        <a:solidFill>
-                          <a:sysClr val="windowText" lastClr="000000"/>
-                        </a:solidFill>
-                      </a:endParaRPr>
-                    </a:p>
-                  </a:txBody>
-                  <a:tcPr marL="45720" marR="45720" anchor="ctr">
-                    <a:lnL w="12700" cap="flat" cmpd="sng" algn="ctr">
-                      <a:solidFill>
-                        <a:schemeClr val="bg1"/>
-                      </a:solidFill>
-                      <a:prstDash val="solid"/>
-                      <a:round/>
-                      <a:headEnd type="none" w="med" len="med"/>
-                      <a:tailEnd type="none" w="med" len="med"/>
-                    </a:lnL>
-                    <a:lnR w="12700" cap="flat" cmpd="sng" algn="ctr">
-                      <a:solidFill>
-                        <a:schemeClr val="bg1"/>
-                      </a:solidFill>
-                      <a:prstDash val="solid"/>
-                      <a:round/>
-                      <a:headEnd type="none" w="med" len="med"/>
-                      <a:tailEnd type="none" w="med" len="med"/>
-                    </a:lnR>
-                    <a:lnT w="12700" cap="flat" cmpd="sng" algn="ctr">
-                      <a:solidFill>
-                        <a:schemeClr val="bg1"/>
-                      </a:solidFill>
-                      <a:prstDash val="solid"/>
-                      <a:round/>
-                      <a:headEnd type="none" w="med" len="med"/>
-                      <a:tailEnd type="none" w="med" len="med"/>
-                    </a:lnT>
-                    <a:lnB w="12700" cap="flat" cmpd="sng" algn="ctr">
-                      <a:solidFill>
-                        <a:schemeClr val="bg1"/>
-                      </a:solidFill>
-                      <a:prstDash val="solid"/>
-                      <a:round/>
-                      <a:headEnd type="none" w="med" len="med"/>
-                      <a:tailEnd type="none" w="med" len="med"/>
-                    </a:lnB>
-                    <a:lnTlToBr w="12700" cmpd="sng">
-                      <a:noFill/>
-                      <a:prstDash val="solid"/>
-                    </a:lnTlToBr>
-                    <a:lnBlToTr w="12700" cmpd="sng">
-                      <a:noFill/>
-                      <a:prstDash val="solid"/>
-                    </a:lnBlToTr>
-                    <a:solidFill>
-                      <a:srgbClr val="BFD0EB"/>
-                    </a:solidFill>
-                  </a:tcPr>
-                </a:tc>
-                <a:tc gridSpan="2">
-                  <a:txBody>
-                    <a:bodyPr/>
-                    <a:lstStyle/>
-                    <a:p>
-                      <a:pPr marL="0" marR="0" lvl="0" indent="0" algn="ctr" defTabSz="1554480" rtl="0" eaLnBrk="1" fontAlgn="auto" latinLnBrk="0" hangingPunct="1">
-                        <a:lnSpc>
-                          <a:spcPct val="100000"/>
-                        </a:lnSpc>
-                        <a:spcBef>
-                          <a:spcPts val="0"/>
-                        </a:spcBef>
-                        <a:spcAft>
-                          <a:spcPts val="0"/>
-                        </a:spcAft>
-                        <a:buClrTx/>
-                        <a:buSzTx/>
-                        <a:buFontTx/>
-                        <a:buNone/>
-                        <a:tabLst/>
-                        <a:defRPr/>
-                      </a:pPr>
-                      <a:endParaRPr lang="en-US" sz="1050" dirty="0">
-                        <a:solidFill>
-                          <a:sysClr val="windowText" lastClr="000000"/>
-                        </a:solidFill>
-                        <a:latin typeface="+mn-lt"/>
-                      </a:endParaRPr>
-                    </a:p>
-                  </a:txBody>
-                  <a:tcPr marL="45720" marR="45720" anchor="ctr">
-                    <a:lnL w="12700" cap="flat" cmpd="sng" algn="ctr">
-                      <a:solidFill>
-                        <a:schemeClr val="bg1"/>
-                      </a:solidFill>
-                      <a:prstDash val="solid"/>
-                      <a:round/>
-                      <a:headEnd type="none" w="med" len="med"/>
-                      <a:tailEnd type="none" w="med" len="med"/>
-                    </a:lnL>
-                    <a:lnR w="12700" cap="flat" cmpd="sng" algn="ctr">
-                      <a:solidFill>
-                        <a:schemeClr val="bg1"/>
-                      </a:solidFill>
-                      <a:prstDash val="solid"/>
-                      <a:round/>
-                      <a:headEnd type="none" w="med" len="med"/>
-                      <a:tailEnd type="none" w="med" len="med"/>
-                    </a:lnR>
-                    <a:lnT w="12700" cap="flat" cmpd="sng" algn="ctr">
-                      <a:solidFill>
-                        <a:schemeClr val="bg1"/>
-                      </a:solidFill>
-                      <a:prstDash val="solid"/>
-                      <a:round/>
-                      <a:headEnd type="none" w="med" len="med"/>
-                      <a:tailEnd type="none" w="med" len="med"/>
-                    </a:lnT>
-                    <a:lnB w="12700" cap="flat" cmpd="sng" algn="ctr">
-                      <a:solidFill>
-                        <a:schemeClr val="bg1"/>
-                      </a:solidFill>
-                      <a:prstDash val="solid"/>
-                      <a:round/>
-                      <a:headEnd type="none" w="med" len="med"/>
-                      <a:tailEnd type="none" w="med" len="med"/>
-                    </a:lnB>
-                    <a:lnTlToBr w="12700" cmpd="sng">
-                      <a:noFill/>
-                      <a:prstDash val="solid"/>
-                    </a:lnTlToBr>
-                    <a:lnBlToTr w="12700" cmpd="sng">
-                      <a:noFill/>
-                      <a:prstDash val="solid"/>
-                    </a:lnBlToTr>
-                    <a:solidFill>
-                      <a:srgbClr val="E8EEF8"/>
-                    </a:solidFill>
-                  </a:tcPr>
-                </a:tc>
-                <a:tc hMerge="1">
-                  <a:txBody>
-                    <a:bodyPr/>
-                    <a:lstStyle/>
-                    <a:p>
-                      <a:pPr algn="ctr"/>
-                      <a:endParaRPr lang="en-US" sz="1400" dirty="0">
-                        <a:solidFill>
-                          <a:sysClr val="windowText" lastClr="000000"/>
-                        </a:solidFill>
-                        <a:latin typeface="+mn-lt"/>
-                      </a:endParaRPr>
-                    </a:p>
-                  </a:txBody>
-                  <a:tcPr marL="201168" marR="201168" marT="100584" marB="100584" anchor="ctr"/>
-                </a:tc>
-                <a:tc>
-                  <a:txBody>
-                    <a:bodyPr/>
-                    <a:lstStyle/>
-                    <a:p>
-                      <a:pPr algn="ctr"/>
-                      <a:endParaRPr lang="en-US" sz="1400" dirty="0">
-                        <a:solidFill>
-                          <a:sysClr val="windowText" lastClr="000000"/>
-                        </a:solidFill>
-                        <a:latin typeface="+mn-lt"/>
-                      </a:endParaRPr>
-                    </a:p>
-                  </a:txBody>
-                  <a:tcPr marL="45720" marR="45720" anchor="ctr">
-                    <a:lnL w="12700" cap="flat" cmpd="sng" algn="ctr">
-                      <a:solidFill>
-                        <a:schemeClr val="bg1"/>
-                      </a:solidFill>
-                      <a:prstDash val="solid"/>
-                      <a:round/>
-                      <a:headEnd type="none" w="med" len="med"/>
-                      <a:tailEnd type="none" w="med" len="med"/>
-                    </a:lnL>
-                    <a:lnR w="12700" cap="flat" cmpd="sng" algn="ctr">
-                      <a:solidFill>
-                        <a:schemeClr val="bg1"/>
-                      </a:solidFill>
-                      <a:prstDash val="solid"/>
-                      <a:round/>
-                      <a:headEnd type="none" w="med" len="med"/>
-                      <a:tailEnd type="none" w="med" len="med"/>
-                    </a:lnR>
-                    <a:lnT w="12700" cap="flat" cmpd="sng" algn="ctr">
-                      <a:solidFill>
-                        <a:schemeClr val="bg1"/>
-                      </a:solidFill>
-                      <a:prstDash val="solid"/>
-                      <a:round/>
-                      <a:headEnd type="none" w="med" len="med"/>
-                      <a:tailEnd type="none" w="med" len="med"/>
-                    </a:lnT>
-                    <a:lnB w="12700" cap="flat" cmpd="sng" algn="ctr">
-                      <a:solidFill>
-                        <a:schemeClr val="bg1"/>
-                      </a:solidFill>
-                      <a:prstDash val="solid"/>
-                      <a:round/>
-                      <a:headEnd type="none" w="med" len="med"/>
-                      <a:tailEnd type="none" w="med" len="med"/>
-                    </a:lnB>
-                    <a:lnTlToBr w="12700" cmpd="sng">
-                      <a:noFill/>
-                      <a:prstDash val="solid"/>
-                    </a:lnTlToBr>
-                    <a:lnBlToTr w="12700" cmpd="sng">
-                      <a:noFill/>
-                      <a:prstDash val="solid"/>
-                    </a:lnBlToTr>
-                    <a:solidFill>
-                      <a:srgbClr val="E8EEF8"/>
-                    </a:solidFill>
-                  </a:tcPr>
-                </a:tc>
-                <a:tc>
-                  <a:txBody>
-                    <a:bodyPr/>
-                    <a:lstStyle/>
-                    <a:p>
-                      <a:pPr algn="ctr"/>
-                      <a:endParaRPr lang="en-US" sz="1400" dirty="0">
-                        <a:solidFill>
-                          <a:sysClr val="windowText" lastClr="000000"/>
-                        </a:solidFill>
-                        <a:latin typeface="+mn-lt"/>
-                      </a:endParaRPr>
-                    </a:p>
-                  </a:txBody>
-                  <a:tcPr marL="45720" marR="45720" anchor="ctr">
-                    <a:lnL w="12700" cap="flat" cmpd="sng" algn="ctr">
-                      <a:solidFill>
-                        <a:schemeClr val="bg1"/>
-                      </a:solidFill>
-                      <a:prstDash val="solid"/>
-                      <a:round/>
-                      <a:headEnd type="none" w="med" len="med"/>
-                      <a:tailEnd type="none" w="med" len="med"/>
-                    </a:lnL>
-                    <a:lnR w="12700" cap="flat" cmpd="sng" algn="ctr">
-                      <a:solidFill>
-                        <a:schemeClr val="bg1"/>
-                      </a:solidFill>
-                      <a:prstDash val="solid"/>
-                      <a:round/>
-                      <a:headEnd type="none" w="med" len="med"/>
-                      <a:tailEnd type="none" w="med" len="med"/>
-                    </a:lnR>
-                    <a:lnT w="12700" cap="flat" cmpd="sng" algn="ctr">
-                      <a:solidFill>
-                        <a:schemeClr val="bg1"/>
-                      </a:solidFill>
-                      <a:prstDash val="solid"/>
-                      <a:round/>
-                      <a:headEnd type="none" w="med" len="med"/>
-                      <a:tailEnd type="none" w="med" len="med"/>
-                    </a:lnT>
-                    <a:lnB w="12700" cap="flat" cmpd="sng" algn="ctr">
-                      <a:solidFill>
-                        <a:schemeClr val="bg1"/>
-                      </a:solidFill>
-                      <a:prstDash val="solid"/>
-                      <a:round/>
-                      <a:headEnd type="none" w="med" len="med"/>
-                      <a:tailEnd type="none" w="med" len="med"/>
-                    </a:lnB>
-                    <a:lnTlToBr w="12700" cmpd="sng">
-                      <a:noFill/>
-                      <a:prstDash val="solid"/>
-                    </a:lnTlToBr>
-                    <a:lnBlToTr w="12700" cmpd="sng">
-                      <a:noFill/>
-                      <a:prstDash val="solid"/>
-                    </a:lnBlToTr>
-                    <a:solidFill>
-                      <a:srgbClr val="E8EEF8"/>
-                    </a:solidFill>
-                  </a:tcPr>
-                </a:tc>
-                <a:extLst>
-                  <a:ext uri="{0D108BD9-81ED-4DB2-BD59-A6C34878D82A}">
-                    <a16:rowId xmlns:a16="http://schemas.microsoft.com/office/drawing/2014/main" val="3779271849"/>
-                  </a:ext>
-                </a:extLst>
-              </a:tr>
-              <a:tr h="454025">
-                <a:tc vMerge="1">
-                  <a:txBody>
-                    <a:bodyPr/>
-                    <a:lstStyle/>
-                    <a:p>
-                      <a:pPr algn="ctr"/>
-                      <a:endParaRPr lang="en-US" sz="1400" dirty="0">
-                        <a:solidFill>
-                          <a:sysClr val="windowText" lastClr="000000"/>
-                        </a:solidFill>
-                      </a:endParaRPr>
-                    </a:p>
-                  </a:txBody>
-                  <a:tcPr marL="45720" marR="45720" anchor="ctr">
-                    <a:lnL w="12700" cap="flat" cmpd="sng" algn="ctr">
-                      <a:solidFill>
-                        <a:schemeClr val="bg1"/>
-                      </a:solidFill>
-                      <a:prstDash val="solid"/>
-                      <a:round/>
-                      <a:headEnd type="none" w="med" len="med"/>
-                      <a:tailEnd type="none" w="med" len="med"/>
-                    </a:lnL>
-                    <a:lnR w="12700" cap="flat" cmpd="sng" algn="ctr">
-                      <a:solidFill>
-                        <a:schemeClr val="bg1"/>
-                      </a:solidFill>
-                      <a:prstDash val="solid"/>
-                      <a:round/>
-                      <a:headEnd type="none" w="med" len="med"/>
-                      <a:tailEnd type="none" w="med" len="med"/>
-                    </a:lnR>
-                    <a:lnT w="12700" cap="flat" cmpd="sng" algn="ctr">
-                      <a:solidFill>
-                        <a:schemeClr val="bg1"/>
-                      </a:solidFill>
-                      <a:prstDash val="solid"/>
-                      <a:round/>
-                      <a:headEnd type="none" w="med" len="med"/>
-                      <a:tailEnd type="none" w="med" len="med"/>
-                    </a:lnT>
-                    <a:lnB w="12700" cap="flat" cmpd="sng" algn="ctr">
-                      <a:solidFill>
-                        <a:schemeClr val="bg1"/>
-                      </a:solidFill>
-                      <a:prstDash val="solid"/>
-                      <a:round/>
-                      <a:headEnd type="none" w="med" len="med"/>
-                      <a:tailEnd type="none" w="med" len="med"/>
-                    </a:lnB>
-                    <a:lnTlToBr w="12700" cmpd="sng">
-                      <a:noFill/>
-                      <a:prstDash val="solid"/>
-                    </a:lnTlToBr>
-                    <a:lnBlToTr w="12700" cmpd="sng">
-                      <a:noFill/>
-                      <a:prstDash val="solid"/>
-                    </a:lnBlToTr>
-                    <a:solidFill>
-                      <a:srgbClr val="BFD0EB"/>
-                    </a:solidFill>
-                  </a:tcPr>
-                </a:tc>
-                <a:tc gridSpan="2">
-                  <a:txBody>
-                    <a:bodyPr/>
-                    <a:lstStyle/>
-                    <a:p>
-                      <a:pPr marL="0" marR="0" lvl="0" indent="0" algn="ctr" defTabSz="1554480" rtl="0" eaLnBrk="1" fontAlgn="auto" latinLnBrk="0" hangingPunct="1">
-                        <a:lnSpc>
-                          <a:spcPct val="100000"/>
-                        </a:lnSpc>
-                        <a:spcBef>
-                          <a:spcPts val="0"/>
-                        </a:spcBef>
-                        <a:spcAft>
-                          <a:spcPts val="0"/>
-                        </a:spcAft>
-                        <a:buClrTx/>
-                        <a:buSzTx/>
-                        <a:buFontTx/>
-                        <a:buNone/>
-                        <a:tabLst/>
-                        <a:defRPr/>
-                      </a:pPr>
-                      <a:endParaRPr lang="en-US" sz="1050" dirty="0">
-                        <a:solidFill>
-                          <a:sysClr val="windowText" lastClr="000000"/>
-                        </a:solidFill>
-                        <a:latin typeface="+mn-lt"/>
-                      </a:endParaRPr>
-                    </a:p>
-                  </a:txBody>
-                  <a:tcPr marL="45720" marR="45720" anchor="ctr">
-                    <a:lnL w="12700" cap="flat" cmpd="sng" algn="ctr">
-                      <a:solidFill>
-                        <a:schemeClr val="bg1"/>
-                      </a:solidFill>
-                      <a:prstDash val="solid"/>
-                      <a:round/>
-                      <a:headEnd type="none" w="med" len="med"/>
-                      <a:tailEnd type="none" w="med" len="med"/>
-                    </a:lnL>
-                    <a:lnR w="12700" cap="flat" cmpd="sng" algn="ctr">
-                      <a:solidFill>
-                        <a:schemeClr val="bg1"/>
-                      </a:solidFill>
-                      <a:prstDash val="solid"/>
-                      <a:round/>
-                      <a:headEnd type="none" w="med" len="med"/>
-                      <a:tailEnd type="none" w="med" len="med"/>
-                    </a:lnR>
-                    <a:lnT w="12700" cap="flat" cmpd="sng" algn="ctr">
-                      <a:solidFill>
-                        <a:schemeClr val="bg1"/>
-                      </a:solidFill>
-                      <a:prstDash val="solid"/>
-                      <a:round/>
-                      <a:headEnd type="none" w="med" len="med"/>
-                      <a:tailEnd type="none" w="med" len="med"/>
-                    </a:lnT>
-                    <a:lnB w="12700" cap="flat" cmpd="sng" algn="ctr">
-                      <a:solidFill>
-                        <a:schemeClr val="bg1"/>
-                      </a:solidFill>
-                      <a:prstDash val="solid"/>
-                      <a:round/>
-                      <a:headEnd type="none" w="med" len="med"/>
-                      <a:tailEnd type="none" w="med" len="med"/>
-                    </a:lnB>
-                    <a:lnTlToBr w="12700" cmpd="sng">
-                      <a:noFill/>
-                      <a:prstDash val="solid"/>
-                    </a:lnTlToBr>
-                    <a:lnBlToTr w="12700" cmpd="sng">
-                      <a:noFill/>
-                      <a:prstDash val="solid"/>
-                    </a:lnBlToTr>
-                    <a:solidFill>
-                      <a:srgbClr val="E8EEF8"/>
-                    </a:solidFill>
-                  </a:tcPr>
-                </a:tc>
-                <a:tc hMerge="1">
-                  <a:txBody>
-                    <a:bodyPr/>
-                    <a:lstStyle/>
-                    <a:p>
-                      <a:pPr algn="ctr"/>
-                      <a:endParaRPr lang="en-US" sz="1400" dirty="0">
-                        <a:solidFill>
-                          <a:sysClr val="windowText" lastClr="000000"/>
-                        </a:solidFill>
-                        <a:latin typeface="+mn-lt"/>
-                      </a:endParaRPr>
-                    </a:p>
-                  </a:txBody>
-                  <a:tcPr marL="201168" marR="201168" marT="100584" marB="100584" anchor="ctr"/>
-                </a:tc>
-                <a:tc>
-                  <a:txBody>
-                    <a:bodyPr/>
-                    <a:lstStyle/>
-                    <a:p>
-                      <a:pPr algn="ctr"/>
-                      <a:endParaRPr lang="en-US" sz="1400" dirty="0">
-                        <a:solidFill>
-                          <a:sysClr val="windowText" lastClr="000000"/>
-                        </a:solidFill>
-                        <a:latin typeface="+mn-lt"/>
-                      </a:endParaRPr>
-                    </a:p>
-                  </a:txBody>
-                  <a:tcPr marL="45720" marR="45720" anchor="ctr">
-                    <a:lnL w="12700" cap="flat" cmpd="sng" algn="ctr">
-                      <a:solidFill>
-                        <a:schemeClr val="bg1"/>
-                      </a:solidFill>
-                      <a:prstDash val="solid"/>
-                      <a:round/>
-                      <a:headEnd type="none" w="med" len="med"/>
-                      <a:tailEnd type="none" w="med" len="med"/>
-                    </a:lnL>
-                    <a:lnR w="12700" cap="flat" cmpd="sng" algn="ctr">
-                      <a:solidFill>
-                        <a:schemeClr val="bg1"/>
-                      </a:solidFill>
-                      <a:prstDash val="solid"/>
-                      <a:round/>
-                      <a:headEnd type="none" w="med" len="med"/>
-                      <a:tailEnd type="none" w="med" len="med"/>
-                    </a:lnR>
-                    <a:lnT w="12700" cap="flat" cmpd="sng" algn="ctr">
-                      <a:solidFill>
-                        <a:schemeClr val="bg1"/>
-                      </a:solidFill>
-                      <a:prstDash val="solid"/>
-                      <a:round/>
-                      <a:headEnd type="none" w="med" len="med"/>
-                      <a:tailEnd type="none" w="med" len="med"/>
-                    </a:lnT>
-                    <a:lnB w="12700" cap="flat" cmpd="sng" algn="ctr">
-                      <a:solidFill>
-                        <a:schemeClr val="bg1"/>
-                      </a:solidFill>
-                      <a:prstDash val="solid"/>
-                      <a:round/>
-                      <a:headEnd type="none" w="med" len="med"/>
-                      <a:tailEnd type="none" w="med" len="med"/>
-                    </a:lnB>
-                    <a:lnTlToBr w="12700" cmpd="sng">
-                      <a:noFill/>
-                      <a:prstDash val="solid"/>
-                    </a:lnTlToBr>
-                    <a:lnBlToTr w="12700" cmpd="sng">
-                      <a:noFill/>
-                      <a:prstDash val="solid"/>
-                    </a:lnBlToTr>
-                    <a:solidFill>
-                      <a:srgbClr val="E8EEF8"/>
-                    </a:solidFill>
-                  </a:tcPr>
-                </a:tc>
-                <a:tc>
-                  <a:txBody>
-                    <a:bodyPr/>
-                    <a:lstStyle/>
-                    <a:p>
-                      <a:pPr algn="ctr"/>
-                      <a:endParaRPr lang="en-US" sz="1400" dirty="0">
-                        <a:solidFill>
-                          <a:sysClr val="windowText" lastClr="000000"/>
-                        </a:solidFill>
-                        <a:latin typeface="+mn-lt"/>
-                      </a:endParaRPr>
-                    </a:p>
-                  </a:txBody>
-                  <a:tcPr marL="45720" marR="45720" anchor="ctr">
-                    <a:lnL w="12700" cap="flat" cmpd="sng" algn="ctr">
-                      <a:solidFill>
-                        <a:schemeClr val="bg1"/>
-                      </a:solidFill>
-                      <a:prstDash val="solid"/>
-                      <a:round/>
-                      <a:headEnd type="none" w="med" len="med"/>
-                      <a:tailEnd type="none" w="med" len="med"/>
-                    </a:lnL>
-                    <a:lnR w="12700" cap="flat" cmpd="sng" algn="ctr">
-                      <a:solidFill>
-                        <a:schemeClr val="bg1"/>
-                      </a:solidFill>
-                      <a:prstDash val="solid"/>
-                      <a:round/>
-                      <a:headEnd type="none" w="med" len="med"/>
-                      <a:tailEnd type="none" w="med" len="med"/>
-                    </a:lnR>
-                    <a:lnT w="12700" cap="flat" cmpd="sng" algn="ctr">
-                      <a:solidFill>
-                        <a:schemeClr val="bg1"/>
-                      </a:solidFill>
-                      <a:prstDash val="solid"/>
-                      <a:round/>
-                      <a:headEnd type="none" w="med" len="med"/>
-                      <a:tailEnd type="none" w="med" len="med"/>
-                    </a:lnT>
-                    <a:lnB w="12700" cap="flat" cmpd="sng" algn="ctr">
-                      <a:solidFill>
-                        <a:schemeClr val="bg1"/>
-                      </a:solidFill>
-                      <a:prstDash val="solid"/>
-                      <a:round/>
-                      <a:headEnd type="none" w="med" len="med"/>
-                      <a:tailEnd type="none" w="med" len="med"/>
-                    </a:lnB>
-                    <a:lnTlToBr w="12700" cmpd="sng">
-                      <a:noFill/>
-                      <a:prstDash val="solid"/>
-                    </a:lnTlToBr>
-                    <a:lnBlToTr w="12700" cmpd="sng">
-                      <a:noFill/>
-                      <a:prstDash val="solid"/>
-                    </a:lnBlToTr>
-                    <a:solidFill>
-                      <a:srgbClr val="E8EEF8"/>
-                    </a:solidFill>
-                  </a:tcPr>
-                </a:tc>
-                <a:extLst>
-                  <a:ext uri="{0D108BD9-81ED-4DB2-BD59-A6C34878D82A}">
-                    <a16:rowId xmlns:a16="http://schemas.microsoft.com/office/drawing/2014/main" val="2358869375"/>
-                  </a:ext>
-                </a:extLst>
-              </a:tr>
-              <a:tr h="777180">
-                <a:tc>
-                  <a:txBody>
-                    <a:bodyPr/>
-                    <a:lstStyle/>
-                    <a:p>
-                      <a:pPr algn="ctr"/>
-                      <a:r>
-                        <a:rPr lang="en-US" sz="1400" dirty="0">
-                          <a:solidFill>
-                            <a:sysClr val="windowText" lastClr="000000"/>
-                          </a:solidFill>
-                        </a:rPr>
-                        <a:t>Issues encountered during deployment?</a:t>
-                      </a:r>
-                    </a:p>
-                  </a:txBody>
-                  <a:tcPr marL="45720" marR="45720" anchor="ctr">
-                    <a:lnL w="12700" cap="flat" cmpd="sng" algn="ctr">
-                      <a:solidFill>
-                        <a:schemeClr val="bg1"/>
-                      </a:solidFill>
-                      <a:prstDash val="solid"/>
-                      <a:round/>
-                      <a:headEnd type="none" w="med" len="med"/>
-                      <a:tailEnd type="none" w="med" len="med"/>
-                    </a:lnL>
-                    <a:lnR w="12700" cap="flat" cmpd="sng" algn="ctr">
-                      <a:solidFill>
-                        <a:schemeClr val="bg1"/>
-                      </a:solidFill>
-                      <a:prstDash val="solid"/>
-                      <a:round/>
-                      <a:headEnd type="none" w="med" len="med"/>
-                      <a:tailEnd type="none" w="med" len="med"/>
-                    </a:lnR>
-                    <a:lnT w="12700" cap="flat" cmpd="sng" algn="ctr">
-                      <a:solidFill>
-                        <a:schemeClr val="bg1"/>
-                      </a:solidFill>
-                      <a:prstDash val="solid"/>
-                      <a:round/>
-                      <a:headEnd type="none" w="med" len="med"/>
-                      <a:tailEnd type="none" w="med" len="med"/>
-                    </a:lnT>
-                    <a:lnB w="12700" cap="flat" cmpd="sng" algn="ctr">
-                      <a:solidFill>
-                        <a:schemeClr val="bg1"/>
-                      </a:solidFill>
-                      <a:prstDash val="solid"/>
-                      <a:round/>
-                      <a:headEnd type="none" w="med" len="med"/>
-                      <a:tailEnd type="none" w="med" len="med"/>
-                    </a:lnB>
-                    <a:lnTlToBr w="12700" cmpd="sng">
-                      <a:noFill/>
-                      <a:prstDash val="solid"/>
-                    </a:lnTlToBr>
-                    <a:lnBlToTr w="12700" cmpd="sng">
-                      <a:noFill/>
-                      <a:prstDash val="solid"/>
-                    </a:lnBlToTr>
-                    <a:solidFill>
-                      <a:srgbClr val="BFD0EB"/>
-                    </a:solidFill>
-                  </a:tcPr>
-                </a:tc>
-                <a:tc>
-                  <a:txBody>
-                    <a:bodyPr/>
-                    <a:lstStyle/>
-                    <a:p>
-                      <a:pPr marL="0" marR="0" lvl="0" indent="0" algn="ctr" defTabSz="1554480" rtl="0" eaLnBrk="1" fontAlgn="auto" latinLnBrk="0" hangingPunct="1">
-                        <a:lnSpc>
-                          <a:spcPct val="100000"/>
-                        </a:lnSpc>
-                        <a:spcBef>
-                          <a:spcPts val="0"/>
-                        </a:spcBef>
-                        <a:spcAft>
-                          <a:spcPts val="0"/>
-                        </a:spcAft>
-                        <a:buClrTx/>
-                        <a:buSzTx/>
-                        <a:buFontTx/>
-                        <a:buNone/>
-                        <a:tabLst/>
-                        <a:defRPr/>
-                      </a:pPr>
-                      <a:r>
-                        <a:rPr lang="en-US" sz="1600" dirty="0">
-                          <a:solidFill>
-                            <a:schemeClr val="tx1"/>
-                          </a:solidFill>
-                          <a:sym typeface="Wingdings" panose="05000000000000000000" pitchFamily="2" charset="2"/>
-                        </a:rPr>
-                        <a:t></a:t>
-                      </a:r>
-                      <a:endParaRPr lang="en-US" sz="1600" dirty="0">
-                        <a:solidFill>
-                          <a:schemeClr val="tx1"/>
-                        </a:solidFill>
-                      </a:endParaRPr>
-                    </a:p>
-                  </a:txBody>
-                  <a:tcPr marL="45720" marR="45720" anchor="ctr">
-                    <a:lnL w="12700" cap="flat" cmpd="sng" algn="ctr">
-                      <a:solidFill>
-                        <a:schemeClr val="bg1"/>
-                      </a:solidFill>
-                      <a:prstDash val="solid"/>
-                      <a:round/>
-                      <a:headEnd type="none" w="med" len="med"/>
-                      <a:tailEnd type="none" w="med" len="med"/>
-                    </a:lnL>
-                    <a:lnR w="12700" cap="flat" cmpd="sng" algn="ctr">
-                      <a:solidFill>
-                        <a:schemeClr val="bg1"/>
-                      </a:solidFill>
-                      <a:prstDash val="solid"/>
-                      <a:round/>
-                      <a:headEnd type="none" w="med" len="med"/>
-                      <a:tailEnd type="none" w="med" len="med"/>
-                    </a:lnR>
-                    <a:lnT w="12700" cap="flat" cmpd="sng" algn="ctr">
-                      <a:solidFill>
-                        <a:schemeClr val="bg1"/>
-                      </a:solidFill>
-                      <a:prstDash val="solid"/>
-                      <a:round/>
-                      <a:headEnd type="none" w="med" len="med"/>
-                      <a:tailEnd type="none" w="med" len="med"/>
-                    </a:lnT>
-                    <a:lnB w="12700" cap="flat" cmpd="sng" algn="ctr">
-                      <a:solidFill>
-                        <a:schemeClr val="bg1"/>
-                      </a:solidFill>
-                      <a:prstDash val="solid"/>
-                      <a:round/>
-                      <a:headEnd type="none" w="med" len="med"/>
-                      <a:tailEnd type="none" w="med" len="med"/>
-                    </a:lnB>
-                    <a:lnTlToBr w="12700" cmpd="sng">
-                      <a:noFill/>
-                      <a:prstDash val="solid"/>
-                    </a:lnTlToBr>
-                    <a:lnBlToTr w="12700" cmpd="sng">
-                      <a:noFill/>
-                      <a:prstDash val="solid"/>
-                    </a:lnBlToTr>
-                    <a:solidFill>
-                      <a:srgbClr val="E8EEF8"/>
-                    </a:solidFill>
-                  </a:tcPr>
-                </a:tc>
-                <a:tc gridSpan="3">
-                  <a:txBody>
-                    <a:bodyPr/>
-                    <a:lstStyle/>
-                    <a:p>
-                      <a:pPr algn="ctr"/>
-                      <a:r>
-                        <a:rPr lang="en-US" sz="1400" dirty="0">
-                          <a:solidFill>
-                            <a:sysClr val="windowText" lastClr="000000"/>
-                          </a:solidFill>
-                          <a:latin typeface="+mn-lt"/>
-                        </a:rPr>
-                        <a:t>Brief summary of issues</a:t>
-                      </a:r>
-                      <a:endParaRPr lang="en-US" dirty="0"/>
-                    </a:p>
-                  </a:txBody>
-                  <a:tcPr marL="45720" marR="45720" anchor="ctr">
-                    <a:lnL w="12700" cap="flat" cmpd="sng" algn="ctr">
-                      <a:solidFill>
-                        <a:schemeClr val="bg1"/>
-                      </a:solidFill>
-                      <a:prstDash val="solid"/>
-                      <a:round/>
-                      <a:headEnd type="none" w="med" len="med"/>
-                      <a:tailEnd type="none" w="med" len="med"/>
-                    </a:lnL>
-                    <a:lnR w="12700" cap="flat" cmpd="sng" algn="ctr">
-                      <a:solidFill>
-                        <a:schemeClr val="bg1"/>
-                      </a:solidFill>
-                      <a:prstDash val="solid"/>
-                      <a:round/>
-                      <a:headEnd type="none" w="med" len="med"/>
-                      <a:tailEnd type="none" w="med" len="med"/>
-                    </a:lnR>
-                    <a:lnT w="12700" cap="flat" cmpd="sng" algn="ctr">
-                      <a:solidFill>
-                        <a:schemeClr val="bg1"/>
-                      </a:solidFill>
-                      <a:prstDash val="solid"/>
-                      <a:round/>
-                      <a:headEnd type="none" w="med" len="med"/>
-                      <a:tailEnd type="none" w="med" len="med"/>
-                    </a:lnT>
-                    <a:lnB w="12700" cap="flat" cmpd="sng" algn="ctr">
-                      <a:solidFill>
-                        <a:schemeClr val="bg1"/>
-                      </a:solidFill>
-                      <a:prstDash val="solid"/>
-                      <a:round/>
-                      <a:headEnd type="none" w="med" len="med"/>
-                      <a:tailEnd type="none" w="med" len="med"/>
-                    </a:lnB>
-                    <a:lnTlToBr w="12700" cmpd="sng">
-                      <a:noFill/>
-                      <a:prstDash val="solid"/>
-                    </a:lnTlToBr>
-                    <a:lnBlToTr w="12700" cmpd="sng">
-                      <a:noFill/>
-                      <a:prstDash val="solid"/>
-                    </a:lnBlToTr>
-                    <a:solidFill>
-                      <a:srgbClr val="E8EEF8"/>
-                    </a:solidFill>
-                  </a:tcPr>
-                </a:tc>
-                <a:tc hMerge="1">
-                  <a:txBody>
-                    <a:bodyPr/>
-                    <a:lstStyle/>
-                    <a:p>
-                      <a:pPr algn="ctr"/>
-                      <a:endParaRPr lang="en-US" sz="1400" dirty="0">
-                        <a:solidFill>
-                          <a:sysClr val="windowText" lastClr="000000"/>
-                        </a:solidFill>
-                        <a:latin typeface="+mn-lt"/>
-                      </a:endParaRPr>
-                    </a:p>
-                  </a:txBody>
-                  <a:tcPr marL="201168" marR="201168" marT="100584" marB="100584" anchor="ctr">
-                    <a:lnL w="12700" cap="flat" cmpd="sng" algn="ctr">
-                      <a:solidFill>
-                        <a:schemeClr val="bg1"/>
-                      </a:solidFill>
-                      <a:prstDash val="solid"/>
-                      <a:round/>
-                      <a:headEnd type="none" w="med" len="med"/>
-                      <a:tailEnd type="none" w="med" len="med"/>
-                    </a:lnL>
-                    <a:lnR w="12700" cap="flat" cmpd="sng" algn="ctr">
-                      <a:solidFill>
-                        <a:schemeClr val="bg1"/>
-                      </a:solidFill>
-                      <a:prstDash val="solid"/>
-                      <a:round/>
-                      <a:headEnd type="none" w="med" len="med"/>
-                      <a:tailEnd type="none" w="med" len="med"/>
-                    </a:lnR>
-                    <a:lnT w="12700" cap="flat" cmpd="sng" algn="ctr">
-                      <a:solidFill>
-                        <a:schemeClr val="bg1"/>
-                      </a:solidFill>
-                      <a:prstDash val="solid"/>
-                      <a:round/>
-                      <a:headEnd type="none" w="med" len="med"/>
-                      <a:tailEnd type="none" w="med" len="med"/>
-                    </a:lnT>
-                    <a:lnB w="12700" cap="flat" cmpd="sng" algn="ctr">
-                      <a:solidFill>
-                        <a:schemeClr val="bg1"/>
-                      </a:solidFill>
-                      <a:prstDash val="solid"/>
-                      <a:round/>
-                      <a:headEnd type="none" w="med" len="med"/>
-                      <a:tailEnd type="none" w="med" len="med"/>
-                    </a:lnB>
-                    <a:lnTlToBr w="12700" cmpd="sng">
-                      <a:noFill/>
-                      <a:prstDash val="solid"/>
-                    </a:lnTlToBr>
-                    <a:lnBlToTr w="12700" cmpd="sng">
-                      <a:noFill/>
-                      <a:prstDash val="solid"/>
-                    </a:lnBlToTr>
-                    <a:solidFill>
-                      <a:srgbClr val="E8EEF8"/>
-                    </a:solidFill>
-                  </a:tcPr>
-                </a:tc>
-                <a:tc hMerge="1">
-                  <a:txBody>
-                    <a:bodyPr/>
-                    <a:lstStyle/>
-                    <a:p>
-                      <a:pPr algn="ctr"/>
-                      <a:endParaRPr lang="en-US" sz="1400" dirty="0">
-                        <a:solidFill>
-                          <a:sysClr val="windowText" lastClr="000000"/>
-                        </a:solidFill>
-                        <a:latin typeface="+mn-lt"/>
-                      </a:endParaRPr>
-                    </a:p>
-                  </a:txBody>
-                  <a:tcPr marL="201168" marR="201168" marT="100584" marB="100584" anchor="ctr">
-                    <a:lnL w="12700" cap="flat" cmpd="sng" algn="ctr">
-                      <a:solidFill>
-                        <a:schemeClr val="bg1"/>
-                      </a:solidFill>
-                      <a:prstDash val="solid"/>
-                      <a:round/>
-                      <a:headEnd type="none" w="med" len="med"/>
-                      <a:tailEnd type="none" w="med" len="med"/>
-                    </a:lnL>
-                    <a:lnR w="12700" cap="flat" cmpd="sng" algn="ctr">
-                      <a:solidFill>
-                        <a:schemeClr val="bg1"/>
-                      </a:solidFill>
-                      <a:prstDash val="solid"/>
-                      <a:round/>
-                      <a:headEnd type="none" w="med" len="med"/>
-                      <a:tailEnd type="none" w="med" len="med"/>
-                    </a:lnR>
-                    <a:lnT w="12700" cap="flat" cmpd="sng" algn="ctr">
-                      <a:solidFill>
-                        <a:schemeClr val="bg1"/>
-                      </a:solidFill>
-                      <a:prstDash val="solid"/>
-                      <a:round/>
-                      <a:headEnd type="none" w="med" len="med"/>
-                      <a:tailEnd type="none" w="med" len="med"/>
-                    </a:lnT>
-                    <a:lnB w="12700" cap="flat" cmpd="sng" algn="ctr">
-                      <a:solidFill>
-                        <a:schemeClr val="bg1"/>
-                      </a:solidFill>
-                      <a:prstDash val="solid"/>
-                      <a:round/>
-                      <a:headEnd type="none" w="med" len="med"/>
-                      <a:tailEnd type="none" w="med" len="med"/>
-                    </a:lnB>
-                    <a:lnTlToBr w="12700" cmpd="sng">
-                      <a:noFill/>
-                      <a:prstDash val="solid"/>
-                    </a:lnTlToBr>
-                    <a:lnBlToTr w="12700" cmpd="sng">
-                      <a:noFill/>
-                      <a:prstDash val="solid"/>
-                    </a:lnBlToTr>
-                    <a:solidFill>
-                      <a:srgbClr val="E8EEF8"/>
-                    </a:solidFill>
-                  </a:tcPr>
-                </a:tc>
-                <a:extLst>
-                  <a:ext uri="{0D108BD9-81ED-4DB2-BD59-A6C34878D82A}">
-                    <a16:rowId xmlns:a16="http://schemas.microsoft.com/office/drawing/2014/main" val="78851090"/>
                   </a:ext>
                 </a:extLst>
               </a:tr>
@@ -8236,10 +6041,10 @@
       </p:sp>
       <p:graphicFrame>
         <p:nvGraphicFramePr>
-          <p:cNvPr id="32" name="Table 18">
+          <p:cNvPr id="35" name="Table 18">
             <a:extLst>
               <a:ext uri="{FF2B5EF4-FFF2-40B4-BE49-F238E27FC236}">
-                <a16:creationId xmlns:a16="http://schemas.microsoft.com/office/drawing/2014/main" id="{B8FDD0E3-4EC8-4FB4-AAC5-E9C047C9329F}"/>
+                <a16:creationId xmlns:a16="http://schemas.microsoft.com/office/drawing/2014/main" id="{6DF357B0-8F33-4B02-9F6B-ADE1F09EFCF0}"/>
               </a:ext>
             </a:extLst>
           </p:cNvPr>
@@ -8249,14 +6054,14 @@
           <p:nvPr>
             <p:extLst>
               <p:ext uri="{D42A27DB-BD31-4B8C-83A1-F6EECF244321}">
-                <p14:modId xmlns:p14="http://schemas.microsoft.com/office/powerpoint/2010/main" val="120769567"/>
+                <p14:modId xmlns:p14="http://schemas.microsoft.com/office/powerpoint/2010/main" val="2209674614"/>
               </p:ext>
             </p:extLst>
           </p:nvPr>
         </p:nvGraphicFramePr>
         <p:xfrm>
-          <a:off x="1600200" y="18278856"/>
-          <a:ext cx="4442840" cy="1030064"/>
+          <a:off x="5524957" y="2883432"/>
+          <a:ext cx="4448804" cy="4123943"/>
         </p:xfrm>
         <a:graphic>
           <a:graphicData uri="http://schemas.openxmlformats.org/drawingml/2006/table">
@@ -8265,14 +6070,2375 @@
                 <a:tableStyleId>{69CF1AB2-1976-4502-BF36-3FF5EA218861}</a:tableStyleId>
               </a:tblPr>
               <a:tblGrid>
-                <a:gridCol w="3395090">
+                <a:gridCol w="1736844">
                   <a:extLst>
                     <a:ext uri="{9D8B030D-6E8A-4147-A177-3AD203B41FA5}">
                       <a16:colId xmlns:a16="http://schemas.microsoft.com/office/drawing/2014/main" val="3814208030"/>
                     </a:ext>
                   </a:extLst>
                 </a:gridCol>
-                <a:gridCol w="1047750">
+                <a:gridCol w="855028">
+                  <a:extLst>
+                    <a:ext uri="{9D8B030D-6E8A-4147-A177-3AD203B41FA5}">
+                      <a16:colId xmlns:a16="http://schemas.microsoft.com/office/drawing/2014/main" val="1546040442"/>
+                    </a:ext>
+                  </a:extLst>
+                </a:gridCol>
+                <a:gridCol w="928466">
+                  <a:extLst>
+                    <a:ext uri="{9D8B030D-6E8A-4147-A177-3AD203B41FA5}">
+                      <a16:colId xmlns:a16="http://schemas.microsoft.com/office/drawing/2014/main" val="1911725581"/>
+                    </a:ext>
+                  </a:extLst>
+                </a:gridCol>
+                <a:gridCol w="928466">
+                  <a:extLst>
+                    <a:ext uri="{9D8B030D-6E8A-4147-A177-3AD203B41FA5}">
+                      <a16:colId xmlns:a16="http://schemas.microsoft.com/office/drawing/2014/main" val="1354556242"/>
+                    </a:ext>
+                  </a:extLst>
+                </a:gridCol>
+              </a:tblGrid>
+              <a:tr h="448675">
+                <a:tc gridSpan="4">
+                  <a:txBody>
+                    <a:bodyPr/>
+                    <a:lstStyle/>
+                    <a:p>
+                      <a:pPr algn="ctr"/>
+                      <a:r>
+                        <a:rPr lang="en-US" sz="1400" b="1" dirty="0">
+                          <a:solidFill>
+                            <a:sysClr val="windowText" lastClr="000000"/>
+                          </a:solidFill>
+                          <a:latin typeface="+mn-lt"/>
+                        </a:rPr>
+                        <a:t>Sensor Information</a:t>
+                      </a:r>
+                    </a:p>
+                  </a:txBody>
+                  <a:tcPr marL="201168" marR="201168" marT="100584" marB="100584" anchor="ctr">
+                    <a:lnL w="12700" cap="flat" cmpd="sng" algn="ctr">
+                      <a:solidFill>
+                        <a:schemeClr val="bg1"/>
+                      </a:solidFill>
+                      <a:prstDash val="solid"/>
+                      <a:round/>
+                      <a:headEnd type="none" w="med" len="med"/>
+                      <a:tailEnd type="none" w="med" len="med"/>
+                    </a:lnL>
+                    <a:lnR w="12700" cap="flat" cmpd="sng" algn="ctr">
+                      <a:solidFill>
+                        <a:schemeClr val="bg1"/>
+                      </a:solidFill>
+                      <a:prstDash val="solid"/>
+                      <a:round/>
+                      <a:headEnd type="none" w="med" len="med"/>
+                      <a:tailEnd type="none" w="med" len="med"/>
+                    </a:lnR>
+                    <a:lnT w="12700" cap="flat" cmpd="sng" algn="ctr">
+                      <a:solidFill>
+                        <a:schemeClr val="bg1"/>
+                      </a:solidFill>
+                      <a:prstDash val="solid"/>
+                      <a:round/>
+                      <a:headEnd type="none" w="med" len="med"/>
+                      <a:tailEnd type="none" w="med" len="med"/>
+                    </a:lnT>
+                    <a:lnB w="12700" cap="flat" cmpd="sng" algn="ctr">
+                      <a:solidFill>
+                        <a:schemeClr val="bg1"/>
+                      </a:solidFill>
+                      <a:prstDash val="solid"/>
+                      <a:round/>
+                      <a:headEnd type="none" w="med" len="med"/>
+                      <a:tailEnd type="none" w="med" len="med"/>
+                    </a:lnB>
+                    <a:lnTlToBr w="12700" cmpd="sng">
+                      <a:noFill/>
+                      <a:prstDash val="solid"/>
+                    </a:lnTlToBr>
+                    <a:lnBlToTr w="12700" cmpd="sng">
+                      <a:noFill/>
+                      <a:prstDash val="solid"/>
+                    </a:lnBlToTr>
+                    <a:solidFill>
+                      <a:srgbClr val="BFD0EB"/>
+                    </a:solidFill>
+                  </a:tcPr>
+                </a:tc>
+                <a:tc hMerge="1">
+                  <a:txBody>
+                    <a:bodyPr/>
+                    <a:lstStyle/>
+                    <a:p>
+                      <a:pPr algn="ctr"/>
+                      <a:endParaRPr lang="en-US" sz="1400" dirty="0">
+                        <a:solidFill>
+                          <a:sysClr val="windowText" lastClr="000000"/>
+                        </a:solidFill>
+                        <a:latin typeface="+mn-lt"/>
+                      </a:endParaRPr>
+                    </a:p>
+                  </a:txBody>
+                  <a:tcPr marL="201168" marR="201168" marT="100584" marB="100584" anchor="ctr">
+                    <a:lnL w="12700" cap="flat" cmpd="sng" algn="ctr">
+                      <a:solidFill>
+                        <a:schemeClr val="bg1"/>
+                      </a:solidFill>
+                      <a:prstDash val="solid"/>
+                      <a:round/>
+                      <a:headEnd type="none" w="med" len="med"/>
+                      <a:tailEnd type="none" w="med" len="med"/>
+                    </a:lnL>
+                    <a:lnR w="12700" cap="flat" cmpd="sng" algn="ctr">
+                      <a:solidFill>
+                        <a:schemeClr val="bg1"/>
+                      </a:solidFill>
+                      <a:prstDash val="solid"/>
+                      <a:round/>
+                      <a:headEnd type="none" w="med" len="med"/>
+                      <a:tailEnd type="none" w="med" len="med"/>
+                    </a:lnR>
+                    <a:lnT w="12700" cap="flat" cmpd="sng" algn="ctr">
+                      <a:solidFill>
+                        <a:schemeClr val="bg1"/>
+                      </a:solidFill>
+                      <a:prstDash val="solid"/>
+                      <a:round/>
+                      <a:headEnd type="none" w="med" len="med"/>
+                      <a:tailEnd type="none" w="med" len="med"/>
+                    </a:lnT>
+                    <a:lnB w="12700" cap="flat" cmpd="sng" algn="ctr">
+                      <a:solidFill>
+                        <a:schemeClr val="bg1"/>
+                      </a:solidFill>
+                      <a:prstDash val="solid"/>
+                      <a:round/>
+                      <a:headEnd type="none" w="med" len="med"/>
+                      <a:tailEnd type="none" w="med" len="med"/>
+                    </a:lnB>
+                    <a:lnTlToBr w="12700" cmpd="sng">
+                      <a:noFill/>
+                      <a:prstDash val="solid"/>
+                    </a:lnTlToBr>
+                    <a:lnBlToTr w="12700" cmpd="sng">
+                      <a:noFill/>
+                      <a:prstDash val="solid"/>
+                    </a:lnBlToTr>
+                    <a:solidFill>
+                      <a:srgbClr val="E8EEF8"/>
+                    </a:solidFill>
+                  </a:tcPr>
+                </a:tc>
+                <a:tc hMerge="1">
+                  <a:txBody>
+                    <a:bodyPr/>
+                    <a:lstStyle/>
+                    <a:p>
+                      <a:endParaRPr lang="en-US"/>
+                    </a:p>
+                  </a:txBody>
+                  <a:tcPr>
+                    <a:lnL w="12700" cap="flat" cmpd="sng" algn="ctr">
+                      <a:solidFill>
+                        <a:schemeClr val="bg1"/>
+                      </a:solidFill>
+                      <a:prstDash val="solid"/>
+                      <a:round/>
+                      <a:headEnd type="none" w="med" len="med"/>
+                      <a:tailEnd type="none" w="med" len="med"/>
+                    </a:lnL>
+                  </a:tcPr>
+                </a:tc>
+                <a:tc hMerge="1">
+                  <a:txBody>
+                    <a:bodyPr/>
+                    <a:lstStyle/>
+                    <a:p>
+                      <a:endParaRPr lang="en-US"/>
+                    </a:p>
+                  </a:txBody>
+                  <a:tcPr>
+                    <a:lnL w="12700" cap="flat" cmpd="sng" algn="ctr">
+                      <a:solidFill>
+                        <a:schemeClr val="bg1"/>
+                      </a:solidFill>
+                      <a:prstDash val="solid"/>
+                      <a:round/>
+                      <a:headEnd type="none" w="med" len="med"/>
+                      <a:tailEnd type="none" w="med" len="med"/>
+                    </a:lnL>
+                  </a:tcPr>
+                </a:tc>
+                <a:extLst>
+                  <a:ext uri="{0D108BD9-81ED-4DB2-BD59-A6C34878D82A}">
+                    <a16:rowId xmlns:a16="http://schemas.microsoft.com/office/drawing/2014/main" val="2801822641"/>
+                  </a:ext>
+                </a:extLst>
+              </a:tr>
+              <a:tr h="488321">
+                <a:tc>
+                  <a:txBody>
+                    <a:bodyPr/>
+                    <a:lstStyle/>
+                    <a:p>
+                      <a:pPr algn="ctr"/>
+                      <a:r>
+                        <a:rPr lang="en-US" sz="1400" b="0" dirty="0">
+                          <a:solidFill>
+                            <a:sysClr val="windowText" lastClr="000000"/>
+                          </a:solidFill>
+                        </a:rPr>
+                        <a:t>Manufacturer, model</a:t>
+                      </a:r>
+                    </a:p>
+                  </a:txBody>
+                  <a:tcPr marL="45720" marR="45720" anchor="ctr">
+                    <a:lnL w="12700" cap="flat" cmpd="sng" algn="ctr">
+                      <a:solidFill>
+                        <a:schemeClr val="bg1"/>
+                      </a:solidFill>
+                      <a:prstDash val="solid"/>
+                      <a:round/>
+                      <a:headEnd type="none" w="med" len="med"/>
+                      <a:tailEnd type="none" w="med" len="med"/>
+                    </a:lnL>
+                    <a:lnR w="12700" cap="flat" cmpd="sng" algn="ctr">
+                      <a:solidFill>
+                        <a:schemeClr val="bg1"/>
+                      </a:solidFill>
+                      <a:prstDash val="solid"/>
+                      <a:round/>
+                      <a:headEnd type="none" w="med" len="med"/>
+                      <a:tailEnd type="none" w="med" len="med"/>
+                    </a:lnR>
+                    <a:lnT w="12700" cap="flat" cmpd="sng" algn="ctr">
+                      <a:solidFill>
+                        <a:schemeClr val="bg1"/>
+                      </a:solidFill>
+                      <a:prstDash val="solid"/>
+                      <a:round/>
+                      <a:headEnd type="none" w="med" len="med"/>
+                      <a:tailEnd type="none" w="med" len="med"/>
+                    </a:lnT>
+                    <a:lnB w="12700" cap="flat" cmpd="sng" algn="ctr">
+                      <a:solidFill>
+                        <a:schemeClr val="bg1"/>
+                      </a:solidFill>
+                      <a:prstDash val="solid"/>
+                      <a:round/>
+                      <a:headEnd type="none" w="med" len="med"/>
+                      <a:tailEnd type="none" w="med" len="med"/>
+                    </a:lnB>
+                    <a:lnTlToBr w="12700" cmpd="sng">
+                      <a:noFill/>
+                      <a:prstDash val="solid"/>
+                    </a:lnTlToBr>
+                    <a:lnBlToTr w="12700" cmpd="sng">
+                      <a:noFill/>
+                      <a:prstDash val="solid"/>
+                    </a:lnBlToTr>
+                    <a:solidFill>
+                      <a:srgbClr val="BFD0EB"/>
+                    </a:solidFill>
+                  </a:tcPr>
+                </a:tc>
+                <a:tc gridSpan="3">
+                  <a:txBody>
+                    <a:bodyPr/>
+                    <a:lstStyle/>
+                    <a:p>
+                      <a:pPr algn="ctr"/>
+                      <a:endParaRPr lang="en-US" sz="1400" dirty="0">
+                        <a:solidFill>
+                          <a:sysClr val="windowText" lastClr="000000"/>
+                        </a:solidFill>
+                        <a:latin typeface="+mn-lt"/>
+                      </a:endParaRPr>
+                    </a:p>
+                  </a:txBody>
+                  <a:tcPr marL="45720" marR="45720" anchor="ctr">
+                    <a:lnL w="12700" cap="flat" cmpd="sng" algn="ctr">
+                      <a:solidFill>
+                        <a:schemeClr val="bg1"/>
+                      </a:solidFill>
+                      <a:prstDash val="solid"/>
+                      <a:round/>
+                      <a:headEnd type="none" w="med" len="med"/>
+                      <a:tailEnd type="none" w="med" len="med"/>
+                    </a:lnL>
+                    <a:lnR w="12700" cap="flat" cmpd="sng" algn="ctr">
+                      <a:solidFill>
+                        <a:schemeClr val="bg1"/>
+                      </a:solidFill>
+                      <a:prstDash val="solid"/>
+                      <a:round/>
+                      <a:headEnd type="none" w="med" len="med"/>
+                      <a:tailEnd type="none" w="med" len="med"/>
+                    </a:lnR>
+                    <a:lnT w="12700" cap="flat" cmpd="sng" algn="ctr">
+                      <a:solidFill>
+                        <a:schemeClr val="bg1"/>
+                      </a:solidFill>
+                      <a:prstDash val="solid"/>
+                      <a:round/>
+                      <a:headEnd type="none" w="med" len="med"/>
+                      <a:tailEnd type="none" w="med" len="med"/>
+                    </a:lnT>
+                    <a:lnB w="12700" cap="flat" cmpd="sng" algn="ctr">
+                      <a:solidFill>
+                        <a:schemeClr val="bg1"/>
+                      </a:solidFill>
+                      <a:prstDash val="solid"/>
+                      <a:round/>
+                      <a:headEnd type="none" w="med" len="med"/>
+                      <a:tailEnd type="none" w="med" len="med"/>
+                    </a:lnB>
+                    <a:lnTlToBr w="12700" cmpd="sng">
+                      <a:noFill/>
+                      <a:prstDash val="solid"/>
+                    </a:lnTlToBr>
+                    <a:lnBlToTr w="12700" cmpd="sng">
+                      <a:noFill/>
+                      <a:prstDash val="solid"/>
+                    </a:lnBlToTr>
+                    <a:solidFill>
+                      <a:srgbClr val="E8EEF8"/>
+                    </a:solidFill>
+                  </a:tcPr>
+                </a:tc>
+                <a:tc hMerge="1">
+                  <a:txBody>
+                    <a:bodyPr/>
+                    <a:lstStyle/>
+                    <a:p>
+                      <a:endParaRPr lang="en-US"/>
+                    </a:p>
+                  </a:txBody>
+                  <a:tcPr>
+                    <a:lnL w="12700" cap="flat" cmpd="sng" algn="ctr">
+                      <a:solidFill>
+                        <a:schemeClr val="bg1"/>
+                      </a:solidFill>
+                      <a:prstDash val="solid"/>
+                      <a:round/>
+                      <a:headEnd type="none" w="med" len="med"/>
+                      <a:tailEnd type="none" w="med" len="med"/>
+                    </a:lnL>
+                  </a:tcPr>
+                </a:tc>
+                <a:tc hMerge="1">
+                  <a:txBody>
+                    <a:bodyPr/>
+                    <a:lstStyle/>
+                    <a:p>
+                      <a:endParaRPr lang="en-US"/>
+                    </a:p>
+                  </a:txBody>
+                  <a:tcPr>
+                    <a:lnL w="12700" cap="flat" cmpd="sng" algn="ctr">
+                      <a:solidFill>
+                        <a:schemeClr val="bg1"/>
+                      </a:solidFill>
+                      <a:prstDash val="solid"/>
+                      <a:round/>
+                      <a:headEnd type="none" w="med" len="med"/>
+                      <a:tailEnd type="none" w="med" len="med"/>
+                    </a:lnL>
+                  </a:tcPr>
+                </a:tc>
+                <a:extLst>
+                  <a:ext uri="{0D108BD9-81ED-4DB2-BD59-A6C34878D82A}">
+                    <a16:rowId xmlns:a16="http://schemas.microsoft.com/office/drawing/2014/main" val="1499110780"/>
+                  </a:ext>
+                </a:extLst>
+              </a:tr>
+              <a:tr h="523846">
+                <a:tc>
+                  <a:txBody>
+                    <a:bodyPr/>
+                    <a:lstStyle/>
+                    <a:p>
+                      <a:pPr algn="ctr"/>
+                      <a:r>
+                        <a:rPr lang="en-US" sz="1400" b="0" dirty="0">
+                          <a:solidFill>
+                            <a:sysClr val="windowText" lastClr="000000"/>
+                          </a:solidFill>
+                        </a:rPr>
+                        <a:t>Device firmware version</a:t>
+                      </a:r>
+                    </a:p>
+                  </a:txBody>
+                  <a:tcPr marL="45720" marR="45720" anchor="ctr">
+                    <a:lnL w="12700" cap="flat" cmpd="sng" algn="ctr">
+                      <a:solidFill>
+                        <a:schemeClr val="bg1"/>
+                      </a:solidFill>
+                      <a:prstDash val="solid"/>
+                      <a:round/>
+                      <a:headEnd type="none" w="med" len="med"/>
+                      <a:tailEnd type="none" w="med" len="med"/>
+                    </a:lnL>
+                    <a:lnR w="12700" cap="flat" cmpd="sng" algn="ctr">
+                      <a:solidFill>
+                        <a:schemeClr val="bg1"/>
+                      </a:solidFill>
+                      <a:prstDash val="solid"/>
+                      <a:round/>
+                      <a:headEnd type="none" w="med" len="med"/>
+                      <a:tailEnd type="none" w="med" len="med"/>
+                    </a:lnR>
+                    <a:lnT w="12700" cap="flat" cmpd="sng" algn="ctr">
+                      <a:solidFill>
+                        <a:schemeClr val="bg1"/>
+                      </a:solidFill>
+                      <a:prstDash val="solid"/>
+                      <a:round/>
+                      <a:headEnd type="none" w="med" len="med"/>
+                      <a:tailEnd type="none" w="med" len="med"/>
+                    </a:lnT>
+                    <a:lnB w="12700" cap="flat" cmpd="sng" algn="ctr">
+                      <a:solidFill>
+                        <a:schemeClr val="bg1"/>
+                      </a:solidFill>
+                      <a:prstDash val="solid"/>
+                      <a:round/>
+                      <a:headEnd type="none" w="med" len="med"/>
+                      <a:tailEnd type="none" w="med" len="med"/>
+                    </a:lnB>
+                    <a:lnTlToBr w="12700" cmpd="sng">
+                      <a:noFill/>
+                      <a:prstDash val="solid"/>
+                    </a:lnTlToBr>
+                    <a:lnBlToTr w="12700" cmpd="sng">
+                      <a:noFill/>
+                      <a:prstDash val="solid"/>
+                    </a:lnBlToTr>
+                    <a:solidFill>
+                      <a:srgbClr val="BFD0EB"/>
+                    </a:solidFill>
+                  </a:tcPr>
+                </a:tc>
+                <a:tc gridSpan="3">
+                  <a:txBody>
+                    <a:bodyPr/>
+                    <a:lstStyle/>
+                    <a:p>
+                      <a:pPr algn="ctr"/>
+                      <a:endParaRPr lang="en-US" sz="1400" dirty="0">
+                        <a:solidFill>
+                          <a:sysClr val="windowText" lastClr="000000"/>
+                        </a:solidFill>
+                        <a:latin typeface="+mn-lt"/>
+                      </a:endParaRPr>
+                    </a:p>
+                  </a:txBody>
+                  <a:tcPr marL="45720" marR="45720" anchor="ctr">
+                    <a:lnL w="12700" cap="flat" cmpd="sng" algn="ctr">
+                      <a:solidFill>
+                        <a:schemeClr val="bg1"/>
+                      </a:solidFill>
+                      <a:prstDash val="solid"/>
+                      <a:round/>
+                      <a:headEnd type="none" w="med" len="med"/>
+                      <a:tailEnd type="none" w="med" len="med"/>
+                    </a:lnL>
+                    <a:lnR w="12700" cap="flat" cmpd="sng" algn="ctr">
+                      <a:solidFill>
+                        <a:schemeClr val="bg1"/>
+                      </a:solidFill>
+                      <a:prstDash val="solid"/>
+                      <a:round/>
+                      <a:headEnd type="none" w="med" len="med"/>
+                      <a:tailEnd type="none" w="med" len="med"/>
+                    </a:lnR>
+                    <a:lnT w="12700" cap="flat" cmpd="sng" algn="ctr">
+                      <a:solidFill>
+                        <a:schemeClr val="bg1"/>
+                      </a:solidFill>
+                      <a:prstDash val="solid"/>
+                      <a:round/>
+                      <a:headEnd type="none" w="med" len="med"/>
+                      <a:tailEnd type="none" w="med" len="med"/>
+                    </a:lnT>
+                    <a:lnB w="12700" cap="flat" cmpd="sng" algn="ctr">
+                      <a:solidFill>
+                        <a:schemeClr val="bg1"/>
+                      </a:solidFill>
+                      <a:prstDash val="solid"/>
+                      <a:round/>
+                      <a:headEnd type="none" w="med" len="med"/>
+                      <a:tailEnd type="none" w="med" len="med"/>
+                    </a:lnB>
+                    <a:lnTlToBr w="12700" cmpd="sng">
+                      <a:noFill/>
+                      <a:prstDash val="solid"/>
+                    </a:lnTlToBr>
+                    <a:lnBlToTr w="12700" cmpd="sng">
+                      <a:noFill/>
+                      <a:prstDash val="solid"/>
+                    </a:lnBlToTr>
+                    <a:solidFill>
+                      <a:srgbClr val="E8EEF8"/>
+                    </a:solidFill>
+                  </a:tcPr>
+                </a:tc>
+                <a:tc hMerge="1">
+                  <a:txBody>
+                    <a:bodyPr/>
+                    <a:lstStyle/>
+                    <a:p>
+                      <a:endParaRPr lang="en-US"/>
+                    </a:p>
+                  </a:txBody>
+                  <a:tcPr>
+                    <a:lnL w="12700" cap="flat" cmpd="sng" algn="ctr">
+                      <a:solidFill>
+                        <a:schemeClr val="bg1"/>
+                      </a:solidFill>
+                      <a:prstDash val="solid"/>
+                      <a:round/>
+                      <a:headEnd type="none" w="med" len="med"/>
+                      <a:tailEnd type="none" w="med" len="med"/>
+                    </a:lnL>
+                  </a:tcPr>
+                </a:tc>
+                <a:tc hMerge="1">
+                  <a:txBody>
+                    <a:bodyPr/>
+                    <a:lstStyle/>
+                    <a:p>
+                      <a:endParaRPr lang="en-US"/>
+                    </a:p>
+                  </a:txBody>
+                  <a:tcPr>
+                    <a:lnL w="12700" cap="flat" cmpd="sng" algn="ctr">
+                      <a:solidFill>
+                        <a:schemeClr val="bg1"/>
+                      </a:solidFill>
+                      <a:prstDash val="solid"/>
+                      <a:round/>
+                      <a:headEnd type="none" w="med" len="med"/>
+                      <a:tailEnd type="none" w="med" len="med"/>
+                    </a:lnL>
+                  </a:tcPr>
+                </a:tc>
+                <a:extLst>
+                  <a:ext uri="{0D108BD9-81ED-4DB2-BD59-A6C34878D82A}">
+                    <a16:rowId xmlns:a16="http://schemas.microsoft.com/office/drawing/2014/main" val="337105121"/>
+                  </a:ext>
+                </a:extLst>
+              </a:tr>
+              <a:tr h="523846">
+                <a:tc>
+                  <a:txBody>
+                    <a:bodyPr/>
+                    <a:lstStyle/>
+                    <a:p>
+                      <a:pPr algn="ctr"/>
+                      <a:r>
+                        <a:rPr lang="en-US" sz="1400" b="0" dirty="0">
+                          <a:solidFill>
+                            <a:sysClr val="windowText" lastClr="000000"/>
+                          </a:solidFill>
+                        </a:rPr>
+                        <a:t>Sampling time </a:t>
+                      </a:r>
+                    </a:p>
+                    <a:p>
+                      <a:pPr algn="ctr"/>
+                      <a:r>
+                        <a:rPr lang="en-US" sz="1400" b="0" dirty="0">
+                          <a:solidFill>
+                            <a:sysClr val="windowText" lastClr="000000"/>
+                          </a:solidFill>
+                        </a:rPr>
+                        <a:t>interval</a:t>
+                      </a:r>
+                    </a:p>
+                  </a:txBody>
+                  <a:tcPr marL="45720" marR="45720" anchor="ctr">
+                    <a:lnL w="12700" cap="flat" cmpd="sng" algn="ctr">
+                      <a:solidFill>
+                        <a:schemeClr val="bg1"/>
+                      </a:solidFill>
+                      <a:prstDash val="solid"/>
+                      <a:round/>
+                      <a:headEnd type="none" w="med" len="med"/>
+                      <a:tailEnd type="none" w="med" len="med"/>
+                    </a:lnL>
+                    <a:lnR w="12700" cap="flat" cmpd="sng" algn="ctr">
+                      <a:solidFill>
+                        <a:schemeClr val="bg1"/>
+                      </a:solidFill>
+                      <a:prstDash val="solid"/>
+                      <a:round/>
+                      <a:headEnd type="none" w="med" len="med"/>
+                      <a:tailEnd type="none" w="med" len="med"/>
+                    </a:lnR>
+                    <a:lnT w="12700" cap="flat" cmpd="sng" algn="ctr">
+                      <a:solidFill>
+                        <a:schemeClr val="bg1"/>
+                      </a:solidFill>
+                      <a:prstDash val="solid"/>
+                      <a:round/>
+                      <a:headEnd type="none" w="med" len="med"/>
+                      <a:tailEnd type="none" w="med" len="med"/>
+                    </a:lnT>
+                    <a:lnB w="12700" cap="flat" cmpd="sng" algn="ctr">
+                      <a:solidFill>
+                        <a:schemeClr val="bg1"/>
+                      </a:solidFill>
+                      <a:prstDash val="solid"/>
+                      <a:round/>
+                      <a:headEnd type="none" w="med" len="med"/>
+                      <a:tailEnd type="none" w="med" len="med"/>
+                    </a:lnB>
+                    <a:lnTlToBr w="12700" cmpd="sng">
+                      <a:noFill/>
+                      <a:prstDash val="solid"/>
+                    </a:lnTlToBr>
+                    <a:lnBlToTr w="12700" cmpd="sng">
+                      <a:noFill/>
+                      <a:prstDash val="solid"/>
+                    </a:lnBlToTr>
+                    <a:solidFill>
+                      <a:srgbClr val="BFD0EB"/>
+                    </a:solidFill>
+                  </a:tcPr>
+                </a:tc>
+                <a:tc gridSpan="3">
+                  <a:txBody>
+                    <a:bodyPr/>
+                    <a:lstStyle/>
+                    <a:p>
+                      <a:pPr algn="ctr"/>
+                      <a:endParaRPr lang="en-US" sz="1400" dirty="0">
+                        <a:solidFill>
+                          <a:sysClr val="windowText" lastClr="000000"/>
+                        </a:solidFill>
+                        <a:latin typeface="+mn-lt"/>
+                      </a:endParaRPr>
+                    </a:p>
+                  </a:txBody>
+                  <a:tcPr marL="45720" marR="45720" anchor="ctr">
+                    <a:lnL w="12700" cap="flat" cmpd="sng" algn="ctr">
+                      <a:solidFill>
+                        <a:schemeClr val="bg1"/>
+                      </a:solidFill>
+                      <a:prstDash val="solid"/>
+                      <a:round/>
+                      <a:headEnd type="none" w="med" len="med"/>
+                      <a:tailEnd type="none" w="med" len="med"/>
+                    </a:lnL>
+                    <a:lnR w="12700" cap="flat" cmpd="sng" algn="ctr">
+                      <a:solidFill>
+                        <a:schemeClr val="bg1"/>
+                      </a:solidFill>
+                      <a:prstDash val="solid"/>
+                      <a:round/>
+                      <a:headEnd type="none" w="med" len="med"/>
+                      <a:tailEnd type="none" w="med" len="med"/>
+                    </a:lnR>
+                    <a:lnT w="12700" cap="flat" cmpd="sng" algn="ctr">
+                      <a:solidFill>
+                        <a:schemeClr val="bg1"/>
+                      </a:solidFill>
+                      <a:prstDash val="solid"/>
+                      <a:round/>
+                      <a:headEnd type="none" w="med" len="med"/>
+                      <a:tailEnd type="none" w="med" len="med"/>
+                    </a:lnT>
+                    <a:lnB w="12700" cap="flat" cmpd="sng" algn="ctr">
+                      <a:solidFill>
+                        <a:schemeClr val="bg1"/>
+                      </a:solidFill>
+                      <a:prstDash val="solid"/>
+                      <a:round/>
+                      <a:headEnd type="none" w="med" len="med"/>
+                      <a:tailEnd type="none" w="med" len="med"/>
+                    </a:lnB>
+                    <a:lnTlToBr w="12700" cmpd="sng">
+                      <a:noFill/>
+                      <a:prstDash val="solid"/>
+                    </a:lnTlToBr>
+                    <a:lnBlToTr w="12700" cmpd="sng">
+                      <a:noFill/>
+                      <a:prstDash val="solid"/>
+                    </a:lnBlToTr>
+                    <a:solidFill>
+                      <a:srgbClr val="E8EEF8"/>
+                    </a:solidFill>
+                  </a:tcPr>
+                </a:tc>
+                <a:tc hMerge="1">
+                  <a:txBody>
+                    <a:bodyPr/>
+                    <a:lstStyle/>
+                    <a:p>
+                      <a:endParaRPr lang="en-US"/>
+                    </a:p>
+                  </a:txBody>
+                  <a:tcPr>
+                    <a:lnL w="12700" cap="flat" cmpd="sng" algn="ctr">
+                      <a:solidFill>
+                        <a:schemeClr val="bg1"/>
+                      </a:solidFill>
+                      <a:prstDash val="solid"/>
+                      <a:round/>
+                      <a:headEnd type="none" w="med" len="med"/>
+                      <a:tailEnd type="none" w="med" len="med"/>
+                    </a:lnL>
+                  </a:tcPr>
+                </a:tc>
+                <a:tc hMerge="1">
+                  <a:txBody>
+                    <a:bodyPr/>
+                    <a:lstStyle/>
+                    <a:p>
+                      <a:endParaRPr lang="en-US"/>
+                    </a:p>
+                  </a:txBody>
+                  <a:tcPr>
+                    <a:lnL w="12700" cap="flat" cmpd="sng" algn="ctr">
+                      <a:solidFill>
+                        <a:schemeClr val="bg1"/>
+                      </a:solidFill>
+                      <a:prstDash val="solid"/>
+                      <a:round/>
+                      <a:headEnd type="none" w="med" len="med"/>
+                      <a:tailEnd type="none" w="med" len="med"/>
+                    </a:lnL>
+                  </a:tcPr>
+                </a:tc>
+                <a:extLst>
+                  <a:ext uri="{0D108BD9-81ED-4DB2-BD59-A6C34878D82A}">
+                    <a16:rowId xmlns:a16="http://schemas.microsoft.com/office/drawing/2014/main" val="3905263702"/>
+                  </a:ext>
+                </a:extLst>
+              </a:tr>
+              <a:tr h="454025">
+                <a:tc rowSpan="3">
+                  <a:txBody>
+                    <a:bodyPr/>
+                    <a:lstStyle/>
+                    <a:p>
+                      <a:pPr algn="ctr"/>
+                      <a:r>
+                        <a:rPr lang="en-US" sz="1400" dirty="0">
+                          <a:solidFill>
+                            <a:sysClr val="windowText" lastClr="000000"/>
+                          </a:solidFill>
+                        </a:rPr>
+                        <a:t>Sensor serial </a:t>
+                      </a:r>
+                    </a:p>
+                    <a:p>
+                      <a:pPr algn="ctr"/>
+                      <a:r>
+                        <a:rPr lang="en-US" sz="1400" dirty="0">
+                          <a:solidFill>
+                            <a:sysClr val="windowText" lastClr="000000"/>
+                          </a:solidFill>
+                        </a:rPr>
+                        <a:t>numbers</a:t>
+                      </a:r>
+                    </a:p>
+                  </a:txBody>
+                  <a:tcPr marL="45720" marR="45720" anchor="ctr">
+                    <a:lnL w="12700" cap="flat" cmpd="sng" algn="ctr">
+                      <a:solidFill>
+                        <a:schemeClr val="bg1"/>
+                      </a:solidFill>
+                      <a:prstDash val="solid"/>
+                      <a:round/>
+                      <a:headEnd type="none" w="med" len="med"/>
+                      <a:tailEnd type="none" w="med" len="med"/>
+                    </a:lnL>
+                    <a:lnR w="12700" cap="flat" cmpd="sng" algn="ctr">
+                      <a:solidFill>
+                        <a:schemeClr val="bg1"/>
+                      </a:solidFill>
+                      <a:prstDash val="solid"/>
+                      <a:round/>
+                      <a:headEnd type="none" w="med" len="med"/>
+                      <a:tailEnd type="none" w="med" len="med"/>
+                    </a:lnR>
+                    <a:lnT w="12700" cap="flat" cmpd="sng" algn="ctr">
+                      <a:solidFill>
+                        <a:schemeClr val="bg1"/>
+                      </a:solidFill>
+                      <a:prstDash val="solid"/>
+                      <a:round/>
+                      <a:headEnd type="none" w="med" len="med"/>
+                      <a:tailEnd type="none" w="med" len="med"/>
+                    </a:lnT>
+                    <a:lnB w="12700" cap="flat" cmpd="sng" algn="ctr">
+                      <a:solidFill>
+                        <a:schemeClr val="bg1"/>
+                      </a:solidFill>
+                      <a:prstDash val="solid"/>
+                      <a:round/>
+                      <a:headEnd type="none" w="med" len="med"/>
+                      <a:tailEnd type="none" w="med" len="med"/>
+                    </a:lnB>
+                    <a:lnTlToBr w="12700" cmpd="sng">
+                      <a:noFill/>
+                      <a:prstDash val="solid"/>
+                    </a:lnTlToBr>
+                    <a:lnBlToTr w="12700" cmpd="sng">
+                      <a:noFill/>
+                      <a:prstDash val="solid"/>
+                    </a:lnBlToTr>
+                    <a:solidFill>
+                      <a:srgbClr val="BFD0EB"/>
+                    </a:solidFill>
+                  </a:tcPr>
+                </a:tc>
+                <a:tc>
+                  <a:txBody>
+                    <a:bodyPr/>
+                    <a:lstStyle/>
+                    <a:p>
+                      <a:pPr marL="0" marR="0" lvl="0" indent="0" algn="ctr" defTabSz="1554480" rtl="0" eaLnBrk="1" fontAlgn="auto" latinLnBrk="0" hangingPunct="1">
+                        <a:lnSpc>
+                          <a:spcPct val="100000"/>
+                        </a:lnSpc>
+                        <a:spcBef>
+                          <a:spcPts val="0"/>
+                        </a:spcBef>
+                        <a:spcAft>
+                          <a:spcPts val="0"/>
+                        </a:spcAft>
+                        <a:buClrTx/>
+                        <a:buSzTx/>
+                        <a:buFontTx/>
+                        <a:buNone/>
+                        <a:tabLst/>
+                        <a:defRPr/>
+                      </a:pPr>
+                      <a:endParaRPr lang="en-US" sz="1050" dirty="0">
+                        <a:solidFill>
+                          <a:sysClr val="windowText" lastClr="000000"/>
+                        </a:solidFill>
+                        <a:latin typeface="+mn-lt"/>
+                      </a:endParaRPr>
+                    </a:p>
+                  </a:txBody>
+                  <a:tcPr marL="45720" marR="45720" anchor="ctr">
+                    <a:lnL w="12700" cap="flat" cmpd="sng" algn="ctr">
+                      <a:solidFill>
+                        <a:schemeClr val="bg1"/>
+                      </a:solidFill>
+                      <a:prstDash val="solid"/>
+                      <a:round/>
+                      <a:headEnd type="none" w="med" len="med"/>
+                      <a:tailEnd type="none" w="med" len="med"/>
+                    </a:lnL>
+                    <a:lnR w="12700" cap="flat" cmpd="sng" algn="ctr">
+                      <a:solidFill>
+                        <a:schemeClr val="bg1"/>
+                      </a:solidFill>
+                      <a:prstDash val="solid"/>
+                      <a:round/>
+                      <a:headEnd type="none" w="med" len="med"/>
+                      <a:tailEnd type="none" w="med" len="med"/>
+                    </a:lnR>
+                    <a:lnT w="12700" cap="flat" cmpd="sng" algn="ctr">
+                      <a:solidFill>
+                        <a:schemeClr val="bg1"/>
+                      </a:solidFill>
+                      <a:prstDash val="solid"/>
+                      <a:round/>
+                      <a:headEnd type="none" w="med" len="med"/>
+                      <a:tailEnd type="none" w="med" len="med"/>
+                    </a:lnT>
+                    <a:lnB w="12700" cap="flat" cmpd="sng" algn="ctr">
+                      <a:solidFill>
+                        <a:schemeClr val="bg1"/>
+                      </a:solidFill>
+                      <a:prstDash val="solid"/>
+                      <a:round/>
+                      <a:headEnd type="none" w="med" len="med"/>
+                      <a:tailEnd type="none" w="med" len="med"/>
+                    </a:lnB>
+                    <a:lnTlToBr w="12700" cmpd="sng">
+                      <a:noFill/>
+                      <a:prstDash val="solid"/>
+                    </a:lnTlToBr>
+                    <a:lnBlToTr w="12700" cmpd="sng">
+                      <a:noFill/>
+                      <a:prstDash val="solid"/>
+                    </a:lnBlToTr>
+                    <a:solidFill>
+                      <a:srgbClr val="E8EEF8"/>
+                    </a:solidFill>
+                  </a:tcPr>
+                </a:tc>
+                <a:tc>
+                  <a:txBody>
+                    <a:bodyPr/>
+                    <a:lstStyle/>
+                    <a:p>
+                      <a:pPr algn="ctr"/>
+                      <a:endParaRPr lang="en-US" sz="1050" dirty="0">
+                        <a:solidFill>
+                          <a:sysClr val="windowText" lastClr="000000"/>
+                        </a:solidFill>
+                        <a:latin typeface="+mn-lt"/>
+                      </a:endParaRPr>
+                    </a:p>
+                  </a:txBody>
+                  <a:tcPr marL="45720" marR="45720" anchor="ctr">
+                    <a:lnL w="12700" cap="flat" cmpd="sng" algn="ctr">
+                      <a:solidFill>
+                        <a:schemeClr val="bg1"/>
+                      </a:solidFill>
+                      <a:prstDash val="solid"/>
+                      <a:round/>
+                      <a:headEnd type="none" w="med" len="med"/>
+                      <a:tailEnd type="none" w="med" len="med"/>
+                    </a:lnL>
+                    <a:lnR w="12700" cap="flat" cmpd="sng" algn="ctr">
+                      <a:solidFill>
+                        <a:schemeClr val="bg1"/>
+                      </a:solidFill>
+                      <a:prstDash val="solid"/>
+                      <a:round/>
+                      <a:headEnd type="none" w="med" len="med"/>
+                      <a:tailEnd type="none" w="med" len="med"/>
+                    </a:lnR>
+                    <a:lnT w="12700" cap="flat" cmpd="sng" algn="ctr">
+                      <a:solidFill>
+                        <a:schemeClr val="bg1"/>
+                      </a:solidFill>
+                      <a:prstDash val="solid"/>
+                      <a:round/>
+                      <a:headEnd type="none" w="med" len="med"/>
+                      <a:tailEnd type="none" w="med" len="med"/>
+                    </a:lnT>
+                    <a:lnB w="12700" cap="flat" cmpd="sng" algn="ctr">
+                      <a:solidFill>
+                        <a:schemeClr val="bg1"/>
+                      </a:solidFill>
+                      <a:prstDash val="solid"/>
+                      <a:round/>
+                      <a:headEnd type="none" w="med" len="med"/>
+                      <a:tailEnd type="none" w="med" len="med"/>
+                    </a:lnB>
+                    <a:lnTlToBr w="12700" cmpd="sng">
+                      <a:noFill/>
+                      <a:prstDash val="solid"/>
+                    </a:lnTlToBr>
+                    <a:lnBlToTr w="12700" cmpd="sng">
+                      <a:noFill/>
+                      <a:prstDash val="solid"/>
+                    </a:lnBlToTr>
+                    <a:solidFill>
+                      <a:srgbClr val="E8EEF8"/>
+                    </a:solidFill>
+                  </a:tcPr>
+                </a:tc>
+                <a:tc>
+                  <a:txBody>
+                    <a:bodyPr/>
+                    <a:lstStyle/>
+                    <a:p>
+                      <a:pPr algn="ctr"/>
+                      <a:endParaRPr lang="en-US" sz="1050" dirty="0">
+                        <a:solidFill>
+                          <a:sysClr val="windowText" lastClr="000000"/>
+                        </a:solidFill>
+                        <a:latin typeface="+mn-lt"/>
+                      </a:endParaRPr>
+                    </a:p>
+                  </a:txBody>
+                  <a:tcPr marL="45720" marR="45720" anchor="ctr">
+                    <a:lnL w="12700" cap="flat" cmpd="sng" algn="ctr">
+                      <a:solidFill>
+                        <a:schemeClr val="bg1"/>
+                      </a:solidFill>
+                      <a:prstDash val="solid"/>
+                      <a:round/>
+                      <a:headEnd type="none" w="med" len="med"/>
+                      <a:tailEnd type="none" w="med" len="med"/>
+                    </a:lnL>
+                    <a:lnR w="12700" cap="flat" cmpd="sng" algn="ctr">
+                      <a:solidFill>
+                        <a:schemeClr val="bg1"/>
+                      </a:solidFill>
+                      <a:prstDash val="solid"/>
+                      <a:round/>
+                      <a:headEnd type="none" w="med" len="med"/>
+                      <a:tailEnd type="none" w="med" len="med"/>
+                    </a:lnR>
+                    <a:lnT w="12700" cap="flat" cmpd="sng" algn="ctr">
+                      <a:solidFill>
+                        <a:schemeClr val="bg1"/>
+                      </a:solidFill>
+                      <a:prstDash val="solid"/>
+                      <a:round/>
+                      <a:headEnd type="none" w="med" len="med"/>
+                      <a:tailEnd type="none" w="med" len="med"/>
+                    </a:lnT>
+                    <a:lnB w="12700" cap="flat" cmpd="sng" algn="ctr">
+                      <a:solidFill>
+                        <a:schemeClr val="bg1"/>
+                      </a:solidFill>
+                      <a:prstDash val="solid"/>
+                      <a:round/>
+                      <a:headEnd type="none" w="med" len="med"/>
+                      <a:tailEnd type="none" w="med" len="med"/>
+                    </a:lnB>
+                    <a:lnTlToBr w="12700" cmpd="sng">
+                      <a:noFill/>
+                      <a:prstDash val="solid"/>
+                    </a:lnTlToBr>
+                    <a:lnBlToTr w="12700" cmpd="sng">
+                      <a:noFill/>
+                      <a:prstDash val="solid"/>
+                    </a:lnBlToTr>
+                    <a:solidFill>
+                      <a:srgbClr val="E8EEF8"/>
+                    </a:solidFill>
+                  </a:tcPr>
+                </a:tc>
+                <a:extLst>
+                  <a:ext uri="{0D108BD9-81ED-4DB2-BD59-A6C34878D82A}">
+                    <a16:rowId xmlns:a16="http://schemas.microsoft.com/office/drawing/2014/main" val="1925963944"/>
+                  </a:ext>
+                </a:extLst>
+              </a:tr>
+              <a:tr h="454025">
+                <a:tc vMerge="1">
+                  <a:txBody>
+                    <a:bodyPr/>
+                    <a:lstStyle/>
+                    <a:p>
+                      <a:pPr algn="ctr"/>
+                      <a:endParaRPr lang="en-US" sz="1400" dirty="0">
+                        <a:solidFill>
+                          <a:sysClr val="windowText" lastClr="000000"/>
+                        </a:solidFill>
+                      </a:endParaRPr>
+                    </a:p>
+                  </a:txBody>
+                  <a:tcPr marL="45720" marR="45720" anchor="ctr">
+                    <a:lnL w="12700" cap="flat" cmpd="sng" algn="ctr">
+                      <a:solidFill>
+                        <a:schemeClr val="bg1"/>
+                      </a:solidFill>
+                      <a:prstDash val="solid"/>
+                      <a:round/>
+                      <a:headEnd type="none" w="med" len="med"/>
+                      <a:tailEnd type="none" w="med" len="med"/>
+                    </a:lnL>
+                    <a:lnR w="12700" cap="flat" cmpd="sng" algn="ctr">
+                      <a:solidFill>
+                        <a:schemeClr val="bg1"/>
+                      </a:solidFill>
+                      <a:prstDash val="solid"/>
+                      <a:round/>
+                      <a:headEnd type="none" w="med" len="med"/>
+                      <a:tailEnd type="none" w="med" len="med"/>
+                    </a:lnR>
+                    <a:lnT w="12700" cap="flat" cmpd="sng" algn="ctr">
+                      <a:solidFill>
+                        <a:schemeClr val="bg1"/>
+                      </a:solidFill>
+                      <a:prstDash val="solid"/>
+                      <a:round/>
+                      <a:headEnd type="none" w="med" len="med"/>
+                      <a:tailEnd type="none" w="med" len="med"/>
+                    </a:lnT>
+                    <a:lnB w="12700" cap="flat" cmpd="sng" algn="ctr">
+                      <a:solidFill>
+                        <a:schemeClr val="bg1"/>
+                      </a:solidFill>
+                      <a:prstDash val="solid"/>
+                      <a:round/>
+                      <a:headEnd type="none" w="med" len="med"/>
+                      <a:tailEnd type="none" w="med" len="med"/>
+                    </a:lnB>
+                    <a:lnTlToBr w="12700" cmpd="sng">
+                      <a:noFill/>
+                      <a:prstDash val="solid"/>
+                    </a:lnTlToBr>
+                    <a:lnBlToTr w="12700" cmpd="sng">
+                      <a:noFill/>
+                      <a:prstDash val="solid"/>
+                    </a:lnBlToTr>
+                    <a:solidFill>
+                      <a:srgbClr val="BFD0EB"/>
+                    </a:solidFill>
+                  </a:tcPr>
+                </a:tc>
+                <a:tc>
+                  <a:txBody>
+                    <a:bodyPr/>
+                    <a:lstStyle/>
+                    <a:p>
+                      <a:pPr marL="0" marR="0" lvl="0" indent="0" algn="ctr" defTabSz="1554480" rtl="0" eaLnBrk="1" fontAlgn="auto" latinLnBrk="0" hangingPunct="1">
+                        <a:lnSpc>
+                          <a:spcPct val="100000"/>
+                        </a:lnSpc>
+                        <a:spcBef>
+                          <a:spcPts val="0"/>
+                        </a:spcBef>
+                        <a:spcAft>
+                          <a:spcPts val="0"/>
+                        </a:spcAft>
+                        <a:buClrTx/>
+                        <a:buSzTx/>
+                        <a:buFontTx/>
+                        <a:buNone/>
+                        <a:tabLst/>
+                        <a:defRPr/>
+                      </a:pPr>
+                      <a:endParaRPr lang="en-US" sz="1050" dirty="0">
+                        <a:solidFill>
+                          <a:sysClr val="windowText" lastClr="000000"/>
+                        </a:solidFill>
+                        <a:latin typeface="+mn-lt"/>
+                      </a:endParaRPr>
+                    </a:p>
+                  </a:txBody>
+                  <a:tcPr marL="45720" marR="45720" anchor="ctr">
+                    <a:lnL w="12700" cap="flat" cmpd="sng" algn="ctr">
+                      <a:solidFill>
+                        <a:schemeClr val="bg1"/>
+                      </a:solidFill>
+                      <a:prstDash val="solid"/>
+                      <a:round/>
+                      <a:headEnd type="none" w="med" len="med"/>
+                      <a:tailEnd type="none" w="med" len="med"/>
+                    </a:lnL>
+                    <a:lnR w="12700" cap="flat" cmpd="sng" algn="ctr">
+                      <a:solidFill>
+                        <a:schemeClr val="bg1"/>
+                      </a:solidFill>
+                      <a:prstDash val="solid"/>
+                      <a:round/>
+                      <a:headEnd type="none" w="med" len="med"/>
+                      <a:tailEnd type="none" w="med" len="med"/>
+                    </a:lnR>
+                    <a:lnT w="12700" cap="flat" cmpd="sng" algn="ctr">
+                      <a:solidFill>
+                        <a:schemeClr val="bg1"/>
+                      </a:solidFill>
+                      <a:prstDash val="solid"/>
+                      <a:round/>
+                      <a:headEnd type="none" w="med" len="med"/>
+                      <a:tailEnd type="none" w="med" len="med"/>
+                    </a:lnT>
+                    <a:lnB w="12700" cap="flat" cmpd="sng" algn="ctr">
+                      <a:solidFill>
+                        <a:schemeClr val="bg1"/>
+                      </a:solidFill>
+                      <a:prstDash val="solid"/>
+                      <a:round/>
+                      <a:headEnd type="none" w="med" len="med"/>
+                      <a:tailEnd type="none" w="med" len="med"/>
+                    </a:lnB>
+                    <a:lnTlToBr w="12700" cmpd="sng">
+                      <a:noFill/>
+                      <a:prstDash val="solid"/>
+                    </a:lnTlToBr>
+                    <a:lnBlToTr w="12700" cmpd="sng">
+                      <a:noFill/>
+                      <a:prstDash val="solid"/>
+                    </a:lnBlToTr>
+                    <a:solidFill>
+                      <a:srgbClr val="E8EEF8"/>
+                    </a:solidFill>
+                  </a:tcPr>
+                </a:tc>
+                <a:tc>
+                  <a:txBody>
+                    <a:bodyPr/>
+                    <a:lstStyle/>
+                    <a:p>
+                      <a:pPr algn="ctr"/>
+                      <a:endParaRPr lang="en-US" sz="1050" dirty="0">
+                        <a:solidFill>
+                          <a:sysClr val="windowText" lastClr="000000"/>
+                        </a:solidFill>
+                        <a:latin typeface="+mn-lt"/>
+                      </a:endParaRPr>
+                    </a:p>
+                  </a:txBody>
+                  <a:tcPr marL="45720" marR="45720" anchor="ctr">
+                    <a:lnL w="12700" cap="flat" cmpd="sng" algn="ctr">
+                      <a:solidFill>
+                        <a:schemeClr val="bg1"/>
+                      </a:solidFill>
+                      <a:prstDash val="solid"/>
+                      <a:round/>
+                      <a:headEnd type="none" w="med" len="med"/>
+                      <a:tailEnd type="none" w="med" len="med"/>
+                    </a:lnL>
+                    <a:lnR w="12700" cap="flat" cmpd="sng" algn="ctr">
+                      <a:solidFill>
+                        <a:schemeClr val="bg1"/>
+                      </a:solidFill>
+                      <a:prstDash val="solid"/>
+                      <a:round/>
+                      <a:headEnd type="none" w="med" len="med"/>
+                      <a:tailEnd type="none" w="med" len="med"/>
+                    </a:lnR>
+                    <a:lnT w="12700" cap="flat" cmpd="sng" algn="ctr">
+                      <a:solidFill>
+                        <a:schemeClr val="bg1"/>
+                      </a:solidFill>
+                      <a:prstDash val="solid"/>
+                      <a:round/>
+                      <a:headEnd type="none" w="med" len="med"/>
+                      <a:tailEnd type="none" w="med" len="med"/>
+                    </a:lnT>
+                    <a:lnB w="12700" cap="flat" cmpd="sng" algn="ctr">
+                      <a:solidFill>
+                        <a:schemeClr val="bg1"/>
+                      </a:solidFill>
+                      <a:prstDash val="solid"/>
+                      <a:round/>
+                      <a:headEnd type="none" w="med" len="med"/>
+                      <a:tailEnd type="none" w="med" len="med"/>
+                    </a:lnB>
+                    <a:lnTlToBr w="12700" cmpd="sng">
+                      <a:noFill/>
+                      <a:prstDash val="solid"/>
+                    </a:lnTlToBr>
+                    <a:lnBlToTr w="12700" cmpd="sng">
+                      <a:noFill/>
+                      <a:prstDash val="solid"/>
+                    </a:lnBlToTr>
+                    <a:solidFill>
+                      <a:srgbClr val="E8EEF8"/>
+                    </a:solidFill>
+                  </a:tcPr>
+                </a:tc>
+                <a:tc>
+                  <a:txBody>
+                    <a:bodyPr/>
+                    <a:lstStyle/>
+                    <a:p>
+                      <a:pPr algn="ctr"/>
+                      <a:endParaRPr lang="en-US" sz="1050" dirty="0">
+                        <a:solidFill>
+                          <a:sysClr val="windowText" lastClr="000000"/>
+                        </a:solidFill>
+                        <a:latin typeface="+mn-lt"/>
+                      </a:endParaRPr>
+                    </a:p>
+                  </a:txBody>
+                  <a:tcPr marL="45720" marR="45720" anchor="ctr">
+                    <a:lnL w="12700" cap="flat" cmpd="sng" algn="ctr">
+                      <a:solidFill>
+                        <a:schemeClr val="bg1"/>
+                      </a:solidFill>
+                      <a:prstDash val="solid"/>
+                      <a:round/>
+                      <a:headEnd type="none" w="med" len="med"/>
+                      <a:tailEnd type="none" w="med" len="med"/>
+                    </a:lnL>
+                    <a:lnR w="12700" cap="flat" cmpd="sng" algn="ctr">
+                      <a:solidFill>
+                        <a:schemeClr val="bg1"/>
+                      </a:solidFill>
+                      <a:prstDash val="solid"/>
+                      <a:round/>
+                      <a:headEnd type="none" w="med" len="med"/>
+                      <a:tailEnd type="none" w="med" len="med"/>
+                    </a:lnR>
+                    <a:lnT w="12700" cap="flat" cmpd="sng" algn="ctr">
+                      <a:solidFill>
+                        <a:schemeClr val="bg1"/>
+                      </a:solidFill>
+                      <a:prstDash val="solid"/>
+                      <a:round/>
+                      <a:headEnd type="none" w="med" len="med"/>
+                      <a:tailEnd type="none" w="med" len="med"/>
+                    </a:lnT>
+                    <a:lnB w="12700" cap="flat" cmpd="sng" algn="ctr">
+                      <a:solidFill>
+                        <a:schemeClr val="bg1"/>
+                      </a:solidFill>
+                      <a:prstDash val="solid"/>
+                      <a:round/>
+                      <a:headEnd type="none" w="med" len="med"/>
+                      <a:tailEnd type="none" w="med" len="med"/>
+                    </a:lnB>
+                    <a:lnTlToBr w="12700" cmpd="sng">
+                      <a:noFill/>
+                      <a:prstDash val="solid"/>
+                    </a:lnTlToBr>
+                    <a:lnBlToTr w="12700" cmpd="sng">
+                      <a:noFill/>
+                      <a:prstDash val="solid"/>
+                    </a:lnBlToTr>
+                    <a:solidFill>
+                      <a:srgbClr val="E8EEF8"/>
+                    </a:solidFill>
+                  </a:tcPr>
+                </a:tc>
+                <a:extLst>
+                  <a:ext uri="{0D108BD9-81ED-4DB2-BD59-A6C34878D82A}">
+                    <a16:rowId xmlns:a16="http://schemas.microsoft.com/office/drawing/2014/main" val="3779271849"/>
+                  </a:ext>
+                </a:extLst>
+              </a:tr>
+              <a:tr h="454025">
+                <a:tc vMerge="1">
+                  <a:txBody>
+                    <a:bodyPr/>
+                    <a:lstStyle/>
+                    <a:p>
+                      <a:pPr algn="ctr"/>
+                      <a:endParaRPr lang="en-US" sz="1400" dirty="0">
+                        <a:solidFill>
+                          <a:sysClr val="windowText" lastClr="000000"/>
+                        </a:solidFill>
+                      </a:endParaRPr>
+                    </a:p>
+                  </a:txBody>
+                  <a:tcPr marL="45720" marR="45720" anchor="ctr">
+                    <a:lnL w="12700" cap="flat" cmpd="sng" algn="ctr">
+                      <a:solidFill>
+                        <a:schemeClr val="bg1"/>
+                      </a:solidFill>
+                      <a:prstDash val="solid"/>
+                      <a:round/>
+                      <a:headEnd type="none" w="med" len="med"/>
+                      <a:tailEnd type="none" w="med" len="med"/>
+                    </a:lnL>
+                    <a:lnR w="12700" cap="flat" cmpd="sng" algn="ctr">
+                      <a:solidFill>
+                        <a:schemeClr val="bg1"/>
+                      </a:solidFill>
+                      <a:prstDash val="solid"/>
+                      <a:round/>
+                      <a:headEnd type="none" w="med" len="med"/>
+                      <a:tailEnd type="none" w="med" len="med"/>
+                    </a:lnR>
+                    <a:lnT w="12700" cap="flat" cmpd="sng" algn="ctr">
+                      <a:solidFill>
+                        <a:schemeClr val="bg1"/>
+                      </a:solidFill>
+                      <a:prstDash val="solid"/>
+                      <a:round/>
+                      <a:headEnd type="none" w="med" len="med"/>
+                      <a:tailEnd type="none" w="med" len="med"/>
+                    </a:lnT>
+                    <a:lnB w="12700" cap="flat" cmpd="sng" algn="ctr">
+                      <a:solidFill>
+                        <a:schemeClr val="bg1"/>
+                      </a:solidFill>
+                      <a:prstDash val="solid"/>
+                      <a:round/>
+                      <a:headEnd type="none" w="med" len="med"/>
+                      <a:tailEnd type="none" w="med" len="med"/>
+                    </a:lnB>
+                    <a:lnTlToBr w="12700" cmpd="sng">
+                      <a:noFill/>
+                      <a:prstDash val="solid"/>
+                    </a:lnTlToBr>
+                    <a:lnBlToTr w="12700" cmpd="sng">
+                      <a:noFill/>
+                      <a:prstDash val="solid"/>
+                    </a:lnBlToTr>
+                    <a:solidFill>
+                      <a:srgbClr val="BFD0EB"/>
+                    </a:solidFill>
+                  </a:tcPr>
+                </a:tc>
+                <a:tc>
+                  <a:txBody>
+                    <a:bodyPr/>
+                    <a:lstStyle/>
+                    <a:p>
+                      <a:pPr marL="0" marR="0" lvl="0" indent="0" algn="ctr" defTabSz="1554480" rtl="0" eaLnBrk="1" fontAlgn="auto" latinLnBrk="0" hangingPunct="1">
+                        <a:lnSpc>
+                          <a:spcPct val="100000"/>
+                        </a:lnSpc>
+                        <a:spcBef>
+                          <a:spcPts val="0"/>
+                        </a:spcBef>
+                        <a:spcAft>
+                          <a:spcPts val="0"/>
+                        </a:spcAft>
+                        <a:buClrTx/>
+                        <a:buSzTx/>
+                        <a:buFontTx/>
+                        <a:buNone/>
+                        <a:tabLst/>
+                        <a:defRPr/>
+                      </a:pPr>
+                      <a:endParaRPr lang="en-US" sz="1050" dirty="0">
+                        <a:solidFill>
+                          <a:sysClr val="windowText" lastClr="000000"/>
+                        </a:solidFill>
+                        <a:latin typeface="+mn-lt"/>
+                      </a:endParaRPr>
+                    </a:p>
+                  </a:txBody>
+                  <a:tcPr marL="45720" marR="45720" anchor="ctr">
+                    <a:lnL w="12700" cap="flat" cmpd="sng" algn="ctr">
+                      <a:solidFill>
+                        <a:schemeClr val="bg1"/>
+                      </a:solidFill>
+                      <a:prstDash val="solid"/>
+                      <a:round/>
+                      <a:headEnd type="none" w="med" len="med"/>
+                      <a:tailEnd type="none" w="med" len="med"/>
+                    </a:lnL>
+                    <a:lnR w="12700" cap="flat" cmpd="sng" algn="ctr">
+                      <a:solidFill>
+                        <a:schemeClr val="bg1"/>
+                      </a:solidFill>
+                      <a:prstDash val="solid"/>
+                      <a:round/>
+                      <a:headEnd type="none" w="med" len="med"/>
+                      <a:tailEnd type="none" w="med" len="med"/>
+                    </a:lnR>
+                    <a:lnT w="12700" cap="flat" cmpd="sng" algn="ctr">
+                      <a:solidFill>
+                        <a:schemeClr val="bg1"/>
+                      </a:solidFill>
+                      <a:prstDash val="solid"/>
+                      <a:round/>
+                      <a:headEnd type="none" w="med" len="med"/>
+                      <a:tailEnd type="none" w="med" len="med"/>
+                    </a:lnT>
+                    <a:lnB w="12700" cap="flat" cmpd="sng" algn="ctr">
+                      <a:solidFill>
+                        <a:schemeClr val="bg1"/>
+                      </a:solidFill>
+                      <a:prstDash val="solid"/>
+                      <a:round/>
+                      <a:headEnd type="none" w="med" len="med"/>
+                      <a:tailEnd type="none" w="med" len="med"/>
+                    </a:lnB>
+                    <a:lnTlToBr w="12700" cmpd="sng">
+                      <a:noFill/>
+                      <a:prstDash val="solid"/>
+                    </a:lnTlToBr>
+                    <a:lnBlToTr w="12700" cmpd="sng">
+                      <a:noFill/>
+                      <a:prstDash val="solid"/>
+                    </a:lnBlToTr>
+                    <a:solidFill>
+                      <a:srgbClr val="E8EEF8"/>
+                    </a:solidFill>
+                  </a:tcPr>
+                </a:tc>
+                <a:tc>
+                  <a:txBody>
+                    <a:bodyPr/>
+                    <a:lstStyle/>
+                    <a:p>
+                      <a:pPr algn="ctr"/>
+                      <a:endParaRPr lang="en-US" sz="1050" dirty="0">
+                        <a:solidFill>
+                          <a:sysClr val="windowText" lastClr="000000"/>
+                        </a:solidFill>
+                        <a:latin typeface="+mn-lt"/>
+                      </a:endParaRPr>
+                    </a:p>
+                  </a:txBody>
+                  <a:tcPr marL="45720" marR="45720" anchor="ctr">
+                    <a:lnL w="12700" cap="flat" cmpd="sng" algn="ctr">
+                      <a:solidFill>
+                        <a:schemeClr val="bg1"/>
+                      </a:solidFill>
+                      <a:prstDash val="solid"/>
+                      <a:round/>
+                      <a:headEnd type="none" w="med" len="med"/>
+                      <a:tailEnd type="none" w="med" len="med"/>
+                    </a:lnL>
+                    <a:lnR w="12700" cap="flat" cmpd="sng" algn="ctr">
+                      <a:solidFill>
+                        <a:schemeClr val="bg1"/>
+                      </a:solidFill>
+                      <a:prstDash val="solid"/>
+                      <a:round/>
+                      <a:headEnd type="none" w="med" len="med"/>
+                      <a:tailEnd type="none" w="med" len="med"/>
+                    </a:lnR>
+                    <a:lnT w="12700" cap="flat" cmpd="sng" algn="ctr">
+                      <a:solidFill>
+                        <a:schemeClr val="bg1"/>
+                      </a:solidFill>
+                      <a:prstDash val="solid"/>
+                      <a:round/>
+                      <a:headEnd type="none" w="med" len="med"/>
+                      <a:tailEnd type="none" w="med" len="med"/>
+                    </a:lnT>
+                    <a:lnB w="12700" cap="flat" cmpd="sng" algn="ctr">
+                      <a:solidFill>
+                        <a:schemeClr val="bg1"/>
+                      </a:solidFill>
+                      <a:prstDash val="solid"/>
+                      <a:round/>
+                      <a:headEnd type="none" w="med" len="med"/>
+                      <a:tailEnd type="none" w="med" len="med"/>
+                    </a:lnB>
+                    <a:lnTlToBr w="12700" cmpd="sng">
+                      <a:noFill/>
+                      <a:prstDash val="solid"/>
+                    </a:lnTlToBr>
+                    <a:lnBlToTr w="12700" cmpd="sng">
+                      <a:noFill/>
+                      <a:prstDash val="solid"/>
+                    </a:lnBlToTr>
+                    <a:solidFill>
+                      <a:srgbClr val="E8EEF8"/>
+                    </a:solidFill>
+                  </a:tcPr>
+                </a:tc>
+                <a:tc>
+                  <a:txBody>
+                    <a:bodyPr/>
+                    <a:lstStyle/>
+                    <a:p>
+                      <a:pPr algn="ctr"/>
+                      <a:endParaRPr lang="en-US" sz="1050" dirty="0">
+                        <a:solidFill>
+                          <a:sysClr val="windowText" lastClr="000000"/>
+                        </a:solidFill>
+                        <a:latin typeface="+mn-lt"/>
+                      </a:endParaRPr>
+                    </a:p>
+                  </a:txBody>
+                  <a:tcPr marL="45720" marR="45720" anchor="ctr">
+                    <a:lnL w="12700" cap="flat" cmpd="sng" algn="ctr">
+                      <a:solidFill>
+                        <a:schemeClr val="bg1"/>
+                      </a:solidFill>
+                      <a:prstDash val="solid"/>
+                      <a:round/>
+                      <a:headEnd type="none" w="med" len="med"/>
+                      <a:tailEnd type="none" w="med" len="med"/>
+                    </a:lnL>
+                    <a:lnR w="12700" cap="flat" cmpd="sng" algn="ctr">
+                      <a:solidFill>
+                        <a:schemeClr val="bg1"/>
+                      </a:solidFill>
+                      <a:prstDash val="solid"/>
+                      <a:round/>
+                      <a:headEnd type="none" w="med" len="med"/>
+                      <a:tailEnd type="none" w="med" len="med"/>
+                    </a:lnR>
+                    <a:lnT w="12700" cap="flat" cmpd="sng" algn="ctr">
+                      <a:solidFill>
+                        <a:schemeClr val="bg1"/>
+                      </a:solidFill>
+                      <a:prstDash val="solid"/>
+                      <a:round/>
+                      <a:headEnd type="none" w="med" len="med"/>
+                      <a:tailEnd type="none" w="med" len="med"/>
+                    </a:lnT>
+                    <a:lnB w="12700" cap="flat" cmpd="sng" algn="ctr">
+                      <a:solidFill>
+                        <a:schemeClr val="bg1"/>
+                      </a:solidFill>
+                      <a:prstDash val="solid"/>
+                      <a:round/>
+                      <a:headEnd type="none" w="med" len="med"/>
+                      <a:tailEnd type="none" w="med" len="med"/>
+                    </a:lnB>
+                    <a:lnTlToBr w="12700" cmpd="sng">
+                      <a:noFill/>
+                      <a:prstDash val="solid"/>
+                    </a:lnTlToBr>
+                    <a:lnBlToTr w="12700" cmpd="sng">
+                      <a:noFill/>
+                      <a:prstDash val="solid"/>
+                    </a:lnBlToTr>
+                    <a:solidFill>
+                      <a:srgbClr val="E8EEF8"/>
+                    </a:solidFill>
+                  </a:tcPr>
+                </a:tc>
+                <a:extLst>
+                  <a:ext uri="{0D108BD9-81ED-4DB2-BD59-A6C34878D82A}">
+                    <a16:rowId xmlns:a16="http://schemas.microsoft.com/office/drawing/2014/main" val="2358869375"/>
+                  </a:ext>
+                </a:extLst>
+              </a:tr>
+              <a:tr h="777180">
+                <a:tc>
+                  <a:txBody>
+                    <a:bodyPr/>
+                    <a:lstStyle/>
+                    <a:p>
+                      <a:pPr algn="ctr"/>
+                      <a:r>
+                        <a:rPr lang="en-US" sz="1400" dirty="0">
+                          <a:solidFill>
+                            <a:sysClr val="windowText" lastClr="000000"/>
+                          </a:solidFill>
+                        </a:rPr>
+                        <a:t>Issues encountered during deployment?</a:t>
+                      </a:r>
+                    </a:p>
+                  </a:txBody>
+                  <a:tcPr marL="45720" marR="45720" anchor="ctr">
+                    <a:lnL w="12700" cap="flat" cmpd="sng" algn="ctr">
+                      <a:solidFill>
+                        <a:schemeClr val="bg1"/>
+                      </a:solidFill>
+                      <a:prstDash val="solid"/>
+                      <a:round/>
+                      <a:headEnd type="none" w="med" len="med"/>
+                      <a:tailEnd type="none" w="med" len="med"/>
+                    </a:lnL>
+                    <a:lnR w="12700" cap="flat" cmpd="sng" algn="ctr">
+                      <a:solidFill>
+                        <a:schemeClr val="bg1"/>
+                      </a:solidFill>
+                      <a:prstDash val="solid"/>
+                      <a:round/>
+                      <a:headEnd type="none" w="med" len="med"/>
+                      <a:tailEnd type="none" w="med" len="med"/>
+                    </a:lnR>
+                    <a:lnT w="12700" cap="flat" cmpd="sng" algn="ctr">
+                      <a:solidFill>
+                        <a:schemeClr val="bg1"/>
+                      </a:solidFill>
+                      <a:prstDash val="solid"/>
+                      <a:round/>
+                      <a:headEnd type="none" w="med" len="med"/>
+                      <a:tailEnd type="none" w="med" len="med"/>
+                    </a:lnT>
+                    <a:lnB w="12700" cap="flat" cmpd="sng" algn="ctr">
+                      <a:solidFill>
+                        <a:schemeClr val="bg1"/>
+                      </a:solidFill>
+                      <a:prstDash val="solid"/>
+                      <a:round/>
+                      <a:headEnd type="none" w="med" len="med"/>
+                      <a:tailEnd type="none" w="med" len="med"/>
+                    </a:lnB>
+                    <a:lnTlToBr w="12700" cmpd="sng">
+                      <a:noFill/>
+                      <a:prstDash val="solid"/>
+                    </a:lnTlToBr>
+                    <a:lnBlToTr w="12700" cmpd="sng">
+                      <a:noFill/>
+                      <a:prstDash val="solid"/>
+                    </a:lnBlToTr>
+                    <a:solidFill>
+                      <a:srgbClr val="BFD0EB"/>
+                    </a:solidFill>
+                  </a:tcPr>
+                </a:tc>
+                <a:tc>
+                  <a:txBody>
+                    <a:bodyPr/>
+                    <a:lstStyle/>
+                    <a:p>
+                      <a:pPr marL="0" marR="0" lvl="0" indent="0" algn="ctr" defTabSz="1554480" rtl="0" eaLnBrk="1" fontAlgn="auto" latinLnBrk="0" hangingPunct="1">
+                        <a:lnSpc>
+                          <a:spcPct val="100000"/>
+                        </a:lnSpc>
+                        <a:spcBef>
+                          <a:spcPts val="0"/>
+                        </a:spcBef>
+                        <a:spcAft>
+                          <a:spcPts val="0"/>
+                        </a:spcAft>
+                        <a:buClrTx/>
+                        <a:buSzTx/>
+                        <a:buFontTx/>
+                        <a:buNone/>
+                        <a:tabLst/>
+                        <a:defRPr/>
+                      </a:pPr>
+                      <a:r>
+                        <a:rPr lang="en-US" sz="1600" dirty="0">
+                          <a:solidFill>
+                            <a:schemeClr val="tx1"/>
+                          </a:solidFill>
+                          <a:sym typeface="Wingdings" panose="05000000000000000000" pitchFamily="2" charset="2"/>
+                        </a:rPr>
+                        <a:t></a:t>
+                      </a:r>
+                    </a:p>
+                  </a:txBody>
+                  <a:tcPr marL="45720" marR="45720" anchor="ctr">
+                    <a:lnL w="12700" cap="flat" cmpd="sng" algn="ctr">
+                      <a:solidFill>
+                        <a:schemeClr val="bg1"/>
+                      </a:solidFill>
+                      <a:prstDash val="solid"/>
+                      <a:round/>
+                      <a:headEnd type="none" w="med" len="med"/>
+                      <a:tailEnd type="none" w="med" len="med"/>
+                    </a:lnL>
+                    <a:lnR w="12700" cap="flat" cmpd="sng" algn="ctr">
+                      <a:solidFill>
+                        <a:schemeClr val="bg1"/>
+                      </a:solidFill>
+                      <a:prstDash val="solid"/>
+                      <a:round/>
+                      <a:headEnd type="none" w="med" len="med"/>
+                      <a:tailEnd type="none" w="med" len="med"/>
+                    </a:lnR>
+                    <a:lnT w="12700" cap="flat" cmpd="sng" algn="ctr">
+                      <a:solidFill>
+                        <a:schemeClr val="bg1"/>
+                      </a:solidFill>
+                      <a:prstDash val="solid"/>
+                      <a:round/>
+                      <a:headEnd type="none" w="med" len="med"/>
+                      <a:tailEnd type="none" w="med" len="med"/>
+                    </a:lnT>
+                    <a:lnB w="12700" cap="flat" cmpd="sng" algn="ctr">
+                      <a:solidFill>
+                        <a:schemeClr val="bg1"/>
+                      </a:solidFill>
+                      <a:prstDash val="solid"/>
+                      <a:round/>
+                      <a:headEnd type="none" w="med" len="med"/>
+                      <a:tailEnd type="none" w="med" len="med"/>
+                    </a:lnB>
+                    <a:lnTlToBr w="12700" cmpd="sng">
+                      <a:noFill/>
+                      <a:prstDash val="solid"/>
+                    </a:lnTlToBr>
+                    <a:lnBlToTr w="12700" cmpd="sng">
+                      <a:noFill/>
+                      <a:prstDash val="solid"/>
+                    </a:lnBlToTr>
+                    <a:solidFill>
+                      <a:srgbClr val="E8EEF8"/>
+                    </a:solidFill>
+                  </a:tcPr>
+                </a:tc>
+                <a:tc gridSpan="2">
+                  <a:txBody>
+                    <a:bodyPr/>
+                    <a:lstStyle/>
+                    <a:p>
+                      <a:pPr marL="0" marR="0" lvl="0" indent="0" algn="ctr" defTabSz="914400" rtl="0" eaLnBrk="1" fontAlgn="auto" latinLnBrk="0" hangingPunct="1">
+                        <a:lnSpc>
+                          <a:spcPct val="100000"/>
+                        </a:lnSpc>
+                        <a:spcBef>
+                          <a:spcPts val="0"/>
+                        </a:spcBef>
+                        <a:spcAft>
+                          <a:spcPts val="0"/>
+                        </a:spcAft>
+                        <a:buClrTx/>
+                        <a:buSzTx/>
+                        <a:buFontTx/>
+                        <a:buNone/>
+                        <a:tabLst/>
+                        <a:defRPr/>
+                      </a:pPr>
+                      <a:r>
+                        <a:rPr lang="en-US" sz="1400" dirty="0">
+                          <a:solidFill>
+                            <a:sysClr val="windowText" lastClr="000000"/>
+                          </a:solidFill>
+                          <a:latin typeface="+mn-lt"/>
+                        </a:rPr>
+                        <a:t>Brief summary of issues</a:t>
+                      </a:r>
+                      <a:endParaRPr lang="en-US" sz="1400" dirty="0"/>
+                    </a:p>
+                  </a:txBody>
+                  <a:tcPr marL="45720" marR="45720" anchor="ctr">
+                    <a:lnL w="12700" cap="flat" cmpd="sng" algn="ctr">
+                      <a:solidFill>
+                        <a:schemeClr val="bg1"/>
+                      </a:solidFill>
+                      <a:prstDash val="solid"/>
+                      <a:round/>
+                      <a:headEnd type="none" w="med" len="med"/>
+                      <a:tailEnd type="none" w="med" len="med"/>
+                    </a:lnL>
+                    <a:lnR w="12700" cap="flat" cmpd="sng" algn="ctr">
+                      <a:solidFill>
+                        <a:schemeClr val="bg1"/>
+                      </a:solidFill>
+                      <a:prstDash val="solid"/>
+                      <a:round/>
+                      <a:headEnd type="none" w="med" len="med"/>
+                      <a:tailEnd type="none" w="med" len="med"/>
+                    </a:lnR>
+                    <a:lnT w="12700" cap="flat" cmpd="sng" algn="ctr">
+                      <a:solidFill>
+                        <a:schemeClr val="bg1"/>
+                      </a:solidFill>
+                      <a:prstDash val="solid"/>
+                      <a:round/>
+                      <a:headEnd type="none" w="med" len="med"/>
+                      <a:tailEnd type="none" w="med" len="med"/>
+                    </a:lnT>
+                    <a:lnB w="12700" cap="flat" cmpd="sng" algn="ctr">
+                      <a:solidFill>
+                        <a:schemeClr val="bg1"/>
+                      </a:solidFill>
+                      <a:prstDash val="solid"/>
+                      <a:round/>
+                      <a:headEnd type="none" w="med" len="med"/>
+                      <a:tailEnd type="none" w="med" len="med"/>
+                    </a:lnB>
+                    <a:lnTlToBr w="12700" cmpd="sng">
+                      <a:noFill/>
+                      <a:prstDash val="solid"/>
+                    </a:lnTlToBr>
+                    <a:lnBlToTr w="12700" cmpd="sng">
+                      <a:noFill/>
+                      <a:prstDash val="solid"/>
+                    </a:lnBlToTr>
+                    <a:solidFill>
+                      <a:srgbClr val="E8EEF8"/>
+                    </a:solidFill>
+                  </a:tcPr>
+                </a:tc>
+                <a:tc hMerge="1">
+                  <a:txBody>
+                    <a:bodyPr/>
+                    <a:lstStyle/>
+                    <a:p>
+                      <a:pPr algn="ctr"/>
+                      <a:endParaRPr lang="en-US" sz="1400" dirty="0">
+                        <a:solidFill>
+                          <a:sysClr val="windowText" lastClr="000000"/>
+                        </a:solidFill>
+                        <a:latin typeface="+mn-lt"/>
+                      </a:endParaRPr>
+                    </a:p>
+                  </a:txBody>
+                  <a:tcPr marL="201168" marR="201168" marT="100584" marB="100584" anchor="ctr">
+                    <a:lnL w="12700" cap="flat" cmpd="sng" algn="ctr">
+                      <a:solidFill>
+                        <a:schemeClr val="bg1"/>
+                      </a:solidFill>
+                      <a:prstDash val="solid"/>
+                      <a:round/>
+                      <a:headEnd type="none" w="med" len="med"/>
+                      <a:tailEnd type="none" w="med" len="med"/>
+                    </a:lnL>
+                    <a:lnR w="12700" cap="flat" cmpd="sng" algn="ctr">
+                      <a:solidFill>
+                        <a:schemeClr val="bg1"/>
+                      </a:solidFill>
+                      <a:prstDash val="solid"/>
+                      <a:round/>
+                      <a:headEnd type="none" w="med" len="med"/>
+                      <a:tailEnd type="none" w="med" len="med"/>
+                    </a:lnR>
+                    <a:lnT w="12700" cap="flat" cmpd="sng" algn="ctr">
+                      <a:solidFill>
+                        <a:schemeClr val="bg1"/>
+                      </a:solidFill>
+                      <a:prstDash val="solid"/>
+                      <a:round/>
+                      <a:headEnd type="none" w="med" len="med"/>
+                      <a:tailEnd type="none" w="med" len="med"/>
+                    </a:lnT>
+                    <a:lnB w="12700" cap="flat" cmpd="sng" algn="ctr">
+                      <a:solidFill>
+                        <a:schemeClr val="bg1"/>
+                      </a:solidFill>
+                      <a:prstDash val="solid"/>
+                      <a:round/>
+                      <a:headEnd type="none" w="med" len="med"/>
+                      <a:tailEnd type="none" w="med" len="med"/>
+                    </a:lnB>
+                    <a:lnTlToBr w="12700" cmpd="sng">
+                      <a:noFill/>
+                      <a:prstDash val="solid"/>
+                    </a:lnTlToBr>
+                    <a:lnBlToTr w="12700" cmpd="sng">
+                      <a:noFill/>
+                      <a:prstDash val="solid"/>
+                    </a:lnBlToTr>
+                    <a:solidFill>
+                      <a:srgbClr val="E8EEF8"/>
+                    </a:solidFill>
+                  </a:tcPr>
+                </a:tc>
+                <a:extLst>
+                  <a:ext uri="{0D108BD9-81ED-4DB2-BD59-A6C34878D82A}">
+                    <a16:rowId xmlns:a16="http://schemas.microsoft.com/office/drawing/2014/main" val="78851090"/>
+                  </a:ext>
+                </a:extLst>
+              </a:tr>
+            </a:tbl>
+          </a:graphicData>
+        </a:graphic>
+      </p:graphicFrame>
+      <p:sp>
+        <p:nvSpPr>
+          <p:cNvPr id="30" name="TextBox 29">
+            <a:extLst>
+              <a:ext uri="{FF2B5EF4-FFF2-40B4-BE49-F238E27FC236}">
+                <a16:creationId xmlns:a16="http://schemas.microsoft.com/office/drawing/2014/main" id="{A2D77594-2445-4225-AAB3-DD03D2190BCC}"/>
+              </a:ext>
+            </a:extLst>
+          </p:cNvPr>
+          <p:cNvSpPr txBox="1"/>
+          <p:nvPr/>
+        </p:nvSpPr>
+        <p:spPr>
+          <a:xfrm>
+            <a:off x="4201764" y="11367235"/>
+            <a:ext cx="2775108" cy="276999"/>
+          </a:xfrm>
+          <a:prstGeom prst="rect">
+            <a:avLst/>
+          </a:prstGeom>
+          <a:noFill/>
+        </p:spPr>
+        <p:txBody>
+          <a:bodyPr wrap="square" rtlCol="0">
+            <a:spAutoFit/>
+          </a:bodyPr>
+          <a:lstStyle/>
+          <a:p>
+            <a:pPr algn="ctr"/>
+            <a:r>
+              <a:rPr lang="en-US" sz="1200" dirty="0">
+                <a:latin typeface="+mj-lt"/>
+              </a:rPr>
+              <a:t>Sensor-Reference Accuracy</a:t>
+            </a:r>
+          </a:p>
+        </p:txBody>
+      </p:sp>
+      <p:sp>
+        <p:nvSpPr>
+          <p:cNvPr id="36" name="TextBox 35">
+            <a:extLst>
+              <a:ext uri="{FF2B5EF4-FFF2-40B4-BE49-F238E27FC236}">
+                <a16:creationId xmlns:a16="http://schemas.microsoft.com/office/drawing/2014/main" id="{065A6948-117F-411E-8E28-3ED7AE76C02C}"/>
+              </a:ext>
+            </a:extLst>
+          </p:cNvPr>
+          <p:cNvSpPr txBox="1"/>
+          <p:nvPr/>
+        </p:nvSpPr>
+        <p:spPr>
+          <a:xfrm>
+            <a:off x="11446946" y="11365430"/>
+            <a:ext cx="2280284" cy="276999"/>
+          </a:xfrm>
+          <a:prstGeom prst="rect">
+            <a:avLst/>
+          </a:prstGeom>
+          <a:noFill/>
+        </p:spPr>
+        <p:txBody>
+          <a:bodyPr wrap="square" rtlCol="0">
+            <a:spAutoFit/>
+          </a:bodyPr>
+          <a:lstStyle/>
+          <a:p>
+            <a:pPr algn="ctr"/>
+            <a:r>
+              <a:rPr lang="en-US" sz="1200" dirty="0">
+                <a:latin typeface="+mj-lt"/>
+              </a:rPr>
+              <a:t>Sensor-Sensor Precision</a:t>
+            </a:r>
+          </a:p>
+        </p:txBody>
+      </p:sp>
+      <p:cxnSp>
+        <p:nvCxnSpPr>
+          <p:cNvPr id="37" name="Straight Connector 36">
+            <a:extLst>
+              <a:ext uri="{FF2B5EF4-FFF2-40B4-BE49-F238E27FC236}">
+                <a16:creationId xmlns:a16="http://schemas.microsoft.com/office/drawing/2014/main" id="{BA91ED46-450E-422B-82B0-7521500F99BF}"/>
+              </a:ext>
+            </a:extLst>
+          </p:cNvPr>
+          <p:cNvCxnSpPr>
+            <a:cxnSpLocks/>
+          </p:cNvCxnSpPr>
+          <p:nvPr/>
+        </p:nvCxnSpPr>
+        <p:spPr>
+          <a:xfrm>
+            <a:off x="846049" y="11627783"/>
+            <a:ext cx="9127712" cy="0"/>
+          </a:xfrm>
+          <a:prstGeom prst="line">
+            <a:avLst/>
+          </a:prstGeom>
+          <a:ln w="12700">
+            <a:solidFill>
+              <a:schemeClr val="bg2">
+                <a:lumMod val="75000"/>
+              </a:schemeClr>
+            </a:solidFill>
+          </a:ln>
+        </p:spPr>
+        <p:style>
+          <a:lnRef idx="1">
+            <a:schemeClr val="accent1"/>
+          </a:lnRef>
+          <a:fillRef idx="0">
+            <a:schemeClr val="accent1"/>
+          </a:fillRef>
+          <a:effectRef idx="0">
+            <a:schemeClr val="accent1"/>
+          </a:effectRef>
+          <a:fontRef idx="minor">
+            <a:schemeClr val="tx1"/>
+          </a:fontRef>
+        </p:style>
+      </p:cxnSp>
+      <p:cxnSp>
+        <p:nvCxnSpPr>
+          <p:cNvPr id="38" name="Straight Connector 37">
+            <a:extLst>
+              <a:ext uri="{FF2B5EF4-FFF2-40B4-BE49-F238E27FC236}">
+                <a16:creationId xmlns:a16="http://schemas.microsoft.com/office/drawing/2014/main" id="{F6BEED57-11C2-4F5D-A959-3D049619A392}"/>
+              </a:ext>
+            </a:extLst>
+          </p:cNvPr>
+          <p:cNvCxnSpPr>
+            <a:cxnSpLocks/>
+          </p:cNvCxnSpPr>
+          <p:nvPr/>
+        </p:nvCxnSpPr>
+        <p:spPr>
+          <a:xfrm>
+            <a:off x="10253625" y="11627783"/>
+            <a:ext cx="4374691" cy="0"/>
+          </a:xfrm>
+          <a:prstGeom prst="line">
+            <a:avLst/>
+          </a:prstGeom>
+          <a:ln w="12700">
+            <a:solidFill>
+              <a:schemeClr val="bg2">
+                <a:lumMod val="75000"/>
+              </a:schemeClr>
+            </a:solidFill>
+          </a:ln>
+        </p:spPr>
+        <p:style>
+          <a:lnRef idx="1">
+            <a:schemeClr val="accent1"/>
+          </a:lnRef>
+          <a:fillRef idx="0">
+            <a:schemeClr val="accent1"/>
+          </a:fillRef>
+          <a:effectRef idx="0">
+            <a:schemeClr val="accent1"/>
+          </a:effectRef>
+          <a:fontRef idx="minor">
+            <a:schemeClr val="tx1"/>
+          </a:fontRef>
+        </p:style>
+      </p:cxnSp>
+      <p:sp>
+        <p:nvSpPr>
+          <p:cNvPr id="39" name="TextBox 38">
+            <a:extLst>
+              <a:ext uri="{FF2B5EF4-FFF2-40B4-BE49-F238E27FC236}">
+                <a16:creationId xmlns:a16="http://schemas.microsoft.com/office/drawing/2014/main" id="{7F743469-166C-43F4-B305-55FC5CDEA4DB}"/>
+              </a:ext>
+            </a:extLst>
+          </p:cNvPr>
+          <p:cNvSpPr txBox="1"/>
+          <p:nvPr/>
+        </p:nvSpPr>
+        <p:spPr>
+          <a:xfrm>
+            <a:off x="6741191" y="2566960"/>
+            <a:ext cx="2016336" cy="273921"/>
+          </a:xfrm>
+          <a:prstGeom prst="rect">
+            <a:avLst/>
+          </a:prstGeom>
+          <a:solidFill>
+            <a:schemeClr val="bg1"/>
+          </a:solidFill>
+        </p:spPr>
+        <p:txBody>
+          <a:bodyPr wrap="square" tIns="0" bIns="0" rtlCol="0" anchor="ctr">
+            <a:spAutoFit/>
+          </a:bodyPr>
+          <a:lstStyle/>
+          <a:p>
+            <a:pPr algn="ctr"/>
+            <a:r>
+              <a:rPr lang="en-US" sz="1780" dirty="0">
+                <a:latin typeface="+mj-lt"/>
+              </a:rPr>
+              <a:t>Deployment Details  </a:t>
+            </a:r>
+          </a:p>
+        </p:txBody>
+      </p:sp>
+      <p:sp>
+        <p:nvSpPr>
+          <p:cNvPr id="40" name="TextBox 39">
+            <a:extLst>
+              <a:ext uri="{FF2B5EF4-FFF2-40B4-BE49-F238E27FC236}">
+                <a16:creationId xmlns:a16="http://schemas.microsoft.com/office/drawing/2014/main" id="{2AF2BAA6-8457-4927-9CC5-DE177B8B69EC}"/>
+              </a:ext>
+            </a:extLst>
+          </p:cNvPr>
+          <p:cNvSpPr txBox="1"/>
+          <p:nvPr/>
+        </p:nvSpPr>
+        <p:spPr>
+          <a:xfrm>
+            <a:off x="10666475" y="7175914"/>
+            <a:ext cx="3835337" cy="274242"/>
+          </a:xfrm>
+          <a:prstGeom prst="rect">
+            <a:avLst/>
+          </a:prstGeom>
+          <a:solidFill>
+            <a:schemeClr val="bg1"/>
+          </a:solidFill>
+        </p:spPr>
+        <p:txBody>
+          <a:bodyPr wrap="square" tIns="0" bIns="0" rtlCol="0" anchor="ctr">
+            <a:spAutoFit/>
+          </a:bodyPr>
+          <a:lstStyle/>
+          <a:p>
+            <a:pPr algn="ctr"/>
+            <a:r>
+              <a:rPr lang="en-US" sz="1782" dirty="0">
+                <a:latin typeface="+mj-lt"/>
+              </a:rPr>
+              <a:t>Scatter Plot: Comparison to FRM/FEM</a:t>
+            </a:r>
+          </a:p>
+        </p:txBody>
+      </p:sp>
+      <p:sp>
+        <p:nvSpPr>
+          <p:cNvPr id="41" name="TextBox 40">
+            <a:extLst>
+              <a:ext uri="{FF2B5EF4-FFF2-40B4-BE49-F238E27FC236}">
+                <a16:creationId xmlns:a16="http://schemas.microsoft.com/office/drawing/2014/main" id="{0F474FC7-02F4-404D-9940-764CD7158885}"/>
+              </a:ext>
+            </a:extLst>
+          </p:cNvPr>
+          <p:cNvSpPr txBox="1"/>
+          <p:nvPr/>
+        </p:nvSpPr>
+        <p:spPr>
+          <a:xfrm>
+            <a:off x="3441140" y="7172963"/>
+            <a:ext cx="3554774" cy="273921"/>
+          </a:xfrm>
+          <a:prstGeom prst="rect">
+            <a:avLst/>
+          </a:prstGeom>
+          <a:solidFill>
+            <a:schemeClr val="bg1"/>
+          </a:solidFill>
+        </p:spPr>
+        <p:txBody>
+          <a:bodyPr wrap="square" tIns="0" bIns="0" rtlCol="0" anchor="ctr">
+            <a:spAutoFit/>
+          </a:bodyPr>
+          <a:lstStyle/>
+          <a:p>
+            <a:pPr algn="ctr"/>
+            <a:r>
+              <a:rPr lang="en-US" sz="1780" dirty="0">
+                <a:latin typeface="+mj-lt"/>
+              </a:rPr>
+              <a:t>Time Series Plot: 1-hour averaged O</a:t>
+            </a:r>
+            <a:r>
+              <a:rPr lang="en-US" sz="1780" baseline="-25000" dirty="0">
+                <a:latin typeface="+mj-lt"/>
+              </a:rPr>
+              <a:t>3</a:t>
+            </a:r>
+            <a:endParaRPr lang="en-US" sz="1780" dirty="0">
+              <a:latin typeface="+mj-lt"/>
+            </a:endParaRPr>
+          </a:p>
+        </p:txBody>
+      </p:sp>
+      <p:sp>
+        <p:nvSpPr>
+          <p:cNvPr id="42" name="TextBox 41">
+            <a:extLst>
+              <a:ext uri="{FF2B5EF4-FFF2-40B4-BE49-F238E27FC236}">
+                <a16:creationId xmlns:a16="http://schemas.microsoft.com/office/drawing/2014/main" id="{18484809-7DAC-4F5B-9B73-CA26F7A92456}"/>
+              </a:ext>
+            </a:extLst>
+          </p:cNvPr>
+          <p:cNvSpPr txBox="1"/>
+          <p:nvPr/>
+        </p:nvSpPr>
+        <p:spPr>
+          <a:xfrm>
+            <a:off x="6632255" y="11099865"/>
+            <a:ext cx="2280285" cy="273921"/>
+          </a:xfrm>
+          <a:prstGeom prst="rect">
+            <a:avLst/>
+          </a:prstGeom>
+          <a:solidFill>
+            <a:schemeClr val="bg1"/>
+          </a:solidFill>
+        </p:spPr>
+        <p:txBody>
+          <a:bodyPr wrap="square" tIns="0" bIns="0" rtlCol="0" anchor="ctr">
+            <a:spAutoFit/>
+          </a:bodyPr>
+          <a:lstStyle/>
+          <a:p>
+            <a:pPr algn="ctr"/>
+            <a:r>
+              <a:rPr lang="en-US" sz="1780" dirty="0">
+                <a:latin typeface="+mj-lt"/>
+              </a:rPr>
+              <a:t>Performance Metrics</a:t>
+            </a:r>
+            <a:r>
+              <a:rPr lang="en-US" sz="1600" baseline="44000" dirty="0">
+                <a:latin typeface="+mj-lt"/>
+                <a:sym typeface="Wingdings" panose="05000000000000000000" pitchFamily="2" charset="2"/>
+              </a:rPr>
+              <a:t></a:t>
+            </a:r>
+            <a:endParaRPr lang="en-US" sz="1600" baseline="44000" dirty="0">
+              <a:latin typeface="+mj-lt"/>
+            </a:endParaRPr>
+          </a:p>
+        </p:txBody>
+      </p:sp>
+      <p:sp>
+        <p:nvSpPr>
+          <p:cNvPr id="43" name="TextBox 42">
+            <a:extLst>
+              <a:ext uri="{FF2B5EF4-FFF2-40B4-BE49-F238E27FC236}">
+                <a16:creationId xmlns:a16="http://schemas.microsoft.com/office/drawing/2014/main" id="{8A3FBCAF-6965-4D6E-AD07-E5FE48AF372D}"/>
+              </a:ext>
+            </a:extLst>
+          </p:cNvPr>
+          <p:cNvSpPr txBox="1"/>
+          <p:nvPr/>
+        </p:nvSpPr>
+        <p:spPr>
+          <a:xfrm>
+            <a:off x="1615174" y="15520953"/>
+            <a:ext cx="4491366" cy="273921"/>
+          </a:xfrm>
+          <a:prstGeom prst="rect">
+            <a:avLst/>
+          </a:prstGeom>
+          <a:solidFill>
+            <a:schemeClr val="bg1"/>
+          </a:solidFill>
+        </p:spPr>
+        <p:txBody>
+          <a:bodyPr wrap="square" tIns="0" bIns="0" rtlCol="0" anchor="ctr">
+            <a:spAutoFit/>
+          </a:bodyPr>
+          <a:lstStyle/>
+          <a:p>
+            <a:pPr algn="ctr"/>
+            <a:r>
+              <a:rPr lang="en-US" sz="1780" dirty="0">
+                <a:latin typeface="+mj-lt"/>
+              </a:rPr>
+              <a:t>Meteorological Conditions During Deployment</a:t>
+            </a:r>
+          </a:p>
+        </p:txBody>
+      </p:sp>
+      <p:sp>
+        <p:nvSpPr>
+          <p:cNvPr id="44" name="TextBox 43">
+            <a:extLst>
+              <a:ext uri="{FF2B5EF4-FFF2-40B4-BE49-F238E27FC236}">
+                <a16:creationId xmlns:a16="http://schemas.microsoft.com/office/drawing/2014/main" id="{60A46A6F-182B-4E8B-9E36-193C131C21E5}"/>
+              </a:ext>
+            </a:extLst>
+          </p:cNvPr>
+          <p:cNvSpPr txBox="1"/>
+          <p:nvPr/>
+        </p:nvSpPr>
+        <p:spPr>
+          <a:xfrm>
+            <a:off x="10022725" y="15520953"/>
+            <a:ext cx="2496575" cy="273921"/>
+          </a:xfrm>
+          <a:prstGeom prst="rect">
+            <a:avLst/>
+          </a:prstGeom>
+          <a:solidFill>
+            <a:schemeClr val="bg1"/>
+          </a:solidFill>
+        </p:spPr>
+        <p:txBody>
+          <a:bodyPr wrap="square" tIns="0" bIns="0" rtlCol="0" anchor="ctr">
+            <a:spAutoFit/>
+          </a:bodyPr>
+          <a:lstStyle/>
+          <a:p>
+            <a:pPr algn="ctr"/>
+            <a:r>
+              <a:rPr lang="en-US" sz="1780" dirty="0">
+                <a:latin typeface="+mj-lt"/>
+              </a:rPr>
+              <a:t>Meteorological Influence</a:t>
+            </a:r>
+          </a:p>
+        </p:txBody>
+      </p:sp>
+      <p:graphicFrame>
+        <p:nvGraphicFramePr>
+          <p:cNvPr id="45" name="Table 18">
+            <a:extLst>
+              <a:ext uri="{FF2B5EF4-FFF2-40B4-BE49-F238E27FC236}">
+                <a16:creationId xmlns:a16="http://schemas.microsoft.com/office/drawing/2014/main" id="{A79020BE-AAD4-48A5-B9A9-07365A2E98FE}"/>
+              </a:ext>
+            </a:extLst>
+          </p:cNvPr>
+          <p:cNvGraphicFramePr>
+            <a:graphicFrameLocks noGrp="1"/>
+          </p:cNvGraphicFramePr>
+          <p:nvPr>
+            <p:extLst>
+              <p:ext uri="{D42A27DB-BD31-4B8C-83A1-F6EECF244321}">
+                <p14:modId xmlns:p14="http://schemas.microsoft.com/office/powerpoint/2010/main" val="409714082"/>
+              </p:ext>
+            </p:extLst>
+          </p:nvPr>
+        </p:nvGraphicFramePr>
+        <p:xfrm>
+          <a:off x="7655757" y="18269712"/>
+          <a:ext cx="4636008" cy="1030064"/>
+        </p:xfrm>
+        <a:graphic>
+          <a:graphicData uri="http://schemas.openxmlformats.org/drawingml/2006/table">
+            <a:tbl>
+              <a:tblPr firstRow="1" bandRow="1">
+                <a:tableStyleId>{69CF1AB2-1976-4502-BF36-3FF5EA218861}</a:tableStyleId>
+              </a:tblPr>
+              <a:tblGrid>
+                <a:gridCol w="3968496">
+                  <a:extLst>
+                    <a:ext uri="{9D8B030D-6E8A-4147-A177-3AD203B41FA5}">
+                      <a16:colId xmlns:a16="http://schemas.microsoft.com/office/drawing/2014/main" val="3814208030"/>
+                    </a:ext>
+                  </a:extLst>
+                </a:gridCol>
+                <a:gridCol w="667512">
                   <a:extLst>
                     <a:ext uri="{9D8B030D-6E8A-4147-A177-3AD203B41FA5}">
                       <a16:colId xmlns:a16="http://schemas.microsoft.com/office/drawing/2014/main" val="1546040442"/>
@@ -8293,7 +8459,7 @@
                             <a:sysClr val="windowText" lastClr="000000"/>
                           </a:solidFill>
                         </a:rPr>
-                        <a:t>Number of 1-hr periods outside manufacture-listed temperature target criteria</a:t>
+                        <a:t>Mean number of paired, normalized concentration and temperature values (1-hr averages)</a:t>
                       </a:r>
                     </a:p>
                   </a:txBody>
@@ -8446,7 +8612,7 @@
                             <a:sysClr val="windowText" lastClr="000000"/>
                           </a:solidFill>
                         </a:rPr>
-                        <a:t>Number of 1-hr periods outside manufacture-listed relative humidity target criteria</a:t>
+                        <a:t>Mean number of paired, normalized concentration and relative humidity values (1-hr averages)</a:t>
                       </a:r>
                     </a:p>
                   </a:txBody>
@@ -8576,10 +8742,10 @@
       </p:graphicFrame>
       <p:graphicFrame>
         <p:nvGraphicFramePr>
-          <p:cNvPr id="33" name="Table 18">
+          <p:cNvPr id="46" name="Table 18">
             <a:extLst>
               <a:ext uri="{FF2B5EF4-FFF2-40B4-BE49-F238E27FC236}">
-                <a16:creationId xmlns:a16="http://schemas.microsoft.com/office/drawing/2014/main" id="{FF6CC21A-1E4F-4F2B-8F5A-10BA08714989}"/>
+                <a16:creationId xmlns:a16="http://schemas.microsoft.com/office/drawing/2014/main" id="{B64AAB24-2C93-4F45-972A-AA6B1CED1F72}"/>
               </a:ext>
             </a:extLst>
           </p:cNvPr>
@@ -8589,14 +8755,14 @@
           <p:nvPr>
             <p:extLst>
               <p:ext uri="{D42A27DB-BD31-4B8C-83A1-F6EECF244321}">
-                <p14:modId xmlns:p14="http://schemas.microsoft.com/office/powerpoint/2010/main" val="3992447454"/>
+                <p14:modId xmlns:p14="http://schemas.microsoft.com/office/powerpoint/2010/main" val="2926711833"/>
               </p:ext>
             </p:extLst>
           </p:nvPr>
         </p:nvGraphicFramePr>
         <p:xfrm>
-          <a:off x="7905366" y="18278856"/>
-          <a:ext cx="4292660" cy="1030064"/>
+          <a:off x="1543751" y="18269712"/>
+          <a:ext cx="4634212" cy="1030064"/>
         </p:xfrm>
         <a:graphic>
           <a:graphicData uri="http://schemas.openxmlformats.org/drawingml/2006/table">
@@ -8605,14 +8771,14 @@
                 <a:tableStyleId>{69CF1AB2-1976-4502-BF36-3FF5EA218861}</a:tableStyleId>
               </a:tblPr>
               <a:tblGrid>
-                <a:gridCol w="3191504">
+                <a:gridCol w="3965532">
                   <a:extLst>
                     <a:ext uri="{9D8B030D-6E8A-4147-A177-3AD203B41FA5}">
                       <a16:colId xmlns:a16="http://schemas.microsoft.com/office/drawing/2014/main" val="3814208030"/>
                     </a:ext>
                   </a:extLst>
                 </a:gridCol>
-                <a:gridCol w="1101156">
+                <a:gridCol w="668680">
                   <a:extLst>
                     <a:ext uri="{9D8B030D-6E8A-4147-A177-3AD203B41FA5}">
                       <a16:colId xmlns:a16="http://schemas.microsoft.com/office/drawing/2014/main" val="1546040442"/>
@@ -8633,7 +8799,7 @@
                             <a:sysClr val="windowText" lastClr="000000"/>
                           </a:solidFill>
                         </a:rPr>
-                        <a:t>Mean number of paired, normalized concentration and temperature values</a:t>
+                        <a:t>Number of 1-hr periods outside sensor manufacture-listed temperature operational range (no operational range specified)</a:t>
                       </a:r>
                     </a:p>
                   </a:txBody>
@@ -8763,30 +8929,14 @@
                     <a:bodyPr/>
                     <a:lstStyle/>
                     <a:p>
-                      <a:pPr marL="0" marR="0" lvl="0" indent="0" algn="l" defTabSz="1554480" rtl="0" eaLnBrk="1" fontAlgn="auto" latinLnBrk="0" hangingPunct="1">
-                        <a:lnSpc>
-                          <a:spcPct val="100000"/>
-                        </a:lnSpc>
-                        <a:spcBef>
-                          <a:spcPts val="0"/>
-                        </a:spcBef>
-                        <a:spcAft>
-                          <a:spcPts val="0"/>
-                        </a:spcAft>
-                        <a:buClrTx/>
-                        <a:buSzTx/>
-                        <a:buFontTx/>
-                        <a:buNone/>
-                        <a:tabLst/>
-                        <a:defRPr/>
-                      </a:pPr>
+                      <a:pPr algn="l"/>
                       <a:r>
                         <a:rPr lang="en-US" sz="1100" b="0" dirty="0">
                           <a:solidFill>
                             <a:sysClr val="windowText" lastClr="000000"/>
                           </a:solidFill>
                         </a:rPr>
-                        <a:t>Mean number of paired, normalized concentration and relative humidity values</a:t>
+                        <a:t>Number of 1-hr periods outside sensor manufacture-listed relative humidity operational range (no operational range specified)</a:t>
                       </a:r>
                     </a:p>
                   </a:txBody>
@@ -8914,46 +9064,6 @@
           </a:graphicData>
         </a:graphic>
       </p:graphicFrame>
-      <p:sp>
-        <p:nvSpPr>
-          <p:cNvPr id="34" name="TextBox 33">
-            <a:extLst>
-              <a:ext uri="{FF2B5EF4-FFF2-40B4-BE49-F238E27FC236}">
-                <a16:creationId xmlns:a16="http://schemas.microsoft.com/office/drawing/2014/main" id="{7D655D40-6DF2-4B90-8D9E-8C2B333DA162}"/>
-              </a:ext>
-            </a:extLst>
-          </p:cNvPr>
-          <p:cNvSpPr txBox="1"/>
-          <p:nvPr/>
-        </p:nvSpPr>
-        <p:spPr>
-          <a:xfrm>
-            <a:off x="10051696" y="15476354"/>
-            <a:ext cx="2496575" cy="366254"/>
-          </a:xfrm>
-          <a:prstGeom prst="rect">
-            <a:avLst/>
-          </a:prstGeom>
-          <a:solidFill>
-            <a:schemeClr val="bg1"/>
-          </a:solidFill>
-        </p:spPr>
-        <p:txBody>
-          <a:bodyPr wrap="square" rtlCol="0">
-            <a:spAutoFit/>
-          </a:bodyPr>
-          <a:lstStyle/>
-          <a:p>
-            <a:pPr algn="ctr"/>
-            <a:r>
-              <a:rPr lang="en-US" sz="1780" dirty="0">
-                <a:latin typeface="+mj-lt"/>
-              </a:rPr>
-              <a:t>Meteorological Influence</a:t>
-            </a:r>
-          </a:p>
-        </p:txBody>
-      </p:sp>
     </p:spTree>
     <p:extLst>
       <p:ext uri="{BB962C8B-B14F-4D97-AF65-F5344CB8AC3E}">
@@ -12859,6 +12969,11 @@
 </file>
 
 <file path=customXml/item1.xml><?xml version="1.0" encoding="utf-8"?>
+<?mso-contentType ?>
+<SharedContentType xmlns="Microsoft.SharePoint.Taxonomy.ContentTypeSync" SourceId="29f62856-1543-49d4-a736-4569d363f533" ContentTypeId="0x0101" PreviousValue="false"/>
+</file>
+
+<file path=customXml/item2.xml><?xml version="1.0" encoding="utf-8"?>
 <ct:contentTypeSchema xmlns:ct="http://schemas.microsoft.com/office/2006/metadata/contentType" xmlns:ma="http://schemas.microsoft.com/office/2006/metadata/properties/metaAttributes" ct:_="" ma:_="" ma:contentTypeName="Document" ma:contentTypeID="0x010100564A490502BCE94B94B40D182DF629A7" ma:contentTypeVersion="10" ma:contentTypeDescription="Create a new document." ma:contentTypeScope="" ma:versionID="edc9365ca1982d5cfb353b974c2fd121">
   <xsd:schema xmlns:xsd="http://www.w3.org/2001/XMLSchema" xmlns:xs="http://www.w3.org/2001/XMLSchema" xmlns:p="http://schemas.microsoft.com/office/2006/metadata/properties" xmlns:ns1="http://schemas.microsoft.com/sharepoint/v3" xmlns:ns2="4ffa91fb-a0ff-4ac5-b2db-65c790d184a4" xmlns:ns3="http://schemas.microsoft.com/sharepoint.v3" xmlns:ns4="http://schemas.microsoft.com/sharepoint/v3/fields" xmlns:ns5="92953017-96f5-40cd-8d9e-826506a80b1b" targetNamespace="http://schemas.microsoft.com/office/2006/metadata/properties" ma:root="true" ma:fieldsID="0e17b492b81938533bbafcb3131407c0" ns1:_="" ns2:_="" ns3:_="" ns4:_="" ns5:_="">
     <xsd:import namespace="http://schemas.microsoft.com/sharepoint/v3"/>
@@ -13256,21 +13371,7 @@
 </ct:contentTypeSchema>
 </file>
 
-<file path=customXml/item2.xml><?xml version="1.0" encoding="utf-8"?>
-<?mso-contentType ?>
-<SharedContentType xmlns="Microsoft.SharePoint.Taxonomy.ContentTypeSync" SourceId="29f62856-1543-49d4-a736-4569d363f533" ContentTypeId="0x0101" PreviousValue="false"/>
-</file>
-
 <file path=customXml/item3.xml><?xml version="1.0" encoding="utf-8"?>
-<?mso-contentType ?>
-<FormTemplates xmlns="http://schemas.microsoft.com/sharepoint/v3/contenttype/forms">
-  <Display>DocumentLibraryForm</Display>
-  <Edit>DocumentLibraryForm</Edit>
-  <New>DocumentLibraryForm</New>
-</FormTemplates>
-</file>
-
-<file path=customXml/item4.xml><?xml version="1.0" encoding="utf-8"?>
 <p:properties xmlns:p="http://schemas.microsoft.com/office/2006/metadata/properties" xmlns:xsi="http://www.w3.org/2001/XMLSchema-instance" xmlns:pc="http://schemas.microsoft.com/office/infopath/2007/PartnerControls">
   <documentManagement>
     <_Source xmlns="http://schemas.microsoft.com/sharepoint/v3/fields" xsi:nil="true"/>
@@ -13309,7 +13410,24 @@
 </p:properties>
 </file>
 
+<file path=customXml/item4.xml><?xml version="1.0" encoding="utf-8"?>
+<?mso-contentType ?>
+<FormTemplates xmlns="http://schemas.microsoft.com/sharepoint/v3/contenttype/forms">
+  <Display>DocumentLibraryForm</Display>
+  <Edit>DocumentLibraryForm</Edit>
+  <New>DocumentLibraryForm</New>
+</FormTemplates>
+</file>
+
 <file path=customXml/itemProps1.xml><?xml version="1.0" encoding="utf-8"?>
+<ds:datastoreItem xmlns:ds="http://schemas.openxmlformats.org/officeDocument/2006/customXml" ds:itemID="{9D969709-82DA-4F6F-85CB-B966EACA0A33}">
+  <ds:schemaRefs>
+    <ds:schemaRef ds:uri="Microsoft.SharePoint.Taxonomy.ContentTypeSync"/>
+  </ds:schemaRefs>
+</ds:datastoreItem>
+</file>
+
+<file path=customXml/itemProps2.xml><?xml version="1.0" encoding="utf-8"?>
 <ds:datastoreItem xmlns:ds="http://schemas.openxmlformats.org/officeDocument/2006/customXml" ds:itemID="{1DA0D606-E9FB-46FF-A65C-4208D58FBF6D}">
   <ds:schemaRefs>
     <ds:schemaRef ds:uri="http://schemas.microsoft.com/office/2006/metadata/contentType"/>
@@ -13331,23 +13449,7 @@
 </ds:datastoreItem>
 </file>
 
-<file path=customXml/itemProps2.xml><?xml version="1.0" encoding="utf-8"?>
-<ds:datastoreItem xmlns:ds="http://schemas.openxmlformats.org/officeDocument/2006/customXml" ds:itemID="{9D969709-82DA-4F6F-85CB-B966EACA0A33}">
-  <ds:schemaRefs>
-    <ds:schemaRef ds:uri="Microsoft.SharePoint.Taxonomy.ContentTypeSync"/>
-  </ds:schemaRefs>
-</ds:datastoreItem>
-</file>
-
 <file path=customXml/itemProps3.xml><?xml version="1.0" encoding="utf-8"?>
-<ds:datastoreItem xmlns:ds="http://schemas.openxmlformats.org/officeDocument/2006/customXml" ds:itemID="{E3A66A80-EEBD-4235-BF6F-659447EA7FC0}">
-  <ds:schemaRefs>
-    <ds:schemaRef ds:uri="http://schemas.microsoft.com/sharepoint/v3/contenttype/forms"/>
-  </ds:schemaRefs>
-</ds:datastoreItem>
-</file>
-
-<file path=customXml/itemProps4.xml><?xml version="1.0" encoding="utf-8"?>
 <ds:datastoreItem xmlns:ds="http://schemas.openxmlformats.org/officeDocument/2006/customXml" ds:itemID="{2EED311A-CCB5-4625-B52F-BB9F85A51581}">
   <ds:schemaRefs>
     <ds:schemaRef ds:uri="http://schemas.microsoft.com/office/2006/metadata/properties"/>
@@ -13358,4 +13460,12 @@
     <ds:schemaRef ds:uri="http://schemas.microsoft.com/sharepoint.v3"/>
   </ds:schemaRefs>
 </ds:datastoreItem>
+</file>
+
+<file path=customXml/itemProps4.xml><?xml version="1.0" encoding="utf-8"?>
+<ds:datastoreItem xmlns:ds="http://schemas.openxmlformats.org/officeDocument/2006/customXml" ds:itemID="{E3A66A80-EEBD-4235-BF6F-659447EA7FC0}">
+  <ds:schemaRefs>
+    <ds:schemaRef ds:uri="http://schemas.microsoft.com/sharepoint/v3/contenttype/forms"/>
+  </ds:schemaRefs>
+</ds:datastoreItem>
 </file>
--- a/sensortoolkit/evaluation_objs/templates/O3/Reporting_Template_Base_O3.pptx
+++ b/sensortoolkit/evaluation_objs/templates/O3/Reporting_Template_Base_O3.pptx
@@ -141,6 +141,338 @@
 
 <file path=ppt/changesInfos/changesInfo1.xml><?xml version="1.0" encoding="utf-8"?>
 <pc:chgInfo xmlns:a="http://schemas.openxmlformats.org/drawingml/2006/main" xmlns:r="http://schemas.openxmlformats.org/officeDocument/2006/relationships" xmlns:ac="http://schemas.microsoft.com/office/drawing/2013/main/command" xmlns:pc="http://schemas.microsoft.com/office/powerpoint/2013/main/command">
+  <pc:docChgLst>
+    <pc:chgData name="Frederick, Samuel" userId="090dec4f-7d84-4616-bef6-b2226d1b24c4" providerId="ADAL" clId="{360A67A5-37B6-4E00-A191-96F89693057C}"/>
+    <pc:docChg chg="undo redo custSel modSld modMainMaster">
+      <pc:chgData name="Frederick, Samuel" userId="090dec4f-7d84-4616-bef6-b2226d1b24c4" providerId="ADAL" clId="{360A67A5-37B6-4E00-A191-96F89693057C}" dt="2021-06-25T17:48:28.005" v="167" actId="478"/>
+      <pc:docMkLst>
+        <pc:docMk/>
+      </pc:docMkLst>
+      <pc:sldChg chg="addSp delSp modSp mod">
+        <pc:chgData name="Frederick, Samuel" userId="090dec4f-7d84-4616-bef6-b2226d1b24c4" providerId="ADAL" clId="{360A67A5-37B6-4E00-A191-96F89693057C}" dt="2021-06-25T17:48:28.005" v="167" actId="478"/>
+        <pc:sldMkLst>
+          <pc:docMk/>
+          <pc:sldMk cId="1609848839" sldId="256"/>
+        </pc:sldMkLst>
+        <pc:spChg chg="del">
+          <ac:chgData name="Frederick, Samuel" userId="090dec4f-7d84-4616-bef6-b2226d1b24c4" providerId="ADAL" clId="{360A67A5-37B6-4E00-A191-96F89693057C}" dt="2021-06-25T17:35:06.925" v="4"/>
+          <ac:spMkLst>
+            <pc:docMk/>
+            <pc:sldMk cId="1609848839" sldId="256"/>
+            <ac:spMk id="2" creationId="{D3BBE3C6-F1E4-4D42-8855-1B38098D718D}"/>
+          </ac:spMkLst>
+        </pc:spChg>
+        <pc:spChg chg="add mod">
+          <ac:chgData name="Frederick, Samuel" userId="090dec4f-7d84-4616-bef6-b2226d1b24c4" providerId="ADAL" clId="{360A67A5-37B6-4E00-A191-96F89693057C}" dt="2021-06-25T17:35:06.925" v="4"/>
+          <ac:spMkLst>
+            <pc:docMk/>
+            <pc:sldMk cId="1609848839" sldId="256"/>
+            <ac:spMk id="3" creationId="{E496A7F8-43F8-4BAA-ACE7-4F2FD405C445}"/>
+          </ac:spMkLst>
+        </pc:spChg>
+        <pc:spChg chg="del">
+          <ac:chgData name="Frederick, Samuel" userId="090dec4f-7d84-4616-bef6-b2226d1b24c4" providerId="ADAL" clId="{360A67A5-37B6-4E00-A191-96F89693057C}" dt="2021-06-25T17:35:06.925" v="4"/>
+          <ac:spMkLst>
+            <pc:docMk/>
+            <pc:sldMk cId="1609848839" sldId="256"/>
+            <ac:spMk id="4" creationId="{C1F6EC70-09A5-49CF-8C1A-8D0EB117AC03}"/>
+          </ac:spMkLst>
+        </pc:spChg>
+        <pc:spChg chg="del">
+          <ac:chgData name="Frederick, Samuel" userId="090dec4f-7d84-4616-bef6-b2226d1b24c4" providerId="ADAL" clId="{360A67A5-37B6-4E00-A191-96F89693057C}" dt="2021-06-25T17:35:06.925" v="4"/>
+          <ac:spMkLst>
+            <pc:docMk/>
+            <pc:sldMk cId="1609848839" sldId="256"/>
+            <ac:spMk id="5" creationId="{59B1715C-505C-471D-AC7B-8D5512F1F59D}"/>
+          </ac:spMkLst>
+        </pc:spChg>
+        <pc:spChg chg="add mod">
+          <ac:chgData name="Frederick, Samuel" userId="090dec4f-7d84-4616-bef6-b2226d1b24c4" providerId="ADAL" clId="{360A67A5-37B6-4E00-A191-96F89693057C}" dt="2021-06-25T17:35:06.925" v="4"/>
+          <ac:spMkLst>
+            <pc:docMk/>
+            <pc:sldMk cId="1609848839" sldId="256"/>
+            <ac:spMk id="6" creationId="{A96546AC-36CF-4A51-A082-C4DB57591699}"/>
+          </ac:spMkLst>
+        </pc:spChg>
+        <pc:spChg chg="add mod">
+          <ac:chgData name="Frederick, Samuel" userId="090dec4f-7d84-4616-bef6-b2226d1b24c4" providerId="ADAL" clId="{360A67A5-37B6-4E00-A191-96F89693057C}" dt="2021-06-25T17:35:06.925" v="4"/>
+          <ac:spMkLst>
+            <pc:docMk/>
+            <pc:sldMk cId="1609848839" sldId="256"/>
+            <ac:spMk id="7" creationId="{1F867A50-C366-451C-B510-1358A8E03B8F}"/>
+          </ac:spMkLst>
+        </pc:spChg>
+        <pc:spChg chg="del mod">
+          <ac:chgData name="Frederick, Samuel" userId="090dec4f-7d84-4616-bef6-b2226d1b24c4" providerId="ADAL" clId="{360A67A5-37B6-4E00-A191-96F89693057C}" dt="2021-06-25T17:44:02.034" v="115" actId="478"/>
+          <ac:spMkLst>
+            <pc:docMk/>
+            <pc:sldMk cId="1609848839" sldId="256"/>
+            <ac:spMk id="24" creationId="{E049956A-403C-4054-B4D6-AB0C98529660}"/>
+          </ac:spMkLst>
+        </pc:spChg>
+        <pc:spChg chg="mod">
+          <ac:chgData name="Frederick, Samuel" userId="090dec4f-7d84-4616-bef6-b2226d1b24c4" providerId="ADAL" clId="{360A67A5-37B6-4E00-A191-96F89693057C}" dt="2021-06-25T17:45:51.105" v="143" actId="1076"/>
+          <ac:spMkLst>
+            <pc:docMk/>
+            <pc:sldMk cId="1609848839" sldId="256"/>
+            <ac:spMk id="31" creationId="{C2D3D90C-F994-4CC3-8652-BCA3D4370ADC}"/>
+          </ac:spMkLst>
+        </pc:spChg>
+        <pc:spChg chg="add mod">
+          <ac:chgData name="Frederick, Samuel" userId="090dec4f-7d84-4616-bef6-b2226d1b24c4" providerId="ADAL" clId="{360A67A5-37B6-4E00-A191-96F89693057C}" dt="2021-06-25T17:48:21.649" v="166" actId="1076"/>
+          <ac:spMkLst>
+            <pc:docMk/>
+            <pc:sldMk cId="1609848839" sldId="256"/>
+            <ac:spMk id="34" creationId="{7D655D40-6DF2-4B90-8D9E-8C2B333DA162}"/>
+          </ac:spMkLst>
+        </pc:spChg>
+        <pc:spChg chg="mod">
+          <ac:chgData name="Frederick, Samuel" userId="090dec4f-7d84-4616-bef6-b2226d1b24c4" providerId="ADAL" clId="{360A67A5-37B6-4E00-A191-96F89693057C}" dt="2021-06-25T17:46:59.305" v="146" actId="1076"/>
+          <ac:spMkLst>
+            <pc:docMk/>
+            <pc:sldMk cId="1609848839" sldId="256"/>
+            <ac:spMk id="52" creationId="{C9375A12-4150-4C9A-A5FF-3226CB9B6B71}"/>
+          </ac:spMkLst>
+        </pc:spChg>
+        <pc:graphicFrameChg chg="mod modGraphic">
+          <ac:chgData name="Frederick, Samuel" userId="090dec4f-7d84-4616-bef6-b2226d1b24c4" providerId="ADAL" clId="{360A67A5-37B6-4E00-A191-96F89693057C}" dt="2021-06-25T17:37:23.694" v="30" actId="20577"/>
+          <ac:graphicFrameMkLst>
+            <pc:docMk/>
+            <pc:sldMk cId="1609848839" sldId="256"/>
+            <ac:graphicFrameMk id="18" creationId="{47941790-F508-45B8-841D-BA5D6A7CA69F}"/>
+          </ac:graphicFrameMkLst>
+        </pc:graphicFrameChg>
+        <pc:graphicFrameChg chg="mod modGraphic">
+          <ac:chgData name="Frederick, Samuel" userId="090dec4f-7d84-4616-bef6-b2226d1b24c4" providerId="ADAL" clId="{360A67A5-37B6-4E00-A191-96F89693057C}" dt="2021-06-25T17:37:01.740" v="20"/>
+          <ac:graphicFrameMkLst>
+            <pc:docMk/>
+            <pc:sldMk cId="1609848839" sldId="256"/>
+            <ac:graphicFrameMk id="30" creationId="{21A58A00-867E-4586-9E12-B610E1FDCE28}"/>
+          </ac:graphicFrameMkLst>
+        </pc:graphicFrameChg>
+        <pc:graphicFrameChg chg="add mod modGraphic">
+          <ac:chgData name="Frederick, Samuel" userId="090dec4f-7d84-4616-bef6-b2226d1b24c4" providerId="ADAL" clId="{360A67A5-37B6-4E00-A191-96F89693057C}" dt="2021-06-25T17:45:13.595" v="141" actId="20577"/>
+          <ac:graphicFrameMkLst>
+            <pc:docMk/>
+            <pc:sldMk cId="1609848839" sldId="256"/>
+            <ac:graphicFrameMk id="32" creationId="{B8FDD0E3-4EC8-4FB4-AAC5-E9C047C9329F}"/>
+          </ac:graphicFrameMkLst>
+        </pc:graphicFrameChg>
+        <pc:graphicFrameChg chg="add mod">
+          <ac:chgData name="Frederick, Samuel" userId="090dec4f-7d84-4616-bef6-b2226d1b24c4" providerId="ADAL" clId="{360A67A5-37B6-4E00-A191-96F89693057C}" dt="2021-06-25T17:43:43.265" v="111"/>
+          <ac:graphicFrameMkLst>
+            <pc:docMk/>
+            <pc:sldMk cId="1609848839" sldId="256"/>
+            <ac:graphicFrameMk id="33" creationId="{FF6CC21A-1E4F-4F2B-8F5A-10BA08714989}"/>
+          </ac:graphicFrameMkLst>
+        </pc:graphicFrameChg>
+        <pc:graphicFrameChg chg="del mod">
+          <ac:chgData name="Frederick, Samuel" userId="090dec4f-7d84-4616-bef6-b2226d1b24c4" providerId="ADAL" clId="{360A67A5-37B6-4E00-A191-96F89693057C}" dt="2021-06-25T17:43:34.700" v="109" actId="478"/>
+          <ac:graphicFrameMkLst>
+            <pc:docMk/>
+            <pc:sldMk cId="1609848839" sldId="256"/>
+            <ac:graphicFrameMk id="45" creationId="{CF285BA3-2F77-44D6-A90D-FA09A3ABA0E1}"/>
+          </ac:graphicFrameMkLst>
+        </pc:graphicFrameChg>
+        <pc:graphicFrameChg chg="del">
+          <ac:chgData name="Frederick, Samuel" userId="090dec4f-7d84-4616-bef6-b2226d1b24c4" providerId="ADAL" clId="{360A67A5-37B6-4E00-A191-96F89693057C}" dt="2021-06-25T17:43:36.491" v="110" actId="478"/>
+          <ac:graphicFrameMkLst>
+            <pc:docMk/>
+            <pc:sldMk cId="1609848839" sldId="256"/>
+            <ac:graphicFrameMk id="48" creationId="{AEF6C188-35F2-47DE-9D82-969D34B1EECF}"/>
+          </ac:graphicFrameMkLst>
+        </pc:graphicFrameChg>
+        <pc:graphicFrameChg chg="mod">
+          <ac:chgData name="Frederick, Samuel" userId="090dec4f-7d84-4616-bef6-b2226d1b24c4" providerId="ADAL" clId="{360A67A5-37B6-4E00-A191-96F89693057C}" dt="2021-06-25T17:36:28.360" v="10"/>
+          <ac:graphicFrameMkLst>
+            <pc:docMk/>
+            <pc:sldMk cId="1609848839" sldId="256"/>
+            <ac:graphicFrameMk id="51" creationId="{38C03BB1-CCE2-4806-8CE1-DD9943BC99C5}"/>
+          </ac:graphicFrameMkLst>
+        </pc:graphicFrameChg>
+        <pc:graphicFrameChg chg="mod modGraphic">
+          <ac:chgData name="Frederick, Samuel" userId="090dec4f-7d84-4616-bef6-b2226d1b24c4" providerId="ADAL" clId="{360A67A5-37B6-4E00-A191-96F89693057C}" dt="2021-06-25T17:43:31.759" v="108" actId="20577"/>
+          <ac:graphicFrameMkLst>
+            <pc:docMk/>
+            <pc:sldMk cId="1609848839" sldId="256"/>
+            <ac:graphicFrameMk id="56" creationId="{957E01A2-5E7D-419F-9E4A-7EC900B83EF7}"/>
+          </ac:graphicFrameMkLst>
+        </pc:graphicFrameChg>
+        <pc:cxnChg chg="add del mod">
+          <ac:chgData name="Frederick, Samuel" userId="090dec4f-7d84-4616-bef6-b2226d1b24c4" providerId="ADAL" clId="{360A67A5-37B6-4E00-A191-96F89693057C}" dt="2021-06-25T17:48:28.005" v="167" actId="478"/>
+          <ac:cxnSpMkLst>
+            <pc:docMk/>
+            <pc:sldMk cId="1609848839" sldId="256"/>
+            <ac:cxnSpMk id="9" creationId="{26AAFB8C-FD3F-4C54-BEF5-72647006D2F7}"/>
+          </ac:cxnSpMkLst>
+        </pc:cxnChg>
+      </pc:sldChg>
+      <pc:sldChg chg="addSp delSp modSp mod">
+        <pc:chgData name="Frederick, Samuel" userId="090dec4f-7d84-4616-bef6-b2226d1b24c4" providerId="ADAL" clId="{360A67A5-37B6-4E00-A191-96F89693057C}" dt="2021-06-25T17:35:46.375" v="8"/>
+        <pc:sldMkLst>
+          <pc:docMk/>
+          <pc:sldMk cId="677627962" sldId="260"/>
+        </pc:sldMkLst>
+        <pc:spChg chg="mod">
+          <ac:chgData name="Frederick, Samuel" userId="090dec4f-7d84-4616-bef6-b2226d1b24c4" providerId="ADAL" clId="{360A67A5-37B6-4E00-A191-96F89693057C}" dt="2021-06-25T17:35:10.147" v="5"/>
+          <ac:spMkLst>
+            <pc:docMk/>
+            <pc:sldMk cId="677627962" sldId="260"/>
+            <ac:spMk id="2" creationId="{5D2552CA-E9B4-457D-8B68-179D7461EB2D}"/>
+          </ac:spMkLst>
+        </pc:spChg>
+        <pc:spChg chg="del">
+          <ac:chgData name="Frederick, Samuel" userId="090dec4f-7d84-4616-bef6-b2226d1b24c4" providerId="ADAL" clId="{360A67A5-37B6-4E00-A191-96F89693057C}" dt="2021-06-25T17:35:10.147" v="5"/>
+          <ac:spMkLst>
+            <pc:docMk/>
+            <pc:sldMk cId="677627962" sldId="260"/>
+            <ac:spMk id="3" creationId="{4BE0F3C0-76E9-4BB6-BD59-BD00B774211E}"/>
+          </ac:spMkLst>
+        </pc:spChg>
+        <pc:spChg chg="add mod">
+          <ac:chgData name="Frederick, Samuel" userId="090dec4f-7d84-4616-bef6-b2226d1b24c4" providerId="ADAL" clId="{360A67A5-37B6-4E00-A191-96F89693057C}" dt="2021-06-25T17:35:10.147" v="5"/>
+          <ac:spMkLst>
+            <pc:docMk/>
+            <pc:sldMk cId="677627962" sldId="260"/>
+            <ac:spMk id="4" creationId="{6692EA42-EB5D-4422-9089-993AB136B2A6}"/>
+          </ac:spMkLst>
+        </pc:spChg>
+        <pc:spChg chg="mod">
+          <ac:chgData name="Frederick, Samuel" userId="090dec4f-7d84-4616-bef6-b2226d1b24c4" providerId="ADAL" clId="{360A67A5-37B6-4E00-A191-96F89693057C}" dt="2021-06-25T17:35:36.805" v="6"/>
+          <ac:spMkLst>
+            <pc:docMk/>
+            <pc:sldMk cId="677627962" sldId="260"/>
+            <ac:spMk id="5" creationId="{CA368A03-BB5B-4890-85C6-EC0F1DF40864}"/>
+          </ac:spMkLst>
+        </pc:spChg>
+        <pc:spChg chg="del">
+          <ac:chgData name="Frederick, Samuel" userId="090dec4f-7d84-4616-bef6-b2226d1b24c4" providerId="ADAL" clId="{360A67A5-37B6-4E00-A191-96F89693057C}" dt="2021-06-25T17:35:10.147" v="5"/>
+          <ac:spMkLst>
+            <pc:docMk/>
+            <pc:sldMk cId="677627962" sldId="260"/>
+            <ac:spMk id="6" creationId="{1FAC7418-B39F-48F7-A3F0-03D3E3D9F453}"/>
+          </ac:spMkLst>
+        </pc:spChg>
+        <pc:spChg chg="del">
+          <ac:chgData name="Frederick, Samuel" userId="090dec4f-7d84-4616-bef6-b2226d1b24c4" providerId="ADAL" clId="{360A67A5-37B6-4E00-A191-96F89693057C}" dt="2021-06-25T17:35:10.147" v="5"/>
+          <ac:spMkLst>
+            <pc:docMk/>
+            <pc:sldMk cId="677627962" sldId="260"/>
+            <ac:spMk id="7" creationId="{368CB50A-0C49-471D-870B-C34E5F12DC10}"/>
+          </ac:spMkLst>
+        </pc:spChg>
+        <pc:spChg chg="add mod">
+          <ac:chgData name="Frederick, Samuel" userId="090dec4f-7d84-4616-bef6-b2226d1b24c4" providerId="ADAL" clId="{360A67A5-37B6-4E00-A191-96F89693057C}" dt="2021-06-25T17:35:10.147" v="5"/>
+          <ac:spMkLst>
+            <pc:docMk/>
+            <pc:sldMk cId="677627962" sldId="260"/>
+            <ac:spMk id="8" creationId="{64EE5381-67C9-4DEA-ACDB-E9F8D6D7F4BE}"/>
+          </ac:spMkLst>
+        </pc:spChg>
+        <pc:spChg chg="add mod">
+          <ac:chgData name="Frederick, Samuel" userId="090dec4f-7d84-4616-bef6-b2226d1b24c4" providerId="ADAL" clId="{360A67A5-37B6-4E00-A191-96F89693057C}" dt="2021-06-25T17:35:10.147" v="5"/>
+          <ac:spMkLst>
+            <pc:docMk/>
+            <pc:sldMk cId="677627962" sldId="260"/>
+            <ac:spMk id="9" creationId="{5A97FEA4-A915-4FBD-B17A-D47AA1C1C52F}"/>
+          </ac:spMkLst>
+        </pc:spChg>
+        <pc:graphicFrameChg chg="del">
+          <ac:chgData name="Frederick, Samuel" userId="090dec4f-7d84-4616-bef6-b2226d1b24c4" providerId="ADAL" clId="{360A67A5-37B6-4E00-A191-96F89693057C}" dt="2021-06-25T17:35:46.207" v="7" actId="478"/>
+          <ac:graphicFrameMkLst>
+            <pc:docMk/>
+            <pc:sldMk cId="677627962" sldId="260"/>
+            <ac:graphicFrameMk id="12" creationId="{D41C8C22-744A-414D-A6F3-9BDC3E39EEDF}"/>
+          </ac:graphicFrameMkLst>
+        </pc:graphicFrameChg>
+        <pc:graphicFrameChg chg="add mod">
+          <ac:chgData name="Frederick, Samuel" userId="090dec4f-7d84-4616-bef6-b2226d1b24c4" providerId="ADAL" clId="{360A67A5-37B6-4E00-A191-96F89693057C}" dt="2021-06-25T17:35:46.375" v="8"/>
+          <ac:graphicFrameMkLst>
+            <pc:docMk/>
+            <pc:sldMk cId="677627962" sldId="260"/>
+            <ac:graphicFrameMk id="15" creationId="{FBCA8259-4FB6-42FD-AB91-6E8235005AB8}"/>
+          </ac:graphicFrameMkLst>
+        </pc:graphicFrameChg>
+      </pc:sldChg>
+      <pc:sldMasterChg chg="modSldLayout">
+        <pc:chgData name="Frederick, Samuel" userId="090dec4f-7d84-4616-bef6-b2226d1b24c4" providerId="ADAL" clId="{360A67A5-37B6-4E00-A191-96F89693057C}" dt="2021-06-25T17:34:54.934" v="3"/>
+        <pc:sldMasterMkLst>
+          <pc:docMk/>
+          <pc:sldMasterMk cId="1191321755" sldId="2147483684"/>
+        </pc:sldMasterMkLst>
+        <pc:sldLayoutChg chg="addSp delSp modSp mod">
+          <pc:chgData name="Frederick, Samuel" userId="090dec4f-7d84-4616-bef6-b2226d1b24c4" providerId="ADAL" clId="{360A67A5-37B6-4E00-A191-96F89693057C}" dt="2021-06-25T17:34:54.934" v="3"/>
+          <pc:sldLayoutMkLst>
+            <pc:docMk/>
+            <pc:sldMasterMk cId="1191321755" sldId="2147483684"/>
+            <pc:sldLayoutMk cId="6746695" sldId="2147483685"/>
+          </pc:sldLayoutMkLst>
+          <pc:spChg chg="del">
+            <ac:chgData name="Frederick, Samuel" userId="090dec4f-7d84-4616-bef6-b2226d1b24c4" providerId="ADAL" clId="{360A67A5-37B6-4E00-A191-96F89693057C}" dt="2021-06-25T17:34:54.370" v="2" actId="478"/>
+            <ac:spMkLst>
+              <pc:docMk/>
+              <pc:sldMasterMk cId="1191321755" sldId="2147483684"/>
+              <pc:sldLayoutMk cId="6746695" sldId="2147483685"/>
+              <ac:spMk id="9" creationId="{7BC6E539-5244-48A9-9F4E-73EEB03CD7D7}"/>
+            </ac:spMkLst>
+          </pc:spChg>
+          <pc:spChg chg="add mod">
+            <ac:chgData name="Frederick, Samuel" userId="090dec4f-7d84-4616-bef6-b2226d1b24c4" providerId="ADAL" clId="{360A67A5-37B6-4E00-A191-96F89693057C}" dt="2021-06-25T17:34:54.934" v="3"/>
+            <ac:spMkLst>
+              <pc:docMk/>
+              <pc:sldMasterMk cId="1191321755" sldId="2147483684"/>
+              <pc:sldLayoutMk cId="6746695" sldId="2147483685"/>
+              <ac:spMk id="10" creationId="{EBDB2795-E29B-423B-8CC3-2858E3CB59B9}"/>
+            </ac:spMkLst>
+          </pc:spChg>
+          <pc:spChg chg="add mod">
+            <ac:chgData name="Frederick, Samuel" userId="090dec4f-7d84-4616-bef6-b2226d1b24c4" providerId="ADAL" clId="{360A67A5-37B6-4E00-A191-96F89693057C}" dt="2021-06-25T17:34:54.934" v="3"/>
+            <ac:spMkLst>
+              <pc:docMk/>
+              <pc:sldMasterMk cId="1191321755" sldId="2147483684"/>
+              <pc:sldLayoutMk cId="6746695" sldId="2147483685"/>
+              <ac:spMk id="11" creationId="{7BDC237D-E31E-45E6-81B6-ADE019B9D1D6}"/>
+            </ac:spMkLst>
+          </pc:spChg>
+        </pc:sldLayoutChg>
+        <pc:sldLayoutChg chg="addSp delSp modSp mod">
+          <pc:chgData name="Frederick, Samuel" userId="090dec4f-7d84-4616-bef6-b2226d1b24c4" providerId="ADAL" clId="{360A67A5-37B6-4E00-A191-96F89693057C}" dt="2021-06-25T17:34:49.697" v="1"/>
+          <pc:sldLayoutMkLst>
+            <pc:docMk/>
+            <pc:sldMasterMk cId="1191321755" sldId="2147483684"/>
+            <pc:sldLayoutMk cId="45040622" sldId="2147483686"/>
+          </pc:sldLayoutMkLst>
+          <pc:spChg chg="del">
+            <ac:chgData name="Frederick, Samuel" userId="090dec4f-7d84-4616-bef6-b2226d1b24c4" providerId="ADAL" clId="{360A67A5-37B6-4E00-A191-96F89693057C}" dt="2021-06-25T17:34:49.261" v="0" actId="478"/>
+            <ac:spMkLst>
+              <pc:docMk/>
+              <pc:sldMasterMk cId="1191321755" sldId="2147483684"/>
+              <pc:sldLayoutMk cId="45040622" sldId="2147483686"/>
+              <ac:spMk id="5" creationId="{89D820F8-FAAC-4D4B-A90B-C8060CD41F76}"/>
+            </ac:spMkLst>
+          </pc:spChg>
+          <pc:spChg chg="add mod">
+            <ac:chgData name="Frederick, Samuel" userId="090dec4f-7d84-4616-bef6-b2226d1b24c4" providerId="ADAL" clId="{360A67A5-37B6-4E00-A191-96F89693057C}" dt="2021-06-25T17:34:49.697" v="1"/>
+            <ac:spMkLst>
+              <pc:docMk/>
+              <pc:sldMasterMk cId="1191321755" sldId="2147483684"/>
+              <pc:sldLayoutMk cId="45040622" sldId="2147483686"/>
+              <ac:spMk id="10" creationId="{088473F9-9820-45EC-867C-E1BAE0A43123}"/>
+            </ac:spMkLst>
+          </pc:spChg>
+          <pc:spChg chg="add mod">
+            <ac:chgData name="Frederick, Samuel" userId="090dec4f-7d84-4616-bef6-b2226d1b24c4" providerId="ADAL" clId="{360A67A5-37B6-4E00-A191-96F89693057C}" dt="2021-06-25T17:34:49.697" v="1"/>
+            <ac:spMkLst>
+              <pc:docMk/>
+              <pc:sldMasterMk cId="1191321755" sldId="2147483684"/>
+              <pc:sldLayoutMk cId="45040622" sldId="2147483686"/>
+              <ac:spMk id="11" creationId="{DFF07735-5A9D-461E-B236-B2EA294841B6}"/>
+            </ac:spMkLst>
+          </pc:spChg>
+        </pc:sldLayoutChg>
+      </pc:sldMasterChg>
+    </pc:docChg>
+  </pc:docChgLst>
   <pc:docChgLst>
     <pc:chgData name="Frederick, Samuel" userId="090dec4f-7d84-4616-bef6-b2226d1b24c4" providerId="ADAL" clId="{6302083C-E1B3-44C3-B094-27D1E811BBB1}"/>
     <pc:docChg chg="undo custSel addSld delSld modSld modMainMaster">
@@ -1339,335 +1671,27 @@
     </pc:docChg>
   </pc:docChgLst>
   <pc:docChgLst>
-    <pc:chgData name="Frederick, Samuel" userId="090dec4f-7d84-4616-bef6-b2226d1b24c4" providerId="ADAL" clId="{360A67A5-37B6-4E00-A191-96F89693057C}"/>
-    <pc:docChg chg="undo redo custSel modSld modMainMaster">
-      <pc:chgData name="Frederick, Samuel" userId="090dec4f-7d84-4616-bef6-b2226d1b24c4" providerId="ADAL" clId="{360A67A5-37B6-4E00-A191-96F89693057C}" dt="2021-06-25T17:48:28.005" v="167" actId="478"/>
+    <pc:chgData name="Kumar, Menaka" userId="8972b6a7-3ec9-4ac8-b4ad-4e01d2fc2916" providerId="ADAL" clId="{3CBD65B1-3428-4E4B-A2E8-8CAD5009A5EF}"/>
+    <pc:docChg chg="modSld">
+      <pc:chgData name="Kumar, Menaka" userId="8972b6a7-3ec9-4ac8-b4ad-4e01d2fc2916" providerId="ADAL" clId="{3CBD65B1-3428-4E4B-A2E8-8CAD5009A5EF}" dt="2023-02-08T19:45:26.893" v="29" actId="20577"/>
       <pc:docMkLst>
         <pc:docMk/>
       </pc:docMkLst>
-      <pc:sldChg chg="addSp delSp modSp mod">
-        <pc:chgData name="Frederick, Samuel" userId="090dec4f-7d84-4616-bef6-b2226d1b24c4" providerId="ADAL" clId="{360A67A5-37B6-4E00-A191-96F89693057C}" dt="2021-06-25T17:48:28.005" v="167" actId="478"/>
+      <pc:sldChg chg="modSp mod">
+        <pc:chgData name="Kumar, Menaka" userId="8972b6a7-3ec9-4ac8-b4ad-4e01d2fc2916" providerId="ADAL" clId="{3CBD65B1-3428-4E4B-A2E8-8CAD5009A5EF}" dt="2023-02-08T19:45:26.893" v="29" actId="20577"/>
         <pc:sldMkLst>
           <pc:docMk/>
           <pc:sldMk cId="1609848839" sldId="256"/>
         </pc:sldMkLst>
-        <pc:spChg chg="del">
-          <ac:chgData name="Frederick, Samuel" userId="090dec4f-7d84-4616-bef6-b2226d1b24c4" providerId="ADAL" clId="{360A67A5-37B6-4E00-A191-96F89693057C}" dt="2021-06-25T17:35:06.925" v="4"/>
-          <ac:spMkLst>
-            <pc:docMk/>
-            <pc:sldMk cId="1609848839" sldId="256"/>
-            <ac:spMk id="2" creationId="{D3BBE3C6-F1E4-4D42-8855-1B38098D718D}"/>
-          </ac:spMkLst>
-        </pc:spChg>
-        <pc:spChg chg="add mod">
-          <ac:chgData name="Frederick, Samuel" userId="090dec4f-7d84-4616-bef6-b2226d1b24c4" providerId="ADAL" clId="{360A67A5-37B6-4E00-A191-96F89693057C}" dt="2021-06-25T17:35:06.925" v="4"/>
-          <ac:spMkLst>
-            <pc:docMk/>
-            <pc:sldMk cId="1609848839" sldId="256"/>
-            <ac:spMk id="3" creationId="{E496A7F8-43F8-4BAA-ACE7-4F2FD405C445}"/>
-          </ac:spMkLst>
-        </pc:spChg>
-        <pc:spChg chg="del">
-          <ac:chgData name="Frederick, Samuel" userId="090dec4f-7d84-4616-bef6-b2226d1b24c4" providerId="ADAL" clId="{360A67A5-37B6-4E00-A191-96F89693057C}" dt="2021-06-25T17:35:06.925" v="4"/>
-          <ac:spMkLst>
-            <pc:docMk/>
-            <pc:sldMk cId="1609848839" sldId="256"/>
-            <ac:spMk id="4" creationId="{C1F6EC70-09A5-49CF-8C1A-8D0EB117AC03}"/>
-          </ac:spMkLst>
-        </pc:spChg>
-        <pc:spChg chg="del">
-          <ac:chgData name="Frederick, Samuel" userId="090dec4f-7d84-4616-bef6-b2226d1b24c4" providerId="ADAL" clId="{360A67A5-37B6-4E00-A191-96F89693057C}" dt="2021-06-25T17:35:06.925" v="4"/>
-          <ac:spMkLst>
-            <pc:docMk/>
-            <pc:sldMk cId="1609848839" sldId="256"/>
-            <ac:spMk id="5" creationId="{59B1715C-505C-471D-AC7B-8D5512F1F59D}"/>
-          </ac:spMkLst>
-        </pc:spChg>
-        <pc:spChg chg="add mod">
-          <ac:chgData name="Frederick, Samuel" userId="090dec4f-7d84-4616-bef6-b2226d1b24c4" providerId="ADAL" clId="{360A67A5-37B6-4E00-A191-96F89693057C}" dt="2021-06-25T17:35:06.925" v="4"/>
-          <ac:spMkLst>
-            <pc:docMk/>
-            <pc:sldMk cId="1609848839" sldId="256"/>
-            <ac:spMk id="6" creationId="{A96546AC-36CF-4A51-A082-C4DB57591699}"/>
-          </ac:spMkLst>
-        </pc:spChg>
-        <pc:spChg chg="add mod">
-          <ac:chgData name="Frederick, Samuel" userId="090dec4f-7d84-4616-bef6-b2226d1b24c4" providerId="ADAL" clId="{360A67A5-37B6-4E00-A191-96F89693057C}" dt="2021-06-25T17:35:06.925" v="4"/>
-          <ac:spMkLst>
-            <pc:docMk/>
-            <pc:sldMk cId="1609848839" sldId="256"/>
-            <ac:spMk id="7" creationId="{1F867A50-C366-451C-B510-1358A8E03B8F}"/>
-          </ac:spMkLst>
-        </pc:spChg>
-        <pc:spChg chg="del mod">
-          <ac:chgData name="Frederick, Samuel" userId="090dec4f-7d84-4616-bef6-b2226d1b24c4" providerId="ADAL" clId="{360A67A5-37B6-4E00-A191-96F89693057C}" dt="2021-06-25T17:44:02.034" v="115" actId="478"/>
-          <ac:spMkLst>
-            <pc:docMk/>
-            <pc:sldMk cId="1609848839" sldId="256"/>
-            <ac:spMk id="24" creationId="{E049956A-403C-4054-B4D6-AB0C98529660}"/>
-          </ac:spMkLst>
-        </pc:spChg>
-        <pc:spChg chg="mod">
-          <ac:chgData name="Frederick, Samuel" userId="090dec4f-7d84-4616-bef6-b2226d1b24c4" providerId="ADAL" clId="{360A67A5-37B6-4E00-A191-96F89693057C}" dt="2021-06-25T17:45:51.105" v="143" actId="1076"/>
-          <ac:spMkLst>
-            <pc:docMk/>
-            <pc:sldMk cId="1609848839" sldId="256"/>
-            <ac:spMk id="31" creationId="{C2D3D90C-F994-4CC3-8652-BCA3D4370ADC}"/>
-          </ac:spMkLst>
-        </pc:spChg>
-        <pc:spChg chg="add mod">
-          <ac:chgData name="Frederick, Samuel" userId="090dec4f-7d84-4616-bef6-b2226d1b24c4" providerId="ADAL" clId="{360A67A5-37B6-4E00-A191-96F89693057C}" dt="2021-06-25T17:48:21.649" v="166" actId="1076"/>
-          <ac:spMkLst>
-            <pc:docMk/>
-            <pc:sldMk cId="1609848839" sldId="256"/>
-            <ac:spMk id="34" creationId="{7D655D40-6DF2-4B90-8D9E-8C2B333DA162}"/>
-          </ac:spMkLst>
-        </pc:spChg>
-        <pc:spChg chg="mod">
-          <ac:chgData name="Frederick, Samuel" userId="090dec4f-7d84-4616-bef6-b2226d1b24c4" providerId="ADAL" clId="{360A67A5-37B6-4E00-A191-96F89693057C}" dt="2021-06-25T17:46:59.305" v="146" actId="1076"/>
-          <ac:spMkLst>
-            <pc:docMk/>
-            <pc:sldMk cId="1609848839" sldId="256"/>
-            <ac:spMk id="52" creationId="{C9375A12-4150-4C9A-A5FF-3226CB9B6B71}"/>
-          </ac:spMkLst>
-        </pc:spChg>
-        <pc:graphicFrameChg chg="mod modGraphic">
-          <ac:chgData name="Frederick, Samuel" userId="090dec4f-7d84-4616-bef6-b2226d1b24c4" providerId="ADAL" clId="{360A67A5-37B6-4E00-A191-96F89693057C}" dt="2021-06-25T17:37:23.694" v="30" actId="20577"/>
+        <pc:graphicFrameChg chg="modGraphic">
+          <ac:chgData name="Kumar, Menaka" userId="8972b6a7-3ec9-4ac8-b4ad-4e01d2fc2916" providerId="ADAL" clId="{3CBD65B1-3428-4E4B-A2E8-8CAD5009A5EF}" dt="2023-02-08T19:45:26.893" v="29" actId="20577"/>
           <ac:graphicFrameMkLst>
             <pc:docMk/>
             <pc:sldMk cId="1609848839" sldId="256"/>
             <ac:graphicFrameMk id="18" creationId="{47941790-F508-45B8-841D-BA5D6A7CA69F}"/>
           </ac:graphicFrameMkLst>
         </pc:graphicFrameChg>
-        <pc:graphicFrameChg chg="mod modGraphic">
-          <ac:chgData name="Frederick, Samuel" userId="090dec4f-7d84-4616-bef6-b2226d1b24c4" providerId="ADAL" clId="{360A67A5-37B6-4E00-A191-96F89693057C}" dt="2021-06-25T17:37:01.740" v="20"/>
-          <ac:graphicFrameMkLst>
-            <pc:docMk/>
-            <pc:sldMk cId="1609848839" sldId="256"/>
-            <ac:graphicFrameMk id="30" creationId="{21A58A00-867E-4586-9E12-B610E1FDCE28}"/>
-          </ac:graphicFrameMkLst>
-        </pc:graphicFrameChg>
-        <pc:graphicFrameChg chg="add mod modGraphic">
-          <ac:chgData name="Frederick, Samuel" userId="090dec4f-7d84-4616-bef6-b2226d1b24c4" providerId="ADAL" clId="{360A67A5-37B6-4E00-A191-96F89693057C}" dt="2021-06-25T17:45:13.595" v="141" actId="20577"/>
-          <ac:graphicFrameMkLst>
-            <pc:docMk/>
-            <pc:sldMk cId="1609848839" sldId="256"/>
-            <ac:graphicFrameMk id="32" creationId="{B8FDD0E3-4EC8-4FB4-AAC5-E9C047C9329F}"/>
-          </ac:graphicFrameMkLst>
-        </pc:graphicFrameChg>
-        <pc:graphicFrameChg chg="add mod">
-          <ac:chgData name="Frederick, Samuel" userId="090dec4f-7d84-4616-bef6-b2226d1b24c4" providerId="ADAL" clId="{360A67A5-37B6-4E00-A191-96F89693057C}" dt="2021-06-25T17:43:43.265" v="111"/>
-          <ac:graphicFrameMkLst>
-            <pc:docMk/>
-            <pc:sldMk cId="1609848839" sldId="256"/>
-            <ac:graphicFrameMk id="33" creationId="{FF6CC21A-1E4F-4F2B-8F5A-10BA08714989}"/>
-          </ac:graphicFrameMkLst>
-        </pc:graphicFrameChg>
-        <pc:graphicFrameChg chg="del mod">
-          <ac:chgData name="Frederick, Samuel" userId="090dec4f-7d84-4616-bef6-b2226d1b24c4" providerId="ADAL" clId="{360A67A5-37B6-4E00-A191-96F89693057C}" dt="2021-06-25T17:43:34.700" v="109" actId="478"/>
-          <ac:graphicFrameMkLst>
-            <pc:docMk/>
-            <pc:sldMk cId="1609848839" sldId="256"/>
-            <ac:graphicFrameMk id="45" creationId="{CF285BA3-2F77-44D6-A90D-FA09A3ABA0E1}"/>
-          </ac:graphicFrameMkLst>
-        </pc:graphicFrameChg>
-        <pc:graphicFrameChg chg="del">
-          <ac:chgData name="Frederick, Samuel" userId="090dec4f-7d84-4616-bef6-b2226d1b24c4" providerId="ADAL" clId="{360A67A5-37B6-4E00-A191-96F89693057C}" dt="2021-06-25T17:43:36.491" v="110" actId="478"/>
-          <ac:graphicFrameMkLst>
-            <pc:docMk/>
-            <pc:sldMk cId="1609848839" sldId="256"/>
-            <ac:graphicFrameMk id="48" creationId="{AEF6C188-35F2-47DE-9D82-969D34B1EECF}"/>
-          </ac:graphicFrameMkLst>
-        </pc:graphicFrameChg>
-        <pc:graphicFrameChg chg="mod">
-          <ac:chgData name="Frederick, Samuel" userId="090dec4f-7d84-4616-bef6-b2226d1b24c4" providerId="ADAL" clId="{360A67A5-37B6-4E00-A191-96F89693057C}" dt="2021-06-25T17:36:28.360" v="10"/>
-          <ac:graphicFrameMkLst>
-            <pc:docMk/>
-            <pc:sldMk cId="1609848839" sldId="256"/>
-            <ac:graphicFrameMk id="51" creationId="{38C03BB1-CCE2-4806-8CE1-DD9943BC99C5}"/>
-          </ac:graphicFrameMkLst>
-        </pc:graphicFrameChg>
-        <pc:graphicFrameChg chg="mod modGraphic">
-          <ac:chgData name="Frederick, Samuel" userId="090dec4f-7d84-4616-bef6-b2226d1b24c4" providerId="ADAL" clId="{360A67A5-37B6-4E00-A191-96F89693057C}" dt="2021-06-25T17:43:31.759" v="108" actId="20577"/>
-          <ac:graphicFrameMkLst>
-            <pc:docMk/>
-            <pc:sldMk cId="1609848839" sldId="256"/>
-            <ac:graphicFrameMk id="56" creationId="{957E01A2-5E7D-419F-9E4A-7EC900B83EF7}"/>
-          </ac:graphicFrameMkLst>
-        </pc:graphicFrameChg>
-        <pc:cxnChg chg="add del mod">
-          <ac:chgData name="Frederick, Samuel" userId="090dec4f-7d84-4616-bef6-b2226d1b24c4" providerId="ADAL" clId="{360A67A5-37B6-4E00-A191-96F89693057C}" dt="2021-06-25T17:48:28.005" v="167" actId="478"/>
-          <ac:cxnSpMkLst>
-            <pc:docMk/>
-            <pc:sldMk cId="1609848839" sldId="256"/>
-            <ac:cxnSpMk id="9" creationId="{26AAFB8C-FD3F-4C54-BEF5-72647006D2F7}"/>
-          </ac:cxnSpMkLst>
-        </pc:cxnChg>
       </pc:sldChg>
-      <pc:sldChg chg="addSp delSp modSp mod">
-        <pc:chgData name="Frederick, Samuel" userId="090dec4f-7d84-4616-bef6-b2226d1b24c4" providerId="ADAL" clId="{360A67A5-37B6-4E00-A191-96F89693057C}" dt="2021-06-25T17:35:46.375" v="8"/>
-        <pc:sldMkLst>
-          <pc:docMk/>
-          <pc:sldMk cId="677627962" sldId="260"/>
-        </pc:sldMkLst>
-        <pc:spChg chg="mod">
-          <ac:chgData name="Frederick, Samuel" userId="090dec4f-7d84-4616-bef6-b2226d1b24c4" providerId="ADAL" clId="{360A67A5-37B6-4E00-A191-96F89693057C}" dt="2021-06-25T17:35:10.147" v="5"/>
-          <ac:spMkLst>
-            <pc:docMk/>
-            <pc:sldMk cId="677627962" sldId="260"/>
-            <ac:spMk id="2" creationId="{5D2552CA-E9B4-457D-8B68-179D7461EB2D}"/>
-          </ac:spMkLst>
-        </pc:spChg>
-        <pc:spChg chg="del">
-          <ac:chgData name="Frederick, Samuel" userId="090dec4f-7d84-4616-bef6-b2226d1b24c4" providerId="ADAL" clId="{360A67A5-37B6-4E00-A191-96F89693057C}" dt="2021-06-25T17:35:10.147" v="5"/>
-          <ac:spMkLst>
-            <pc:docMk/>
-            <pc:sldMk cId="677627962" sldId="260"/>
-            <ac:spMk id="3" creationId="{4BE0F3C0-76E9-4BB6-BD59-BD00B774211E}"/>
-          </ac:spMkLst>
-        </pc:spChg>
-        <pc:spChg chg="add mod">
-          <ac:chgData name="Frederick, Samuel" userId="090dec4f-7d84-4616-bef6-b2226d1b24c4" providerId="ADAL" clId="{360A67A5-37B6-4E00-A191-96F89693057C}" dt="2021-06-25T17:35:10.147" v="5"/>
-          <ac:spMkLst>
-            <pc:docMk/>
-            <pc:sldMk cId="677627962" sldId="260"/>
-            <ac:spMk id="4" creationId="{6692EA42-EB5D-4422-9089-993AB136B2A6}"/>
-          </ac:spMkLst>
-        </pc:spChg>
-        <pc:spChg chg="mod">
-          <ac:chgData name="Frederick, Samuel" userId="090dec4f-7d84-4616-bef6-b2226d1b24c4" providerId="ADAL" clId="{360A67A5-37B6-4E00-A191-96F89693057C}" dt="2021-06-25T17:35:36.805" v="6"/>
-          <ac:spMkLst>
-            <pc:docMk/>
-            <pc:sldMk cId="677627962" sldId="260"/>
-            <ac:spMk id="5" creationId="{CA368A03-BB5B-4890-85C6-EC0F1DF40864}"/>
-          </ac:spMkLst>
-        </pc:spChg>
-        <pc:spChg chg="del">
-          <ac:chgData name="Frederick, Samuel" userId="090dec4f-7d84-4616-bef6-b2226d1b24c4" providerId="ADAL" clId="{360A67A5-37B6-4E00-A191-96F89693057C}" dt="2021-06-25T17:35:10.147" v="5"/>
-          <ac:spMkLst>
-            <pc:docMk/>
-            <pc:sldMk cId="677627962" sldId="260"/>
-            <ac:spMk id="6" creationId="{1FAC7418-B39F-48F7-A3F0-03D3E3D9F453}"/>
-          </ac:spMkLst>
-        </pc:spChg>
-        <pc:spChg chg="del">
-          <ac:chgData name="Frederick, Samuel" userId="090dec4f-7d84-4616-bef6-b2226d1b24c4" providerId="ADAL" clId="{360A67A5-37B6-4E00-A191-96F89693057C}" dt="2021-06-25T17:35:10.147" v="5"/>
-          <ac:spMkLst>
-            <pc:docMk/>
-            <pc:sldMk cId="677627962" sldId="260"/>
-            <ac:spMk id="7" creationId="{368CB50A-0C49-471D-870B-C34E5F12DC10}"/>
-          </ac:spMkLst>
-        </pc:spChg>
-        <pc:spChg chg="add mod">
-          <ac:chgData name="Frederick, Samuel" userId="090dec4f-7d84-4616-bef6-b2226d1b24c4" providerId="ADAL" clId="{360A67A5-37B6-4E00-A191-96F89693057C}" dt="2021-06-25T17:35:10.147" v="5"/>
-          <ac:spMkLst>
-            <pc:docMk/>
-            <pc:sldMk cId="677627962" sldId="260"/>
-            <ac:spMk id="8" creationId="{64EE5381-67C9-4DEA-ACDB-E9F8D6D7F4BE}"/>
-          </ac:spMkLst>
-        </pc:spChg>
-        <pc:spChg chg="add mod">
-          <ac:chgData name="Frederick, Samuel" userId="090dec4f-7d84-4616-bef6-b2226d1b24c4" providerId="ADAL" clId="{360A67A5-37B6-4E00-A191-96F89693057C}" dt="2021-06-25T17:35:10.147" v="5"/>
-          <ac:spMkLst>
-            <pc:docMk/>
-            <pc:sldMk cId="677627962" sldId="260"/>
-            <ac:spMk id="9" creationId="{5A97FEA4-A915-4FBD-B17A-D47AA1C1C52F}"/>
-          </ac:spMkLst>
-        </pc:spChg>
-        <pc:graphicFrameChg chg="del">
-          <ac:chgData name="Frederick, Samuel" userId="090dec4f-7d84-4616-bef6-b2226d1b24c4" providerId="ADAL" clId="{360A67A5-37B6-4E00-A191-96F89693057C}" dt="2021-06-25T17:35:46.207" v="7" actId="478"/>
-          <ac:graphicFrameMkLst>
-            <pc:docMk/>
-            <pc:sldMk cId="677627962" sldId="260"/>
-            <ac:graphicFrameMk id="12" creationId="{D41C8C22-744A-414D-A6F3-9BDC3E39EEDF}"/>
-          </ac:graphicFrameMkLst>
-        </pc:graphicFrameChg>
-        <pc:graphicFrameChg chg="add mod">
-          <ac:chgData name="Frederick, Samuel" userId="090dec4f-7d84-4616-bef6-b2226d1b24c4" providerId="ADAL" clId="{360A67A5-37B6-4E00-A191-96F89693057C}" dt="2021-06-25T17:35:46.375" v="8"/>
-          <ac:graphicFrameMkLst>
-            <pc:docMk/>
-            <pc:sldMk cId="677627962" sldId="260"/>
-            <ac:graphicFrameMk id="15" creationId="{FBCA8259-4FB6-42FD-AB91-6E8235005AB8}"/>
-          </ac:graphicFrameMkLst>
-        </pc:graphicFrameChg>
-      </pc:sldChg>
-      <pc:sldMasterChg chg="modSldLayout">
-        <pc:chgData name="Frederick, Samuel" userId="090dec4f-7d84-4616-bef6-b2226d1b24c4" providerId="ADAL" clId="{360A67A5-37B6-4E00-A191-96F89693057C}" dt="2021-06-25T17:34:54.934" v="3"/>
-        <pc:sldMasterMkLst>
-          <pc:docMk/>
-          <pc:sldMasterMk cId="1191321755" sldId="2147483684"/>
-        </pc:sldMasterMkLst>
-        <pc:sldLayoutChg chg="addSp delSp modSp mod">
-          <pc:chgData name="Frederick, Samuel" userId="090dec4f-7d84-4616-bef6-b2226d1b24c4" providerId="ADAL" clId="{360A67A5-37B6-4E00-A191-96F89693057C}" dt="2021-06-25T17:34:54.934" v="3"/>
-          <pc:sldLayoutMkLst>
-            <pc:docMk/>
-            <pc:sldMasterMk cId="1191321755" sldId="2147483684"/>
-            <pc:sldLayoutMk cId="6746695" sldId="2147483685"/>
-          </pc:sldLayoutMkLst>
-          <pc:spChg chg="del">
-            <ac:chgData name="Frederick, Samuel" userId="090dec4f-7d84-4616-bef6-b2226d1b24c4" providerId="ADAL" clId="{360A67A5-37B6-4E00-A191-96F89693057C}" dt="2021-06-25T17:34:54.370" v="2" actId="478"/>
-            <ac:spMkLst>
-              <pc:docMk/>
-              <pc:sldMasterMk cId="1191321755" sldId="2147483684"/>
-              <pc:sldLayoutMk cId="6746695" sldId="2147483685"/>
-              <ac:spMk id="9" creationId="{7BC6E539-5244-48A9-9F4E-73EEB03CD7D7}"/>
-            </ac:spMkLst>
-          </pc:spChg>
-          <pc:spChg chg="add mod">
-            <ac:chgData name="Frederick, Samuel" userId="090dec4f-7d84-4616-bef6-b2226d1b24c4" providerId="ADAL" clId="{360A67A5-37B6-4E00-A191-96F89693057C}" dt="2021-06-25T17:34:54.934" v="3"/>
-            <ac:spMkLst>
-              <pc:docMk/>
-              <pc:sldMasterMk cId="1191321755" sldId="2147483684"/>
-              <pc:sldLayoutMk cId="6746695" sldId="2147483685"/>
-              <ac:spMk id="10" creationId="{EBDB2795-E29B-423B-8CC3-2858E3CB59B9}"/>
-            </ac:spMkLst>
-          </pc:spChg>
-          <pc:spChg chg="add mod">
-            <ac:chgData name="Frederick, Samuel" userId="090dec4f-7d84-4616-bef6-b2226d1b24c4" providerId="ADAL" clId="{360A67A5-37B6-4E00-A191-96F89693057C}" dt="2021-06-25T17:34:54.934" v="3"/>
-            <ac:spMkLst>
-              <pc:docMk/>
-              <pc:sldMasterMk cId="1191321755" sldId="2147483684"/>
-              <pc:sldLayoutMk cId="6746695" sldId="2147483685"/>
-              <ac:spMk id="11" creationId="{7BDC237D-E31E-45E6-81B6-ADE019B9D1D6}"/>
-            </ac:spMkLst>
-          </pc:spChg>
-        </pc:sldLayoutChg>
-        <pc:sldLayoutChg chg="addSp delSp modSp mod">
-          <pc:chgData name="Frederick, Samuel" userId="090dec4f-7d84-4616-bef6-b2226d1b24c4" providerId="ADAL" clId="{360A67A5-37B6-4E00-A191-96F89693057C}" dt="2021-06-25T17:34:49.697" v="1"/>
-          <pc:sldLayoutMkLst>
-            <pc:docMk/>
-            <pc:sldMasterMk cId="1191321755" sldId="2147483684"/>
-            <pc:sldLayoutMk cId="45040622" sldId="2147483686"/>
-          </pc:sldLayoutMkLst>
-          <pc:spChg chg="del">
-            <ac:chgData name="Frederick, Samuel" userId="090dec4f-7d84-4616-bef6-b2226d1b24c4" providerId="ADAL" clId="{360A67A5-37B6-4E00-A191-96F89693057C}" dt="2021-06-25T17:34:49.261" v="0" actId="478"/>
-            <ac:spMkLst>
-              <pc:docMk/>
-              <pc:sldMasterMk cId="1191321755" sldId="2147483684"/>
-              <pc:sldLayoutMk cId="45040622" sldId="2147483686"/>
-              <ac:spMk id="5" creationId="{89D820F8-FAAC-4D4B-A90B-C8060CD41F76}"/>
-            </ac:spMkLst>
-          </pc:spChg>
-          <pc:spChg chg="add mod">
-            <ac:chgData name="Frederick, Samuel" userId="090dec4f-7d84-4616-bef6-b2226d1b24c4" providerId="ADAL" clId="{360A67A5-37B6-4E00-A191-96F89693057C}" dt="2021-06-25T17:34:49.697" v="1"/>
-            <ac:spMkLst>
-              <pc:docMk/>
-              <pc:sldMasterMk cId="1191321755" sldId="2147483684"/>
-              <pc:sldLayoutMk cId="45040622" sldId="2147483686"/>
-              <ac:spMk id="10" creationId="{088473F9-9820-45EC-867C-E1BAE0A43123}"/>
-            </ac:spMkLst>
-          </pc:spChg>
-          <pc:spChg chg="add mod">
-            <ac:chgData name="Frederick, Samuel" userId="090dec4f-7d84-4616-bef6-b2226d1b24c4" providerId="ADAL" clId="{360A67A5-37B6-4E00-A191-96F89693057C}" dt="2021-06-25T17:34:49.697" v="1"/>
-            <ac:spMkLst>
-              <pc:docMk/>
-              <pc:sldMasterMk cId="1191321755" sldId="2147483684"/>
-              <pc:sldLayoutMk cId="45040622" sldId="2147483686"/>
-              <ac:spMk id="11" creationId="{DFF07735-5A9D-461E-B236-B2EA294841B6}"/>
-            </ac:spMkLst>
-          </pc:spChg>
-        </pc:sldLayoutChg>
-      </pc:sldMasterChg>
     </pc:docChg>
   </pc:docChgLst>
 </pc:chgInfo>
@@ -1755,7 +1779,7 @@
           <a:p>
             <a:fld id="{3CA1DE52-DF04-4D3A-9C2F-16E440759AD9}" type="datetimeFigureOut">
               <a:rPr lang="en-US" smtClean="0"/>
-              <a:t>5/12/2022</a:t>
+              <a:t>2/8/2023</a:t>
             </a:fld>
             <a:endParaRPr lang="en-US"/>
           </a:p>
@@ -3693,7 +3717,7 @@
           <p:nvPr>
             <p:extLst>
               <p:ext uri="{D42A27DB-BD31-4B8C-83A1-F6EECF244321}">
-                <p14:modId xmlns:p14="http://schemas.microsoft.com/office/powerpoint/2010/main" val="1885850566"/>
+                <p14:modId xmlns:p14="http://schemas.microsoft.com/office/powerpoint/2010/main" val="403890563"/>
               </p:ext>
             </p:extLst>
           </p:nvPr>
@@ -3882,7 +3906,15 @@
                             <a:sysClr val="windowText" lastClr="000000"/>
                           </a:solidFill>
                         </a:rPr>
-                        <a:t>(Name, Organization type, Contact website)</a:t>
+                        <a:t>(Name, Organization, Contact website / email </a:t>
+                      </a:r>
+                      <a:r>
+                        <a:rPr lang="en-US" sz="1200" b="0">
+                          <a:solidFill>
+                            <a:sysClr val="windowText" lastClr="000000"/>
+                          </a:solidFill>
+                        </a:rPr>
+                        <a:t>/ phone number)</a:t>
                       </a:r>
                       <a:endParaRPr lang="en-US" sz="1400" b="0" dirty="0">
                         <a:solidFill>
@@ -12969,8 +13001,42 @@
 </file>
 
 <file path=customXml/item1.xml><?xml version="1.0" encoding="utf-8"?>
-<?mso-contentType ?>
-<SharedContentType xmlns="Microsoft.SharePoint.Taxonomy.ContentTypeSync" SourceId="29f62856-1543-49d4-a736-4569d363f533" ContentTypeId="0x0101" PreviousValue="false"/>
+<p:properties xmlns:p="http://schemas.microsoft.com/office/2006/metadata/properties" xmlns:xsi="http://www.w3.org/2001/XMLSchema-instance" xmlns:pc="http://schemas.microsoft.com/office/infopath/2007/PartnerControls">
+  <documentManagement>
+    <_Source xmlns="http://schemas.microsoft.com/sharepoint/v3/fields" xsi:nil="true"/>
+    <Language xmlns="http://schemas.microsoft.com/sharepoint/v3">English</Language>
+    <j747ac98061d40f0aa7bd47e1db5675d xmlns="4ffa91fb-a0ff-4ac5-b2db-65c790d184a4">
+      <Terms xmlns="http://schemas.microsoft.com/office/infopath/2007/PartnerControls"/>
+    </j747ac98061d40f0aa7bd47e1db5675d>
+    <External_x0020_Contributor xmlns="4ffa91fb-a0ff-4ac5-b2db-65c790d184a4" xsi:nil="true"/>
+    <TaxKeywordTaxHTField xmlns="4ffa91fb-a0ff-4ac5-b2db-65c790d184a4">
+      <Terms xmlns="http://schemas.microsoft.com/office/infopath/2007/PartnerControls"/>
+    </TaxKeywordTaxHTField>
+    <Record xmlns="4ffa91fb-a0ff-4ac5-b2db-65c790d184a4">Shared</Record>
+    <Rights xmlns="4ffa91fb-a0ff-4ac5-b2db-65c790d184a4" xsi:nil="true"/>
+    <Document_x0020_Creation_x0020_Date xmlns="4ffa91fb-a0ff-4ac5-b2db-65c790d184a4">2020-03-04T16:29:16+00:00</Document_x0020_Creation_x0020_Date>
+    <EPA_x0020_Office xmlns="4ffa91fb-a0ff-4ac5-b2db-65c790d184a4" xsi:nil="true"/>
+    <CategoryDescription xmlns="http://schemas.microsoft.com/sharepoint.v3" xsi:nil="true"/>
+    <Identifier xmlns="4ffa91fb-a0ff-4ac5-b2db-65c790d184a4" xsi:nil="true"/>
+    <_Coverage xmlns="http://schemas.microsoft.com/sharepoint/v3/fields" xsi:nil="true"/>
+    <Creator xmlns="4ffa91fb-a0ff-4ac5-b2db-65c790d184a4">
+      <UserInfo>
+        <DisplayName/>
+        <AccountId xsi:nil="true"/>
+        <AccountType/>
+      </UserInfo>
+    </Creator>
+    <EPA_x0020_Related_x0020_Documents xmlns="4ffa91fb-a0ff-4ac5-b2db-65c790d184a4" xsi:nil="true"/>
+    <EPA_x0020_Contributor xmlns="4ffa91fb-a0ff-4ac5-b2db-65c790d184a4">
+      <UserInfo>
+        <DisplayName/>
+        <AccountId xsi:nil="true"/>
+        <AccountType/>
+      </UserInfo>
+    </EPA_x0020_Contributor>
+    <TaxCatchAll xmlns="4ffa91fb-a0ff-4ac5-b2db-65c790d184a4"/>
+  </documentManagement>
+</p:properties>
 </file>
 
 <file path=customXml/item2.xml><?xml version="1.0" encoding="utf-8"?>
@@ -13372,42 +13438,8 @@
 </file>
 
 <file path=customXml/item3.xml><?xml version="1.0" encoding="utf-8"?>
-<p:properties xmlns:p="http://schemas.microsoft.com/office/2006/metadata/properties" xmlns:xsi="http://www.w3.org/2001/XMLSchema-instance" xmlns:pc="http://schemas.microsoft.com/office/infopath/2007/PartnerControls">
-  <documentManagement>
-    <_Source xmlns="http://schemas.microsoft.com/sharepoint/v3/fields" xsi:nil="true"/>
-    <Language xmlns="http://schemas.microsoft.com/sharepoint/v3">English</Language>
-    <j747ac98061d40f0aa7bd47e1db5675d xmlns="4ffa91fb-a0ff-4ac5-b2db-65c790d184a4">
-      <Terms xmlns="http://schemas.microsoft.com/office/infopath/2007/PartnerControls"/>
-    </j747ac98061d40f0aa7bd47e1db5675d>
-    <External_x0020_Contributor xmlns="4ffa91fb-a0ff-4ac5-b2db-65c790d184a4" xsi:nil="true"/>
-    <TaxKeywordTaxHTField xmlns="4ffa91fb-a0ff-4ac5-b2db-65c790d184a4">
-      <Terms xmlns="http://schemas.microsoft.com/office/infopath/2007/PartnerControls"/>
-    </TaxKeywordTaxHTField>
-    <Record xmlns="4ffa91fb-a0ff-4ac5-b2db-65c790d184a4">Shared</Record>
-    <Rights xmlns="4ffa91fb-a0ff-4ac5-b2db-65c790d184a4" xsi:nil="true"/>
-    <Document_x0020_Creation_x0020_Date xmlns="4ffa91fb-a0ff-4ac5-b2db-65c790d184a4">2020-03-04T16:29:16+00:00</Document_x0020_Creation_x0020_Date>
-    <EPA_x0020_Office xmlns="4ffa91fb-a0ff-4ac5-b2db-65c790d184a4" xsi:nil="true"/>
-    <CategoryDescription xmlns="http://schemas.microsoft.com/sharepoint.v3" xsi:nil="true"/>
-    <Identifier xmlns="4ffa91fb-a0ff-4ac5-b2db-65c790d184a4" xsi:nil="true"/>
-    <_Coverage xmlns="http://schemas.microsoft.com/sharepoint/v3/fields" xsi:nil="true"/>
-    <Creator xmlns="4ffa91fb-a0ff-4ac5-b2db-65c790d184a4">
-      <UserInfo>
-        <DisplayName/>
-        <AccountId xsi:nil="true"/>
-        <AccountType/>
-      </UserInfo>
-    </Creator>
-    <EPA_x0020_Related_x0020_Documents xmlns="4ffa91fb-a0ff-4ac5-b2db-65c790d184a4" xsi:nil="true"/>
-    <EPA_x0020_Contributor xmlns="4ffa91fb-a0ff-4ac5-b2db-65c790d184a4">
-      <UserInfo>
-        <DisplayName/>
-        <AccountId xsi:nil="true"/>
-        <AccountType/>
-      </UserInfo>
-    </EPA_x0020_Contributor>
-    <TaxCatchAll xmlns="4ffa91fb-a0ff-4ac5-b2db-65c790d184a4"/>
-  </documentManagement>
-</p:properties>
+<?mso-contentType ?>
+<SharedContentType xmlns="Microsoft.SharePoint.Taxonomy.ContentTypeSync" SourceId="29f62856-1543-49d4-a736-4569d363f533" ContentTypeId="0x0101" PreviousValue="false"/>
 </file>
 
 <file path=customXml/item4.xml><?xml version="1.0" encoding="utf-8"?>
@@ -13420,9 +13452,14 @@
 </file>
 
 <file path=customXml/itemProps1.xml><?xml version="1.0" encoding="utf-8"?>
-<ds:datastoreItem xmlns:ds="http://schemas.openxmlformats.org/officeDocument/2006/customXml" ds:itemID="{9D969709-82DA-4F6F-85CB-B966EACA0A33}">
+<ds:datastoreItem xmlns:ds="http://schemas.openxmlformats.org/officeDocument/2006/customXml" ds:itemID="{2EED311A-CCB5-4625-B52F-BB9F85A51581}">
   <ds:schemaRefs>
-    <ds:schemaRef ds:uri="Microsoft.SharePoint.Taxonomy.ContentTypeSync"/>
+    <ds:schemaRef ds:uri="http://schemas.microsoft.com/office/2006/metadata/properties"/>
+    <ds:schemaRef ds:uri="http://schemas.microsoft.com/office/infopath/2007/PartnerControls"/>
+    <ds:schemaRef ds:uri="http://schemas.microsoft.com/sharepoint/v3/fields"/>
+    <ds:schemaRef ds:uri="http://schemas.microsoft.com/sharepoint/v3"/>
+    <ds:schemaRef ds:uri="4ffa91fb-a0ff-4ac5-b2db-65c790d184a4"/>
+    <ds:schemaRef ds:uri="http://schemas.microsoft.com/sharepoint.v3"/>
   </ds:schemaRefs>
 </ds:datastoreItem>
 </file>
@@ -13450,14 +13487,9 @@
 </file>
 
 <file path=customXml/itemProps3.xml><?xml version="1.0" encoding="utf-8"?>
-<ds:datastoreItem xmlns:ds="http://schemas.openxmlformats.org/officeDocument/2006/customXml" ds:itemID="{2EED311A-CCB5-4625-B52F-BB9F85A51581}">
+<ds:datastoreItem xmlns:ds="http://schemas.openxmlformats.org/officeDocument/2006/customXml" ds:itemID="{9D969709-82DA-4F6F-85CB-B966EACA0A33}">
   <ds:schemaRefs>
-    <ds:schemaRef ds:uri="http://schemas.microsoft.com/office/2006/metadata/properties"/>
-    <ds:schemaRef ds:uri="http://schemas.microsoft.com/office/infopath/2007/PartnerControls"/>
-    <ds:schemaRef ds:uri="http://schemas.microsoft.com/sharepoint/v3/fields"/>
-    <ds:schemaRef ds:uri="http://schemas.microsoft.com/sharepoint/v3"/>
-    <ds:schemaRef ds:uri="4ffa91fb-a0ff-4ac5-b2db-65c790d184a4"/>
-    <ds:schemaRef ds:uri="http://schemas.microsoft.com/sharepoint.v3"/>
+    <ds:schemaRef ds:uri="Microsoft.SharePoint.Taxonomy.ContentTypeSync"/>
   </ds:schemaRefs>
 </ds:datastoreItem>
 </file>
